--- a/POI Training_Name/1-Lessons/2-Lesson Audio Visual Content/POI_Slide-Template.pptx
+++ b/POI Training_Name/1-Lessons/2-Lesson Audio Visual Content/POI_Slide-Template.pptx
@@ -6,12 +6,13 @@
     <p:sldMasterId id="2147483675" r:id="rId2"/>
   </p:sldMasterIdLst>
   <p:notesMasterIdLst>
-    <p:notesMasterId r:id="rId6"/>
+    <p:notesMasterId r:id="rId7"/>
   </p:notesMasterIdLst>
   <p:sldIdLst>
-    <p:sldId id="380" r:id="rId3"/>
+    <p:sldId id="381" r:id="rId3"/>
     <p:sldId id="257" r:id="rId4"/>
-    <p:sldId id="377" r:id="rId5"/>
+    <p:sldId id="382" r:id="rId5"/>
+    <p:sldId id="377" r:id="rId6"/>
   </p:sldIdLst>
   <p:sldSz cx="12192000" cy="6858000"/>
   <p:notesSz cx="6858000" cy="9144000"/>
@@ -115,6 +116,11 @@
       </a:defRPr>
     </a:lvl9pPr>
   </p:defaultTextStyle>
+  <p:extLst>
+    <p:ext uri="{EFAFB233-063F-42B5-8137-9DF3F51BA10A}">
+      <p15:sldGuideLst xmlns:p15="http://schemas.microsoft.com/office/powerpoint/2012/main"/>
+    </p:ext>
+  </p:extLst>
 </p:presentation>
 </file>
 
@@ -1437,8 +1443,8 @@
         </p:nvSpPr>
         <p:spPr>
           <a:xfrm>
-            <a:off x="3282385" y="2963230"/>
-            <a:ext cx="8218080" cy="1396800"/>
+            <a:off x="3296672" y="2950685"/>
+            <a:ext cx="8533378" cy="2704116"/>
           </a:xfrm>
           <a:prstGeom prst="rect">
             <a:avLst/>
@@ -1452,10 +1458,18 @@
           </a:ln>
         </p:spPr>
         <p:txBody>
-          <a:bodyPr lIns="90000" tIns="45000" rIns="90000" bIns="45000" anchor="ctr">
-            <a:noAutofit/>
+          <a:bodyPr wrap="square" lIns="90000" tIns="182880" rIns="90000" bIns="45000" anchor="t" anchorCtr="0">
+            <a:spAutoFit/>
           </a:bodyPr>
-          <a:lstStyle/>
+          <a:lstStyle>
+            <a:lvl1pPr algn="ctr">
+              <a:defRPr sz="6000">
+                <a:solidFill>
+                  <a:sysClr val="windowText" lastClr="000000"/>
+                </a:solidFill>
+              </a:defRPr>
+            </a:lvl1pPr>
+          </a:lstStyle>
           <a:p>
             <a:pPr indent="0" algn="ctr">
               <a:lnSpc>
@@ -1516,96 +1530,6 @@
               <a:latin typeface="Arial"/>
             </a:endParaRPr>
           </a:p>
-          <a:p>
-            <a:pPr marL="914400" indent="0" algn="ctr">
-              <a:lnSpc>
-                <a:spcPct val="90000"/>
-              </a:lnSpc>
-              <a:spcBef>
-                <a:spcPts val="499"/>
-              </a:spcBef>
-              <a:buNone/>
-              <a:tabLst>
-                <a:tab pos="0" algn="l"/>
-              </a:tabLst>
-            </a:pPr>
-            <a:r>
-              <a:rPr lang="en-US" sz="4800" b="1" strike="noStrike" spc="-1" dirty="0">
-                <a:solidFill>
-                  <a:srgbClr val="000000"/>
-                </a:solidFill>
-                <a:latin typeface="Arial"/>
-                <a:ea typeface="DejaVu Sans"/>
-              </a:rPr>
-              <a:t>Third level</a:t>
-            </a:r>
-            <a:endParaRPr lang="en-US" sz="4800" b="0" strike="noStrike" spc="-1" dirty="0">
-              <a:solidFill>
-                <a:srgbClr val="000000"/>
-              </a:solidFill>
-              <a:latin typeface="Arial"/>
-            </a:endParaRPr>
-          </a:p>
-          <a:p>
-            <a:pPr marL="1371600" indent="0" algn="ctr">
-              <a:lnSpc>
-                <a:spcPct val="90000"/>
-              </a:lnSpc>
-              <a:spcBef>
-                <a:spcPts val="499"/>
-              </a:spcBef>
-              <a:buNone/>
-              <a:tabLst>
-                <a:tab pos="0" algn="l"/>
-              </a:tabLst>
-            </a:pPr>
-            <a:r>
-              <a:rPr lang="en-US" sz="4400" b="1" strike="noStrike" spc="-1" dirty="0">
-                <a:solidFill>
-                  <a:srgbClr val="000000"/>
-                </a:solidFill>
-                <a:latin typeface="Arial"/>
-                <a:ea typeface="DejaVu Sans"/>
-              </a:rPr>
-              <a:t>Fourth level</a:t>
-            </a:r>
-            <a:endParaRPr lang="en-US" sz="4400" b="0" strike="noStrike" spc="-1" dirty="0">
-              <a:solidFill>
-                <a:srgbClr val="000000"/>
-              </a:solidFill>
-              <a:latin typeface="Arial"/>
-            </a:endParaRPr>
-          </a:p>
-          <a:p>
-            <a:pPr marL="1828800" indent="0" algn="ctr">
-              <a:lnSpc>
-                <a:spcPct val="90000"/>
-              </a:lnSpc>
-              <a:spcBef>
-                <a:spcPts val="499"/>
-              </a:spcBef>
-              <a:buNone/>
-              <a:tabLst>
-                <a:tab pos="0" algn="l"/>
-              </a:tabLst>
-            </a:pPr>
-            <a:r>
-              <a:rPr lang="en-US" sz="4400" b="1" strike="noStrike" spc="-1" dirty="0">
-                <a:solidFill>
-                  <a:srgbClr val="000000"/>
-                </a:solidFill>
-                <a:latin typeface="Arial"/>
-                <a:ea typeface="DejaVu Sans"/>
-              </a:rPr>
-              <a:t>Fifth level</a:t>
-            </a:r>
-            <a:endParaRPr lang="en-US" sz="4400" b="0" strike="noStrike" spc="-1" dirty="0">
-              <a:solidFill>
-                <a:srgbClr val="000000"/>
-              </a:solidFill>
-              <a:latin typeface="Arial"/>
-            </a:endParaRPr>
-          </a:p>
         </p:txBody>
       </p:sp>
       <p:sp>
@@ -1626,7 +1550,7 @@
         </p:nvSpPr>
         <p:spPr>
           <a:xfrm>
-            <a:off x="2694545" y="6084644"/>
+            <a:off x="2694545" y="103680"/>
             <a:ext cx="6802909" cy="585097"/>
           </a:xfrm>
           <a:prstGeom prst="rect">
@@ -1679,34 +1603,6 @@
               <a:t>Click to edit Master text styles</a:t>
             </a:r>
           </a:p>
-          <a:p>
-            <a:pPr lvl="1"/>
-            <a:r>
-              <a:rPr lang="en-US" dirty="0"/>
-              <a:t>Second level</a:t>
-            </a:r>
-          </a:p>
-          <a:p>
-            <a:pPr lvl="2"/>
-            <a:r>
-              <a:rPr lang="en-US" dirty="0"/>
-              <a:t>Third level</a:t>
-            </a:r>
-          </a:p>
-          <a:p>
-            <a:pPr lvl="3"/>
-            <a:r>
-              <a:rPr lang="en-US" dirty="0"/>
-              <a:t>Fourth level</a:t>
-            </a:r>
-          </a:p>
-          <a:p>
-            <a:pPr lvl="4"/>
-            <a:r>
-              <a:rPr lang="en-US" dirty="0"/>
-              <a:t>Fifth level</a:t>
-            </a:r>
-          </a:p>
         </p:txBody>
       </p:sp>
     </p:spTree>
@@ -1719,6 +1615,22 @@
   <p:clrMapOvr>
     <a:masterClrMapping/>
   </p:clrMapOvr>
+  <p:extLst>
+    <p:ext uri="{DCECCB84-F9BA-43D5-87BE-67443E8EF086}">
+      <p15:sldGuideLst xmlns:p15="http://schemas.microsoft.com/office/powerpoint/2012/main">
+        <p15:guide id="1" orient="horz" pos="2160" userDrawn="1">
+          <p15:clr>
+            <a:srgbClr val="FBAE40"/>
+          </p15:clr>
+        </p15:guide>
+        <p15:guide id="2" pos="3840" userDrawn="1">
+          <p15:clr>
+            <a:srgbClr val="FBAE40"/>
+          </p15:clr>
+        </p15:guide>
+      </p15:sldGuideLst>
+    </p:ext>
+  </p:extLst>
 </p:sldLayout>
 </file>
 
@@ -4157,10 +4069,10 @@
       </p:grpSpPr>
       <p:sp>
         <p:nvSpPr>
-          <p:cNvPr id="2" name=" 1">
+          <p:cNvPr id="2" name="Content Placeholder 1">
             <a:extLst>
               <a:ext uri="{FF2B5EF4-FFF2-40B4-BE49-F238E27FC236}">
-                <a16:creationId xmlns:a16="http://schemas.microsoft.com/office/drawing/2014/main" id="{EAD72F01-7116-818F-F5CA-6213F72D4B5D}"/>
+                <a16:creationId xmlns:a16="http://schemas.microsoft.com/office/drawing/2014/main" id="{6424299D-535A-EE7B-7BBB-37752CDCE2B3}"/>
               </a:ext>
             </a:extLst>
           </p:cNvPr>
@@ -4171,14 +4083,47 @@
             <p:ph/>
           </p:nvPr>
         </p:nvSpPr>
-        <p:spPr/>
+        <p:spPr>
+          <a:xfrm>
+            <a:off x="3296672" y="2950685"/>
+            <a:ext cx="8533378" cy="2020339"/>
+          </a:xfrm>
+        </p:spPr>
+        <p:txBody>
+          <a:bodyPr/>
+          <a:lstStyle/>
+          <a:p>
+            <a:pPr marL="0" indent="0" algn="ctr">
+              <a:buNone/>
+            </a:pPr>
+            <a:r>
+              <a:rPr lang="en-US" sz="6000" dirty="0">
+                <a:latin typeface="Arial" panose="020B0604020202020204" pitchFamily="34" charset="0"/>
+                <a:cs typeface="Arial" panose="020B0604020202020204" pitchFamily="34" charset="0"/>
+              </a:rPr>
+              <a:t>{UNIT}</a:t>
+            </a:r>
+          </a:p>
+          <a:p>
+            <a:pPr marL="0" indent="0" algn="ctr">
+              <a:buNone/>
+            </a:pPr>
+            <a:r>
+              <a:rPr lang="en-US" sz="6000" dirty="0">
+                <a:latin typeface="Arial" panose="020B0604020202020204" pitchFamily="34" charset="0"/>
+                <a:cs typeface="Arial" panose="020B0604020202020204" pitchFamily="34" charset="0"/>
+              </a:rPr>
+              <a:t>{COURSE}</a:t>
+            </a:r>
+          </a:p>
+        </p:txBody>
       </p:sp>
       <p:sp>
         <p:nvSpPr>
           <p:cNvPr id="3" name="Text Placeholder 2">
             <a:extLst>
               <a:ext uri="{FF2B5EF4-FFF2-40B4-BE49-F238E27FC236}">
-                <a16:creationId xmlns:a16="http://schemas.microsoft.com/office/drawing/2014/main" id="{2B50A6E1-2E26-A929-9150-AF7A9E25AA05}"/>
+                <a16:creationId xmlns:a16="http://schemas.microsoft.com/office/drawing/2014/main" id="{4B24374E-4CC2-709F-BC3B-354075F6FB78}"/>
               </a:ext>
             </a:extLst>
           </p:cNvPr>
@@ -4194,17 +4139,14 @@
           <a:bodyPr/>
           <a:lstStyle/>
           <a:p>
-            <a:r>
-              <a:rPr lang="en-US" dirty="0"/>
-              <a:t>Overall Classification: Unclassified</a:t>
-            </a:r>
+            <a:endParaRPr lang="en-US"/>
           </a:p>
         </p:txBody>
       </p:sp>
     </p:spTree>
     <p:extLst>
       <p:ext uri="{BB962C8B-B14F-4D97-AF65-F5344CB8AC3E}">
-        <p14:creationId xmlns:p14="http://schemas.microsoft.com/office/powerpoint/2010/main" val="982622322"/>
+        <p14:creationId xmlns:p14="http://schemas.microsoft.com/office/powerpoint/2010/main" val="1013508056"/>
       </p:ext>
     </p:extLst>
   </p:cSld>
@@ -4233,10 +4175,10 @@
       </p:grpSpPr>
       <p:sp>
         <p:nvSpPr>
-          <p:cNvPr id="4" name="Content Placeholder 3">
+          <p:cNvPr id="2" name="Content Placeholder 1">
             <a:extLst>
               <a:ext uri="{FF2B5EF4-FFF2-40B4-BE49-F238E27FC236}">
-                <a16:creationId xmlns:a16="http://schemas.microsoft.com/office/drawing/2014/main" id="{0762D0BC-E9D6-2681-E127-3D030425EDEC}"/>
+                <a16:creationId xmlns:a16="http://schemas.microsoft.com/office/drawing/2014/main" id="{9A99D188-A824-2E37-54D1-4E7C1EB15155}"/>
               </a:ext>
             </a:extLst>
           </p:cNvPr>
@@ -4252,16 +4194,16 @@
           <a:bodyPr/>
           <a:lstStyle/>
           <a:p>
-            <a:endParaRPr lang="en-US" dirty="0"/>
-          </a:p>
-        </p:txBody>
-      </p:sp>
-      <p:sp>
-        <p:nvSpPr>
-          <p:cNvPr id="5" name="Title 4">
+            <a:endParaRPr lang="en-US"/>
+          </a:p>
+        </p:txBody>
+      </p:sp>
+      <p:sp>
+        <p:nvSpPr>
+          <p:cNvPr id="3" name="Title 2">
             <a:extLst>
               <a:ext uri="{FF2B5EF4-FFF2-40B4-BE49-F238E27FC236}">
-                <a16:creationId xmlns:a16="http://schemas.microsoft.com/office/drawing/2014/main" id="{B25AB17B-468C-8CC4-D579-CB3BB72A9D23}"/>
+                <a16:creationId xmlns:a16="http://schemas.microsoft.com/office/drawing/2014/main" id="{EECFB502-B790-EC2F-D54B-7F2FA250F14A}"/>
               </a:ext>
             </a:extLst>
           </p:cNvPr>
@@ -4295,6 +4237,86 @@
 </file>
 
 <file path=ppt/slides/slide3.xml><?xml version="1.0" encoding="utf-8"?>
+<p:sld xmlns:a="http://schemas.openxmlformats.org/drawingml/2006/main" xmlns:r="http://schemas.openxmlformats.org/officeDocument/2006/relationships" xmlns:p="http://schemas.openxmlformats.org/presentationml/2006/main">
+  <p:cSld>
+    <p:spTree>
+      <p:nvGrpSpPr>
+        <p:cNvPr id="1" name=""/>
+        <p:cNvGrpSpPr/>
+        <p:nvPr/>
+      </p:nvGrpSpPr>
+      <p:grpSpPr>
+        <a:xfrm>
+          <a:off x="0" y="0"/>
+          <a:ext cx="0" cy="0"/>
+          <a:chOff x="0" y="0"/>
+          <a:chExt cx="0" cy="0"/>
+        </a:xfrm>
+      </p:grpSpPr>
+      <p:sp>
+        <p:nvSpPr>
+          <p:cNvPr id="2" name="Content Placeholder 1">
+            <a:extLst>
+              <a:ext uri="{FF2B5EF4-FFF2-40B4-BE49-F238E27FC236}">
+                <a16:creationId xmlns:a16="http://schemas.microsoft.com/office/drawing/2014/main" id="{E69DC58F-3459-BBF3-F312-11E2AA9F7888}"/>
+              </a:ext>
+            </a:extLst>
+          </p:cNvPr>
+          <p:cNvSpPr>
+            <a:spLocks noGrp="1"/>
+          </p:cNvSpPr>
+          <p:nvPr>
+            <p:ph/>
+          </p:nvPr>
+        </p:nvSpPr>
+        <p:spPr/>
+        <p:txBody>
+          <a:bodyPr/>
+          <a:lstStyle/>
+          <a:p>
+            <a:endParaRPr lang="en-US"/>
+          </a:p>
+        </p:txBody>
+      </p:sp>
+      <p:sp>
+        <p:nvSpPr>
+          <p:cNvPr id="3" name="Title 2">
+            <a:extLst>
+              <a:ext uri="{FF2B5EF4-FFF2-40B4-BE49-F238E27FC236}">
+                <a16:creationId xmlns:a16="http://schemas.microsoft.com/office/drawing/2014/main" id="{17C6241A-D242-92A5-3F01-F8E1025DAAD1}"/>
+              </a:ext>
+            </a:extLst>
+          </p:cNvPr>
+          <p:cNvSpPr>
+            <a:spLocks noGrp="1"/>
+          </p:cNvSpPr>
+          <p:nvPr>
+            <p:ph type="title"/>
+          </p:nvPr>
+        </p:nvSpPr>
+        <p:spPr/>
+        <p:txBody>
+          <a:bodyPr/>
+          <a:lstStyle/>
+          <a:p>
+            <a:endParaRPr lang="en-US"/>
+          </a:p>
+        </p:txBody>
+      </p:sp>
+    </p:spTree>
+    <p:extLst>
+      <p:ext uri="{BB962C8B-B14F-4D97-AF65-F5344CB8AC3E}">
+        <p14:creationId xmlns:p14="http://schemas.microsoft.com/office/powerpoint/2010/main" val="2629199843"/>
+      </p:ext>
+    </p:extLst>
+  </p:cSld>
+  <p:clrMapOvr>
+    <a:masterClrMapping/>
+  </p:clrMapOvr>
+</p:sld>
+</file>
+
+<file path=ppt/slides/slide4.xml><?xml version="1.0" encoding="utf-8"?>
 <p:sld xmlns:a="http://schemas.openxmlformats.org/drawingml/2006/main" xmlns:r="http://schemas.openxmlformats.org/officeDocument/2006/relationships" xmlns:p="http://schemas.openxmlformats.org/presentationml/2006/main">
   <p:cSld>
     <p:spTree>

--- a/POI Training_Name/1-Lessons/2-Lesson Audio Visual Content/POI_Slide-Template.pptx
+++ b/POI Training_Name/1-Lessons/2-Lesson Audio Visual Content/POI_Slide-Template.pptx
@@ -2,17 +2,16 @@
 <file path=ppt/presentation.xml><?xml version="1.0" encoding="utf-8"?>
 <p:presentation xmlns:a="http://schemas.openxmlformats.org/drawingml/2006/main" xmlns:r="http://schemas.openxmlformats.org/officeDocument/2006/relationships" xmlns:p="http://schemas.openxmlformats.org/presentationml/2006/main">
   <p:sldMasterIdLst>
-    <p:sldMasterId id="2147483648" r:id="rId1"/>
+    <p:sldMasterId id="2147483679" r:id="rId1"/>
     <p:sldMasterId id="2147483675" r:id="rId2"/>
   </p:sldMasterIdLst>
   <p:notesMasterIdLst>
-    <p:notesMasterId r:id="rId7"/>
+    <p:notesMasterId r:id="rId6"/>
   </p:notesMasterIdLst>
   <p:sldIdLst>
     <p:sldId id="381" r:id="rId3"/>
-    <p:sldId id="257" r:id="rId4"/>
-    <p:sldId id="382" r:id="rId5"/>
-    <p:sldId id="377" r:id="rId6"/>
+    <p:sldId id="383" r:id="rId4"/>
+    <p:sldId id="377" r:id="rId5"/>
   </p:sldIdLst>
   <p:sldSz cx="12192000" cy="6858000"/>
   <p:notesSz cx="6858000" cy="9144000"/>
@@ -542,8 +541,8 @@
 </file>
 
 <file path=ppt/slideLayouts/slideLayout1.xml><?xml version="1.0" encoding="utf-8"?>
-<p:sldLayout xmlns:a="http://schemas.openxmlformats.org/drawingml/2006/main" xmlns:r="http://schemas.openxmlformats.org/officeDocument/2006/relationships" xmlns:p="http://schemas.openxmlformats.org/presentationml/2006/main" preserve="1" userDrawn="1">
-  <p:cSld name="Blank Slide">
+<p:sldLayout xmlns:a="http://schemas.openxmlformats.org/drawingml/2006/main" xmlns:r="http://schemas.openxmlformats.org/officeDocument/2006/relationships" xmlns:p="http://schemas.openxmlformats.org/presentationml/2006/main" type="title" preserve="1">
+  <p:cSld name="Title Slide">
     <p:spTree>
       <p:nvGrpSpPr>
         <p:cNvPr id="1" name=""/>
@@ -560,12 +559,125 @@
       </p:grpSpPr>
       <p:sp>
         <p:nvSpPr>
-          <p:cNvPr id="2" name="PlaceHolder 1"/>
-          <p:cNvSpPr>
-            <a:spLocks noGrp="1"/>
-          </p:cNvSpPr>
-          <p:nvPr>
-            <p:ph type="sldNum" idx="1"/>
+          <p:cNvPr id="2" name="Title 1">
+            <a:extLst>
+              <a:ext uri="{FF2B5EF4-FFF2-40B4-BE49-F238E27FC236}">
+                <a16:creationId xmlns:a16="http://schemas.microsoft.com/office/drawing/2014/main" id="{B2CB4A99-850F-3A20-43EC-FA6EB2506440}"/>
+              </a:ext>
+            </a:extLst>
+          </p:cNvPr>
+          <p:cNvSpPr>
+            <a:spLocks noGrp="1"/>
+          </p:cNvSpPr>
+          <p:nvPr>
+            <p:ph type="ctrTitle" hasCustomPrompt="1"/>
+          </p:nvPr>
+        </p:nvSpPr>
+        <p:spPr>
+          <a:xfrm>
+            <a:off x="1524000" y="1122363"/>
+            <a:ext cx="9144000" cy="2387600"/>
+          </a:xfrm>
+        </p:spPr>
+        <p:txBody>
+          <a:bodyPr anchor="b"/>
+          <a:lstStyle>
+            <a:lvl1pPr algn="ctr">
+              <a:defRPr sz="6000"/>
+            </a:lvl1pPr>
+          </a:lstStyle>
+          <a:p>
+            <a:r>
+              <a:rPr lang="en-US" dirty="0"/>
+              <a:t>Click To Edit Master Title Style</a:t>
+            </a:r>
+          </a:p>
+        </p:txBody>
+      </p:sp>
+      <p:sp>
+        <p:nvSpPr>
+          <p:cNvPr id="3" name="Subtitle 2">
+            <a:extLst>
+              <a:ext uri="{FF2B5EF4-FFF2-40B4-BE49-F238E27FC236}">
+                <a16:creationId xmlns:a16="http://schemas.microsoft.com/office/drawing/2014/main" id="{A1A2D930-B7C5-A459-F8FC-2A3A55E8FB9B}"/>
+              </a:ext>
+            </a:extLst>
+          </p:cNvPr>
+          <p:cNvSpPr>
+            <a:spLocks noGrp="1"/>
+          </p:cNvSpPr>
+          <p:nvPr>
+            <p:ph type="subTitle" idx="1"/>
+          </p:nvPr>
+        </p:nvSpPr>
+        <p:spPr>
+          <a:xfrm>
+            <a:off x="1524000" y="3602038"/>
+            <a:ext cx="9144000" cy="1655762"/>
+          </a:xfrm>
+        </p:spPr>
+        <p:txBody>
+          <a:bodyPr/>
+          <a:lstStyle>
+            <a:lvl1pPr marL="0" indent="0" algn="ctr">
+              <a:buNone/>
+              <a:defRPr sz="2400"/>
+            </a:lvl1pPr>
+            <a:lvl2pPr marL="457200" indent="0" algn="ctr">
+              <a:buNone/>
+              <a:defRPr sz="2000"/>
+            </a:lvl2pPr>
+            <a:lvl3pPr marL="914400" indent="0" algn="ctr">
+              <a:buNone/>
+              <a:defRPr sz="1800"/>
+            </a:lvl3pPr>
+            <a:lvl4pPr marL="1371600" indent="0" algn="ctr">
+              <a:buNone/>
+              <a:defRPr sz="1600"/>
+            </a:lvl4pPr>
+            <a:lvl5pPr marL="1828800" indent="0" algn="ctr">
+              <a:buNone/>
+              <a:defRPr sz="1600"/>
+            </a:lvl5pPr>
+            <a:lvl6pPr marL="2286000" indent="0" algn="ctr">
+              <a:buNone/>
+              <a:defRPr sz="1600"/>
+            </a:lvl6pPr>
+            <a:lvl7pPr marL="2743200" indent="0" algn="ctr">
+              <a:buNone/>
+              <a:defRPr sz="1600"/>
+            </a:lvl7pPr>
+            <a:lvl8pPr marL="3200400" indent="0" algn="ctr">
+              <a:buNone/>
+              <a:defRPr sz="1600"/>
+            </a:lvl8pPr>
+            <a:lvl9pPr marL="3657600" indent="0" algn="ctr">
+              <a:buNone/>
+              <a:defRPr sz="1600"/>
+            </a:lvl9pPr>
+          </a:lstStyle>
+          <a:p>
+            <a:r>
+              <a:rPr lang="en-US"/>
+              <a:t>Click to edit Master subtitle style</a:t>
+            </a:r>
+          </a:p>
+        </p:txBody>
+      </p:sp>
+      <p:sp>
+        <p:nvSpPr>
+          <p:cNvPr id="4" name="Date Placeholder 3">
+            <a:extLst>
+              <a:ext uri="{FF2B5EF4-FFF2-40B4-BE49-F238E27FC236}">
+                <a16:creationId xmlns:a16="http://schemas.microsoft.com/office/drawing/2014/main" id="{17E55050-AD60-01CD-B614-4B4EE25D03F2}"/>
+              </a:ext>
+            </a:extLst>
+          </p:cNvPr>
+          <p:cNvSpPr>
+            <a:spLocks noGrp="1"/>
+          </p:cNvSpPr>
+          <p:nvPr>
+            <p:ph type="dt" sz="half" idx="10"/>
           </p:nvPr>
         </p:nvSpPr>
         <p:spPr/>
@@ -573,14 +685,74 @@
           <a:bodyPr/>
           <a:lstStyle/>
           <a:p>
-            <a:fld id="{CB7420B9-F1A3-44F7-A2E4-D4F34AF206FD}" type="slidenum">
+            <a:fld id="{19E3F066-8095-7A47-8BBF-FB45577C0028}" type="datetimeFigureOut">
+              <a:rPr lang="en-US" smtClean="0"/>
+              <a:t>11/28/22</a:t>
+            </a:fld>
+            <a:endParaRPr lang="en-US"/>
+          </a:p>
+        </p:txBody>
+      </p:sp>
+      <p:sp>
+        <p:nvSpPr>
+          <p:cNvPr id="5" name="Footer Placeholder 4">
+            <a:extLst>
+              <a:ext uri="{FF2B5EF4-FFF2-40B4-BE49-F238E27FC236}">
+                <a16:creationId xmlns:a16="http://schemas.microsoft.com/office/drawing/2014/main" id="{DD4066A1-BF3F-43B2-64DE-8882244B8DD8}"/>
+              </a:ext>
+            </a:extLst>
+          </p:cNvPr>
+          <p:cNvSpPr>
+            <a:spLocks noGrp="1"/>
+          </p:cNvSpPr>
+          <p:nvPr>
+            <p:ph type="ftr" sz="quarter" idx="11"/>
+          </p:nvPr>
+        </p:nvSpPr>
+        <p:spPr/>
+        <p:txBody>
+          <a:bodyPr/>
+          <a:lstStyle/>
+          <a:p>
+            <a:endParaRPr lang="en-US"/>
+          </a:p>
+        </p:txBody>
+      </p:sp>
+      <p:sp>
+        <p:nvSpPr>
+          <p:cNvPr id="6" name="Slide Number Placeholder 5">
+            <a:extLst>
+              <a:ext uri="{FF2B5EF4-FFF2-40B4-BE49-F238E27FC236}">
+                <a16:creationId xmlns:a16="http://schemas.microsoft.com/office/drawing/2014/main" id="{F8ECA07F-98E7-0616-2397-F72FBD9CCB88}"/>
+              </a:ext>
+            </a:extLst>
+          </p:cNvPr>
+          <p:cNvSpPr>
+            <a:spLocks noGrp="1"/>
+          </p:cNvSpPr>
+          <p:nvPr>
+            <p:ph type="sldNum" sz="quarter" idx="12"/>
+          </p:nvPr>
+        </p:nvSpPr>
+        <p:spPr/>
+        <p:txBody>
+          <a:bodyPr/>
+          <a:lstStyle/>
+          <a:p>
+            <a:fld id="{657976D3-6013-CA45-A782-C70B6CB6EC75}" type="slidenum">
+              <a:rPr lang="en-US" smtClean="0"/>
               <a:t>‹#›</a:t>
             </a:fld>
-            <a:endParaRPr/>
+            <a:endParaRPr lang="en-US"/>
           </a:p>
         </p:txBody>
       </p:sp>
     </p:spTree>
+    <p:extLst>
+      <p:ext uri="{BB962C8B-B14F-4D97-AF65-F5344CB8AC3E}">
+        <p14:creationId xmlns:p14="http://schemas.microsoft.com/office/powerpoint/2010/main" val="3380098141"/>
+      </p:ext>
+    </p:extLst>
   </p:cSld>
   <p:clrMapOvr>
     <a:masterClrMapping/>
@@ -589,8 +761,8 @@
 </file>
 
 <file path=ppt/slideLayouts/slideLayout10.xml><?xml version="1.0" encoding="utf-8"?>
-<p:sldLayout xmlns:a="http://schemas.openxmlformats.org/drawingml/2006/main" xmlns:r="http://schemas.openxmlformats.org/officeDocument/2006/relationships" xmlns:p="http://schemas.openxmlformats.org/presentationml/2006/main" preserve="1" userDrawn="1">
-  <p:cSld name="Title, 4 Content">
+<p:sldLayout xmlns:a="http://schemas.openxmlformats.org/drawingml/2006/main" xmlns:r="http://schemas.openxmlformats.org/officeDocument/2006/relationships" xmlns:p="http://schemas.openxmlformats.org/presentationml/2006/main" type="vertTx" preserve="1">
+  <p:cSld name="Title and Vertical Text">
     <p:spTree>
       <p:nvGrpSpPr>
         <p:cNvPr id="1" name=""/>
@@ -607,200 +779,18 @@
       </p:grpSpPr>
       <p:sp>
         <p:nvSpPr>
-          <p:cNvPr id="28" name="PlaceHolder 2"/>
-          <p:cNvSpPr>
-            <a:spLocks noGrp="1"/>
-          </p:cNvSpPr>
-          <p:nvPr>
-            <p:ph/>
-          </p:nvPr>
-        </p:nvSpPr>
-        <p:spPr>
-          <a:xfrm>
-            <a:off x="609480" y="1604520"/>
-            <a:ext cx="5354280" cy="1896840"/>
-          </a:xfrm>
-          <a:prstGeom prst="rect">
-            <a:avLst/>
-          </a:prstGeom>
-          <a:noFill/>
-          <a:ln w="0">
-            <a:noFill/>
-          </a:ln>
-        </p:spPr>
-        <p:txBody>
-          <a:bodyPr lIns="0" tIns="0" rIns="0" bIns="0" anchor="t">
-            <a:normAutofit/>
-          </a:bodyPr>
-          <a:lstStyle/>
-          <a:p>
-            <a:pPr indent="0">
-              <a:lnSpc>
-                <a:spcPct val="90000"/>
-              </a:lnSpc>
-              <a:spcBef>
-                <a:spcPts val="1417"/>
-              </a:spcBef>
-              <a:buNone/>
-            </a:pPr>
-            <a:endParaRPr lang="en-US" sz="2800" b="0" strike="noStrike" spc="-1">
-              <a:solidFill>
-                <a:srgbClr val="000000"/>
-              </a:solidFill>
-              <a:latin typeface="Arial"/>
-            </a:endParaRPr>
-          </a:p>
-        </p:txBody>
-      </p:sp>
-      <p:sp>
-        <p:nvSpPr>
-          <p:cNvPr id="29" name="PlaceHolder 3"/>
-          <p:cNvSpPr>
-            <a:spLocks noGrp="1"/>
-          </p:cNvSpPr>
-          <p:nvPr>
-            <p:ph/>
-          </p:nvPr>
-        </p:nvSpPr>
-        <p:spPr>
-          <a:xfrm>
-            <a:off x="6231960" y="1604520"/>
-            <a:ext cx="5354280" cy="1896840"/>
-          </a:xfrm>
-          <a:prstGeom prst="rect">
-            <a:avLst/>
-          </a:prstGeom>
-          <a:noFill/>
-          <a:ln w="0">
-            <a:noFill/>
-          </a:ln>
-        </p:spPr>
-        <p:txBody>
-          <a:bodyPr lIns="0" tIns="0" rIns="0" bIns="0" anchor="t">
-            <a:normAutofit/>
-          </a:bodyPr>
-          <a:lstStyle/>
-          <a:p>
-            <a:pPr indent="0">
-              <a:lnSpc>
-                <a:spcPct val="90000"/>
-              </a:lnSpc>
-              <a:spcBef>
-                <a:spcPts val="1417"/>
-              </a:spcBef>
-              <a:buNone/>
-            </a:pPr>
-            <a:endParaRPr lang="en-US" sz="2800" b="0" strike="noStrike" spc="-1">
-              <a:solidFill>
-                <a:srgbClr val="000000"/>
-              </a:solidFill>
-              <a:latin typeface="Arial"/>
-            </a:endParaRPr>
-          </a:p>
-        </p:txBody>
-      </p:sp>
-      <p:sp>
-        <p:nvSpPr>
-          <p:cNvPr id="30" name="PlaceHolder 4"/>
-          <p:cNvSpPr>
-            <a:spLocks noGrp="1"/>
-          </p:cNvSpPr>
-          <p:nvPr>
-            <p:ph/>
-          </p:nvPr>
-        </p:nvSpPr>
-        <p:spPr>
-          <a:xfrm>
-            <a:off x="609480" y="3682080"/>
-            <a:ext cx="5354280" cy="1896840"/>
-          </a:xfrm>
-          <a:prstGeom prst="rect">
-            <a:avLst/>
-          </a:prstGeom>
-          <a:noFill/>
-          <a:ln w="0">
-            <a:noFill/>
-          </a:ln>
-        </p:spPr>
-        <p:txBody>
-          <a:bodyPr lIns="0" tIns="0" rIns="0" bIns="0" anchor="t">
-            <a:normAutofit/>
-          </a:bodyPr>
-          <a:lstStyle/>
-          <a:p>
-            <a:pPr indent="0">
-              <a:lnSpc>
-                <a:spcPct val="90000"/>
-              </a:lnSpc>
-              <a:spcBef>
-                <a:spcPts val="1417"/>
-              </a:spcBef>
-              <a:buNone/>
-            </a:pPr>
-            <a:endParaRPr lang="en-US" sz="2800" b="0" strike="noStrike" spc="-1">
-              <a:solidFill>
-                <a:srgbClr val="000000"/>
-              </a:solidFill>
-              <a:latin typeface="Arial"/>
-            </a:endParaRPr>
-          </a:p>
-        </p:txBody>
-      </p:sp>
-      <p:sp>
-        <p:nvSpPr>
-          <p:cNvPr id="31" name="PlaceHolder 5"/>
-          <p:cNvSpPr>
-            <a:spLocks noGrp="1"/>
-          </p:cNvSpPr>
-          <p:nvPr>
-            <p:ph/>
-          </p:nvPr>
-        </p:nvSpPr>
-        <p:spPr>
-          <a:xfrm>
-            <a:off x="6231960" y="3682080"/>
-            <a:ext cx="5354280" cy="1896840"/>
-          </a:xfrm>
-          <a:prstGeom prst="rect">
-            <a:avLst/>
-          </a:prstGeom>
-          <a:noFill/>
-          <a:ln w="0">
-            <a:noFill/>
-          </a:ln>
-        </p:spPr>
-        <p:txBody>
-          <a:bodyPr lIns="0" tIns="0" rIns="0" bIns="0" anchor="t">
-            <a:normAutofit/>
-          </a:bodyPr>
-          <a:lstStyle/>
-          <a:p>
-            <a:pPr indent="0">
-              <a:lnSpc>
-                <a:spcPct val="90000"/>
-              </a:lnSpc>
-              <a:spcBef>
-                <a:spcPts val="1417"/>
-              </a:spcBef>
-              <a:buNone/>
-            </a:pPr>
-            <a:endParaRPr lang="en-US" sz="2800" b="0" strike="noStrike" spc="-1">
-              <a:solidFill>
-                <a:srgbClr val="000000"/>
-              </a:solidFill>
-              <a:latin typeface="Arial"/>
-            </a:endParaRPr>
-          </a:p>
-        </p:txBody>
-      </p:sp>
-      <p:sp>
-        <p:nvSpPr>
-          <p:cNvPr id="7" name="PlaceHolder 6"/>
-          <p:cNvSpPr>
-            <a:spLocks noGrp="1"/>
-          </p:cNvSpPr>
-          <p:nvPr>
-            <p:ph type="sldNum" idx="1"/>
+          <p:cNvPr id="2" name="Title 1">
+            <a:extLst>
+              <a:ext uri="{FF2B5EF4-FFF2-40B4-BE49-F238E27FC236}">
+                <a16:creationId xmlns:a16="http://schemas.microsoft.com/office/drawing/2014/main" id="{43A49AFB-B2DB-B16B-35D6-9777835B5C85}"/>
+              </a:ext>
+            </a:extLst>
+          </p:cNvPr>
+          <p:cNvSpPr>
+            <a:spLocks noGrp="1"/>
+          </p:cNvSpPr>
+          <p:nvPr>
+            <p:ph type="title"/>
           </p:nvPr>
         </p:nvSpPr>
         <p:spPr/>
@@ -808,42 +798,159 @@
           <a:bodyPr/>
           <a:lstStyle/>
           <a:p>
-            <a:fld id="{26EBDEBB-F25C-402C-81DA-D91757738FD8}" type="slidenum">
+            <a:r>
+              <a:rPr lang="en-US"/>
+              <a:t>Click to edit Master title style</a:t>
+            </a:r>
+          </a:p>
+        </p:txBody>
+      </p:sp>
+      <p:sp>
+        <p:nvSpPr>
+          <p:cNvPr id="3" name="Vertical Text Placeholder 2">
+            <a:extLst>
+              <a:ext uri="{FF2B5EF4-FFF2-40B4-BE49-F238E27FC236}">
+                <a16:creationId xmlns:a16="http://schemas.microsoft.com/office/drawing/2014/main" id="{A9CE46D4-B225-5F7C-2530-B0DCB5D80D8C}"/>
+              </a:ext>
+            </a:extLst>
+          </p:cNvPr>
+          <p:cNvSpPr>
+            <a:spLocks noGrp="1"/>
+          </p:cNvSpPr>
+          <p:nvPr>
+            <p:ph type="body" orient="vert" idx="1"/>
+          </p:nvPr>
+        </p:nvSpPr>
+        <p:spPr/>
+        <p:txBody>
+          <a:bodyPr vert="eaVert"/>
+          <a:lstStyle/>
+          <a:p>
+            <a:pPr lvl="0"/>
+            <a:r>
+              <a:rPr lang="en-US"/>
+              <a:t>Click to edit Master text styles</a:t>
+            </a:r>
+          </a:p>
+          <a:p>
+            <a:pPr lvl="1"/>
+            <a:r>
+              <a:rPr lang="en-US"/>
+              <a:t>Second level</a:t>
+            </a:r>
+          </a:p>
+          <a:p>
+            <a:pPr lvl="2"/>
+            <a:r>
+              <a:rPr lang="en-US"/>
+              <a:t>Third level</a:t>
+            </a:r>
+          </a:p>
+          <a:p>
+            <a:pPr lvl="3"/>
+            <a:r>
+              <a:rPr lang="en-US"/>
+              <a:t>Fourth level</a:t>
+            </a:r>
+          </a:p>
+          <a:p>
+            <a:pPr lvl="4"/>
+            <a:r>
+              <a:rPr lang="en-US"/>
+              <a:t>Fifth level</a:t>
+            </a:r>
+          </a:p>
+        </p:txBody>
+      </p:sp>
+      <p:sp>
+        <p:nvSpPr>
+          <p:cNvPr id="4" name="Date Placeholder 3">
+            <a:extLst>
+              <a:ext uri="{FF2B5EF4-FFF2-40B4-BE49-F238E27FC236}">
+                <a16:creationId xmlns:a16="http://schemas.microsoft.com/office/drawing/2014/main" id="{E102573A-8BE6-396B-80C2-B925AA34F70B}"/>
+              </a:ext>
+            </a:extLst>
+          </p:cNvPr>
+          <p:cNvSpPr>
+            <a:spLocks noGrp="1"/>
+          </p:cNvSpPr>
+          <p:nvPr>
+            <p:ph type="dt" sz="half" idx="10"/>
+          </p:nvPr>
+        </p:nvSpPr>
+        <p:spPr/>
+        <p:txBody>
+          <a:bodyPr/>
+          <a:lstStyle/>
+          <a:p>
+            <a:fld id="{19E3F066-8095-7A47-8BBF-FB45577C0028}" type="datetimeFigureOut">
+              <a:rPr lang="en-US" smtClean="0"/>
+              <a:t>11/28/22</a:t>
+            </a:fld>
+            <a:endParaRPr lang="en-US"/>
+          </a:p>
+        </p:txBody>
+      </p:sp>
+      <p:sp>
+        <p:nvSpPr>
+          <p:cNvPr id="5" name="Footer Placeholder 4">
+            <a:extLst>
+              <a:ext uri="{FF2B5EF4-FFF2-40B4-BE49-F238E27FC236}">
+                <a16:creationId xmlns:a16="http://schemas.microsoft.com/office/drawing/2014/main" id="{F9744F13-3D3F-C0C9-5D2A-0952A7933092}"/>
+              </a:ext>
+            </a:extLst>
+          </p:cNvPr>
+          <p:cNvSpPr>
+            <a:spLocks noGrp="1"/>
+          </p:cNvSpPr>
+          <p:nvPr>
+            <p:ph type="ftr" sz="quarter" idx="11"/>
+          </p:nvPr>
+        </p:nvSpPr>
+        <p:spPr/>
+        <p:txBody>
+          <a:bodyPr/>
+          <a:lstStyle/>
+          <a:p>
+            <a:endParaRPr lang="en-US"/>
+          </a:p>
+        </p:txBody>
+      </p:sp>
+      <p:sp>
+        <p:nvSpPr>
+          <p:cNvPr id="6" name="Slide Number Placeholder 5">
+            <a:extLst>
+              <a:ext uri="{FF2B5EF4-FFF2-40B4-BE49-F238E27FC236}">
+                <a16:creationId xmlns:a16="http://schemas.microsoft.com/office/drawing/2014/main" id="{921C299F-707E-5A84-C63B-23364681D6A5}"/>
+              </a:ext>
+            </a:extLst>
+          </p:cNvPr>
+          <p:cNvSpPr>
+            <a:spLocks noGrp="1"/>
+          </p:cNvSpPr>
+          <p:nvPr>
+            <p:ph type="sldNum" sz="quarter" idx="12"/>
+          </p:nvPr>
+        </p:nvSpPr>
+        <p:spPr/>
+        <p:txBody>
+          <a:bodyPr/>
+          <a:lstStyle/>
+          <a:p>
+            <a:fld id="{657976D3-6013-CA45-A782-C70B6CB6EC75}" type="slidenum">
+              <a:rPr lang="en-US" smtClean="0"/>
               <a:t>‹#›</a:t>
             </a:fld>
-            <a:endParaRPr/>
-          </a:p>
-        </p:txBody>
-      </p:sp>
-      <p:sp>
-        <p:nvSpPr>
-          <p:cNvPr id="2" name="Title 1">
-            <a:extLst>
-              <a:ext uri="{FF2B5EF4-FFF2-40B4-BE49-F238E27FC236}">
-                <a16:creationId xmlns:a16="http://schemas.microsoft.com/office/drawing/2014/main" id="{B7B6FB10-A9F4-7C30-BC63-6392D47C3330}"/>
-              </a:ext>
-            </a:extLst>
-          </p:cNvPr>
-          <p:cNvSpPr>
-            <a:spLocks noGrp="1"/>
-          </p:cNvSpPr>
-          <p:nvPr>
-            <p:ph type="title"/>
-          </p:nvPr>
-        </p:nvSpPr>
-        <p:spPr/>
-        <p:txBody>
-          <a:bodyPr/>
-          <a:lstStyle/>
-          <a:p>
-            <a:r>
-              <a:rPr lang="en-US"/>
-              <a:t>Click to edit Master title style</a:t>
-            </a:r>
+            <a:endParaRPr lang="en-US"/>
           </a:p>
         </p:txBody>
       </p:sp>
     </p:spTree>
+    <p:extLst>
+      <p:ext uri="{BB962C8B-B14F-4D97-AF65-F5344CB8AC3E}">
+        <p14:creationId xmlns:p14="http://schemas.microsoft.com/office/powerpoint/2010/main" val="1992327821"/>
+      </p:ext>
+    </p:extLst>
   </p:cSld>
   <p:clrMapOvr>
     <a:masterClrMapping/>
@@ -852,8 +959,8 @@
 </file>
 
 <file path=ppt/slideLayouts/slideLayout11.xml><?xml version="1.0" encoding="utf-8"?>
-<p:sldLayout xmlns:a="http://schemas.openxmlformats.org/drawingml/2006/main" xmlns:r="http://schemas.openxmlformats.org/officeDocument/2006/relationships" xmlns:p="http://schemas.openxmlformats.org/presentationml/2006/main" preserve="1" userDrawn="1">
-  <p:cSld name="Title, 6 Content">
+<p:sldLayout xmlns:a="http://schemas.openxmlformats.org/drawingml/2006/main" xmlns:r="http://schemas.openxmlformats.org/officeDocument/2006/relationships" xmlns:p="http://schemas.openxmlformats.org/presentationml/2006/main" type="vertTitleAndTx" preserve="1">
+  <p:cSld name="Vertical Title and Text">
     <p:spTree>
       <p:nvGrpSpPr>
         <p:cNvPr id="1" name=""/>
@@ -870,294 +977,113 @@
       </p:grpSpPr>
       <p:sp>
         <p:nvSpPr>
-          <p:cNvPr id="33" name="PlaceHolder 2"/>
-          <p:cNvSpPr>
-            <a:spLocks noGrp="1"/>
-          </p:cNvSpPr>
-          <p:nvPr>
-            <p:ph/>
+          <p:cNvPr id="2" name="Vertical Title 1">
+            <a:extLst>
+              <a:ext uri="{FF2B5EF4-FFF2-40B4-BE49-F238E27FC236}">
+                <a16:creationId xmlns:a16="http://schemas.microsoft.com/office/drawing/2014/main" id="{8DEB1182-5200-1DCB-22AD-37C1DE63FD11}"/>
+              </a:ext>
+            </a:extLst>
+          </p:cNvPr>
+          <p:cNvSpPr>
+            <a:spLocks noGrp="1"/>
+          </p:cNvSpPr>
+          <p:nvPr>
+            <p:ph type="title" orient="vert"/>
           </p:nvPr>
         </p:nvSpPr>
         <p:spPr>
           <a:xfrm>
-            <a:off x="609480" y="1604520"/>
-            <a:ext cx="3532680" cy="1896840"/>
+            <a:off x="8724900" y="365125"/>
+            <a:ext cx="2628900" cy="5811838"/>
           </a:xfrm>
-          <a:prstGeom prst="rect">
-            <a:avLst/>
-          </a:prstGeom>
-          <a:noFill/>
-          <a:ln w="0">
-            <a:noFill/>
-          </a:ln>
         </p:spPr>
         <p:txBody>
-          <a:bodyPr lIns="0" tIns="0" rIns="0" bIns="0" anchor="t">
-            <a:normAutofit/>
-          </a:bodyPr>
-          <a:lstStyle/>
-          <a:p>
-            <a:pPr indent="0">
-              <a:lnSpc>
-                <a:spcPct val="90000"/>
-              </a:lnSpc>
-              <a:spcBef>
-                <a:spcPts val="1417"/>
-              </a:spcBef>
-              <a:buNone/>
-            </a:pPr>
-            <a:endParaRPr lang="en-US" sz="2800" b="0" strike="noStrike" spc="-1">
-              <a:solidFill>
-                <a:srgbClr val="000000"/>
-              </a:solidFill>
-              <a:latin typeface="Arial"/>
-            </a:endParaRPr>
-          </a:p>
-        </p:txBody>
-      </p:sp>
-      <p:sp>
-        <p:nvSpPr>
-          <p:cNvPr id="34" name="PlaceHolder 3"/>
-          <p:cNvSpPr>
-            <a:spLocks noGrp="1"/>
-          </p:cNvSpPr>
-          <p:nvPr>
-            <p:ph/>
+          <a:bodyPr vert="eaVert"/>
+          <a:lstStyle/>
+          <a:p>
+            <a:r>
+              <a:rPr lang="en-US"/>
+              <a:t>Click to edit Master title style</a:t>
+            </a:r>
+          </a:p>
+        </p:txBody>
+      </p:sp>
+      <p:sp>
+        <p:nvSpPr>
+          <p:cNvPr id="3" name="Vertical Text Placeholder 2">
+            <a:extLst>
+              <a:ext uri="{FF2B5EF4-FFF2-40B4-BE49-F238E27FC236}">
+                <a16:creationId xmlns:a16="http://schemas.microsoft.com/office/drawing/2014/main" id="{D55E3B8A-B510-4EB9-BD8A-26D272060EC1}"/>
+              </a:ext>
+            </a:extLst>
+          </p:cNvPr>
+          <p:cNvSpPr>
+            <a:spLocks noGrp="1"/>
+          </p:cNvSpPr>
+          <p:nvPr>
+            <p:ph type="body" orient="vert" idx="1"/>
           </p:nvPr>
         </p:nvSpPr>
         <p:spPr>
           <a:xfrm>
-            <a:off x="4319280" y="1604520"/>
-            <a:ext cx="3532680" cy="1896840"/>
+            <a:off x="838200" y="365125"/>
+            <a:ext cx="7734300" cy="5811838"/>
           </a:xfrm>
-          <a:prstGeom prst="rect">
-            <a:avLst/>
-          </a:prstGeom>
-          <a:noFill/>
-          <a:ln w="0">
-            <a:noFill/>
-          </a:ln>
         </p:spPr>
         <p:txBody>
-          <a:bodyPr lIns="0" tIns="0" rIns="0" bIns="0" anchor="t">
-            <a:normAutofit/>
-          </a:bodyPr>
-          <a:lstStyle/>
-          <a:p>
-            <a:pPr indent="0">
-              <a:lnSpc>
-                <a:spcPct val="90000"/>
-              </a:lnSpc>
-              <a:spcBef>
-                <a:spcPts val="1417"/>
-              </a:spcBef>
-              <a:buNone/>
-            </a:pPr>
-            <a:endParaRPr lang="en-US" sz="2800" b="0" strike="noStrike" spc="-1">
-              <a:solidFill>
-                <a:srgbClr val="000000"/>
-              </a:solidFill>
-              <a:latin typeface="Arial"/>
-            </a:endParaRPr>
-          </a:p>
-        </p:txBody>
-      </p:sp>
-      <p:sp>
-        <p:nvSpPr>
-          <p:cNvPr id="35" name="PlaceHolder 4"/>
-          <p:cNvSpPr>
-            <a:spLocks noGrp="1"/>
-          </p:cNvSpPr>
-          <p:nvPr>
-            <p:ph/>
-          </p:nvPr>
-        </p:nvSpPr>
-        <p:spPr>
-          <a:xfrm>
-            <a:off x="8028720" y="1604520"/>
-            <a:ext cx="3532680" cy="1896840"/>
-          </a:xfrm>
-          <a:prstGeom prst="rect">
-            <a:avLst/>
-          </a:prstGeom>
-          <a:noFill/>
-          <a:ln w="0">
-            <a:noFill/>
-          </a:ln>
-        </p:spPr>
-        <p:txBody>
-          <a:bodyPr lIns="0" tIns="0" rIns="0" bIns="0" anchor="t">
-            <a:normAutofit/>
-          </a:bodyPr>
-          <a:lstStyle/>
-          <a:p>
-            <a:pPr indent="0">
-              <a:lnSpc>
-                <a:spcPct val="90000"/>
-              </a:lnSpc>
-              <a:spcBef>
-                <a:spcPts val="1417"/>
-              </a:spcBef>
-              <a:buNone/>
-            </a:pPr>
-            <a:endParaRPr lang="en-US" sz="2800" b="0" strike="noStrike" spc="-1">
-              <a:solidFill>
-                <a:srgbClr val="000000"/>
-              </a:solidFill>
-              <a:latin typeface="Arial"/>
-            </a:endParaRPr>
-          </a:p>
-        </p:txBody>
-      </p:sp>
-      <p:sp>
-        <p:nvSpPr>
-          <p:cNvPr id="36" name="PlaceHolder 5"/>
-          <p:cNvSpPr>
-            <a:spLocks noGrp="1"/>
-          </p:cNvSpPr>
-          <p:nvPr>
-            <p:ph/>
-          </p:nvPr>
-        </p:nvSpPr>
-        <p:spPr>
-          <a:xfrm>
-            <a:off x="609480" y="3682080"/>
-            <a:ext cx="3532680" cy="1896840"/>
-          </a:xfrm>
-          <a:prstGeom prst="rect">
-            <a:avLst/>
-          </a:prstGeom>
-          <a:noFill/>
-          <a:ln w="0">
-            <a:noFill/>
-          </a:ln>
-        </p:spPr>
-        <p:txBody>
-          <a:bodyPr lIns="0" tIns="0" rIns="0" bIns="0" anchor="t">
-            <a:normAutofit/>
-          </a:bodyPr>
-          <a:lstStyle/>
-          <a:p>
-            <a:pPr indent="0">
-              <a:lnSpc>
-                <a:spcPct val="90000"/>
-              </a:lnSpc>
-              <a:spcBef>
-                <a:spcPts val="1417"/>
-              </a:spcBef>
-              <a:buNone/>
-            </a:pPr>
-            <a:endParaRPr lang="en-US" sz="2800" b="0" strike="noStrike" spc="-1">
-              <a:solidFill>
-                <a:srgbClr val="000000"/>
-              </a:solidFill>
-              <a:latin typeface="Arial"/>
-            </a:endParaRPr>
-          </a:p>
-        </p:txBody>
-      </p:sp>
-      <p:sp>
-        <p:nvSpPr>
-          <p:cNvPr id="37" name="PlaceHolder 6"/>
-          <p:cNvSpPr>
-            <a:spLocks noGrp="1"/>
-          </p:cNvSpPr>
-          <p:nvPr>
-            <p:ph/>
-          </p:nvPr>
-        </p:nvSpPr>
-        <p:spPr>
-          <a:xfrm>
-            <a:off x="4319280" y="3682080"/>
-            <a:ext cx="3532680" cy="1896840"/>
-          </a:xfrm>
-          <a:prstGeom prst="rect">
-            <a:avLst/>
-          </a:prstGeom>
-          <a:noFill/>
-          <a:ln w="0">
-            <a:noFill/>
-          </a:ln>
-        </p:spPr>
-        <p:txBody>
-          <a:bodyPr lIns="0" tIns="0" rIns="0" bIns="0" anchor="t">
-            <a:normAutofit/>
-          </a:bodyPr>
-          <a:lstStyle/>
-          <a:p>
-            <a:pPr indent="0">
-              <a:lnSpc>
-                <a:spcPct val="90000"/>
-              </a:lnSpc>
-              <a:spcBef>
-                <a:spcPts val="1417"/>
-              </a:spcBef>
-              <a:buNone/>
-            </a:pPr>
-            <a:endParaRPr lang="en-US" sz="2800" b="0" strike="noStrike" spc="-1">
-              <a:solidFill>
-                <a:srgbClr val="000000"/>
-              </a:solidFill>
-              <a:latin typeface="Arial"/>
-            </a:endParaRPr>
-          </a:p>
-        </p:txBody>
-      </p:sp>
-      <p:sp>
-        <p:nvSpPr>
-          <p:cNvPr id="38" name="PlaceHolder 7"/>
-          <p:cNvSpPr>
-            <a:spLocks noGrp="1"/>
-          </p:cNvSpPr>
-          <p:nvPr>
-            <p:ph/>
-          </p:nvPr>
-        </p:nvSpPr>
-        <p:spPr>
-          <a:xfrm>
-            <a:off x="8028720" y="3682080"/>
-            <a:ext cx="3532680" cy="1896840"/>
-          </a:xfrm>
-          <a:prstGeom prst="rect">
-            <a:avLst/>
-          </a:prstGeom>
-          <a:noFill/>
-          <a:ln w="0">
-            <a:noFill/>
-          </a:ln>
-        </p:spPr>
-        <p:txBody>
-          <a:bodyPr lIns="0" tIns="0" rIns="0" bIns="0" anchor="t">
-            <a:normAutofit/>
-          </a:bodyPr>
-          <a:lstStyle/>
-          <a:p>
-            <a:pPr indent="0">
-              <a:lnSpc>
-                <a:spcPct val="90000"/>
-              </a:lnSpc>
-              <a:spcBef>
-                <a:spcPts val="1417"/>
-              </a:spcBef>
-              <a:buNone/>
-            </a:pPr>
-            <a:endParaRPr lang="en-US" sz="2800" b="0" strike="noStrike" spc="-1">
-              <a:solidFill>
-                <a:srgbClr val="000000"/>
-              </a:solidFill>
-              <a:latin typeface="Arial"/>
-            </a:endParaRPr>
-          </a:p>
-        </p:txBody>
-      </p:sp>
-      <p:sp>
-        <p:nvSpPr>
-          <p:cNvPr id="9" name="PlaceHolder 8"/>
-          <p:cNvSpPr>
-            <a:spLocks noGrp="1"/>
-          </p:cNvSpPr>
-          <p:nvPr>
-            <p:ph type="sldNum" idx="1"/>
+          <a:bodyPr vert="eaVert"/>
+          <a:lstStyle/>
+          <a:p>
+            <a:pPr lvl="0"/>
+            <a:r>
+              <a:rPr lang="en-US"/>
+              <a:t>Click to edit Master text styles</a:t>
+            </a:r>
+          </a:p>
+          <a:p>
+            <a:pPr lvl="1"/>
+            <a:r>
+              <a:rPr lang="en-US"/>
+              <a:t>Second level</a:t>
+            </a:r>
+          </a:p>
+          <a:p>
+            <a:pPr lvl="2"/>
+            <a:r>
+              <a:rPr lang="en-US"/>
+              <a:t>Third level</a:t>
+            </a:r>
+          </a:p>
+          <a:p>
+            <a:pPr lvl="3"/>
+            <a:r>
+              <a:rPr lang="en-US"/>
+              <a:t>Fourth level</a:t>
+            </a:r>
+          </a:p>
+          <a:p>
+            <a:pPr lvl="4"/>
+            <a:r>
+              <a:rPr lang="en-US"/>
+              <a:t>Fifth level</a:t>
+            </a:r>
+          </a:p>
+        </p:txBody>
+      </p:sp>
+      <p:sp>
+        <p:nvSpPr>
+          <p:cNvPr id="4" name="Date Placeholder 3">
+            <a:extLst>
+              <a:ext uri="{FF2B5EF4-FFF2-40B4-BE49-F238E27FC236}">
+                <a16:creationId xmlns:a16="http://schemas.microsoft.com/office/drawing/2014/main" id="{24C31222-DABB-2B0C-B77B-E3CBD191C855}"/>
+              </a:ext>
+            </a:extLst>
+          </p:cNvPr>
+          <p:cNvSpPr>
+            <a:spLocks noGrp="1"/>
+          </p:cNvSpPr>
+          <p:nvPr>
+            <p:ph type="dt" sz="half" idx="10"/>
           </p:nvPr>
         </p:nvSpPr>
         <p:spPr/>
@@ -1165,42 +1091,74 @@
           <a:bodyPr/>
           <a:lstStyle/>
           <a:p>
-            <a:fld id="{811ED8C9-BA21-404D-8404-B35E484DFEAD}" type="slidenum">
+            <a:fld id="{19E3F066-8095-7A47-8BBF-FB45577C0028}" type="datetimeFigureOut">
+              <a:rPr lang="en-US" smtClean="0"/>
+              <a:t>11/28/22</a:t>
+            </a:fld>
+            <a:endParaRPr lang="en-US"/>
+          </a:p>
+        </p:txBody>
+      </p:sp>
+      <p:sp>
+        <p:nvSpPr>
+          <p:cNvPr id="5" name="Footer Placeholder 4">
+            <a:extLst>
+              <a:ext uri="{FF2B5EF4-FFF2-40B4-BE49-F238E27FC236}">
+                <a16:creationId xmlns:a16="http://schemas.microsoft.com/office/drawing/2014/main" id="{AED02598-9D16-9B62-0787-22EE2C517D3C}"/>
+              </a:ext>
+            </a:extLst>
+          </p:cNvPr>
+          <p:cNvSpPr>
+            <a:spLocks noGrp="1"/>
+          </p:cNvSpPr>
+          <p:nvPr>
+            <p:ph type="ftr" sz="quarter" idx="11"/>
+          </p:nvPr>
+        </p:nvSpPr>
+        <p:spPr/>
+        <p:txBody>
+          <a:bodyPr/>
+          <a:lstStyle/>
+          <a:p>
+            <a:endParaRPr lang="en-US"/>
+          </a:p>
+        </p:txBody>
+      </p:sp>
+      <p:sp>
+        <p:nvSpPr>
+          <p:cNvPr id="6" name="Slide Number Placeholder 5">
+            <a:extLst>
+              <a:ext uri="{FF2B5EF4-FFF2-40B4-BE49-F238E27FC236}">
+                <a16:creationId xmlns:a16="http://schemas.microsoft.com/office/drawing/2014/main" id="{50023D72-95EF-08B0-8025-C8B3716870FD}"/>
+              </a:ext>
+            </a:extLst>
+          </p:cNvPr>
+          <p:cNvSpPr>
+            <a:spLocks noGrp="1"/>
+          </p:cNvSpPr>
+          <p:nvPr>
+            <p:ph type="sldNum" sz="quarter" idx="12"/>
+          </p:nvPr>
+        </p:nvSpPr>
+        <p:spPr/>
+        <p:txBody>
+          <a:bodyPr/>
+          <a:lstStyle/>
+          <a:p>
+            <a:fld id="{657976D3-6013-CA45-A782-C70B6CB6EC75}" type="slidenum">
+              <a:rPr lang="en-US" smtClean="0"/>
               <a:t>‹#›</a:t>
             </a:fld>
-            <a:endParaRPr/>
-          </a:p>
-        </p:txBody>
-      </p:sp>
-      <p:sp>
-        <p:nvSpPr>
-          <p:cNvPr id="2" name="Title 1">
-            <a:extLst>
-              <a:ext uri="{FF2B5EF4-FFF2-40B4-BE49-F238E27FC236}">
-                <a16:creationId xmlns:a16="http://schemas.microsoft.com/office/drawing/2014/main" id="{4350BCC2-5BDB-C0A9-8D97-75BB423EFB4B}"/>
-              </a:ext>
-            </a:extLst>
-          </p:cNvPr>
-          <p:cNvSpPr>
-            <a:spLocks noGrp="1"/>
-          </p:cNvSpPr>
-          <p:nvPr>
-            <p:ph type="title"/>
-          </p:nvPr>
-        </p:nvSpPr>
-        <p:spPr/>
-        <p:txBody>
-          <a:bodyPr/>
-          <a:lstStyle/>
-          <a:p>
-            <a:r>
-              <a:rPr lang="en-US"/>
-              <a:t>Click to edit Master title style</a:t>
-            </a:r>
+            <a:endParaRPr lang="en-US"/>
           </a:p>
         </p:txBody>
       </p:sp>
     </p:spTree>
+    <p:extLst>
+      <p:ext uri="{BB962C8B-B14F-4D97-AF65-F5344CB8AC3E}">
+        <p14:creationId xmlns:p14="http://schemas.microsoft.com/office/powerpoint/2010/main" val="2475125718"/>
+      </p:ext>
+    </p:extLst>
   </p:cSld>
   <p:clrMapOvr>
     <a:masterClrMapping/>
@@ -1227,34 +1185,6 @@
       </p:grpSpPr>
       <p:sp>
         <p:nvSpPr>
-          <p:cNvPr id="2" name="Title 1">
-            <a:extLst>
-              <a:ext uri="{FF2B5EF4-FFF2-40B4-BE49-F238E27FC236}">
-                <a16:creationId xmlns:a16="http://schemas.microsoft.com/office/drawing/2014/main" id="{4C253EC6-0394-5016-764C-A8C2674B93E8}"/>
-              </a:ext>
-            </a:extLst>
-          </p:cNvPr>
-          <p:cNvSpPr>
-            <a:spLocks noGrp="1"/>
-          </p:cNvSpPr>
-          <p:nvPr>
-            <p:ph type="title"/>
-          </p:nvPr>
-        </p:nvSpPr>
-        <p:spPr/>
-        <p:txBody>
-          <a:bodyPr/>
-          <a:lstStyle/>
-          <a:p>
-            <a:r>
-              <a:rPr lang="en-US"/>
-              <a:t>Click to edit Master title style</a:t>
-            </a:r>
-          </a:p>
-        </p:txBody>
-      </p:sp>
-      <p:sp>
-        <p:nvSpPr>
           <p:cNvPr id="3" name="Date Placeholder 2">
             <a:extLst>
               <a:ext uri="{FF2B5EF4-FFF2-40B4-BE49-F238E27FC236}">
@@ -1276,7 +1206,7 @@
           <a:p>
             <a:fld id="{D22EE3CE-13A9-674D-B3E7-8F60B492096B}" type="datetimeFigureOut">
               <a:rPr lang="en-US" smtClean="0"/>
-              <a:t>11/24/22</a:t>
+              <a:t>11/28/22</a:t>
             </a:fld>
             <a:endParaRPr lang="en-US"/>
           </a:p>
@@ -1339,7 +1269,7 @@
     </p:spTree>
     <p:extLst>
       <p:ext uri="{BB962C8B-B14F-4D97-AF65-F5344CB8AC3E}">
-        <p14:creationId xmlns:p14="http://schemas.microsoft.com/office/powerpoint/2010/main" val="3575237007"/>
+        <p14:creationId xmlns:p14="http://schemas.microsoft.com/office/powerpoint/2010/main" val="2299448291"/>
       </p:ext>
     </p:extLst>
   </p:cSld>
@@ -1635,8 +1565,8 @@
 </file>
 
 <file path=ppt/slideLayouts/slideLayout2.xml><?xml version="1.0" encoding="utf-8"?>
-<p:sldLayout xmlns:a="http://schemas.openxmlformats.org/drawingml/2006/main" xmlns:r="http://schemas.openxmlformats.org/officeDocument/2006/relationships" xmlns:p="http://schemas.openxmlformats.org/presentationml/2006/main" preserve="1" userDrawn="1">
-  <p:cSld name="Title Slide">
+<p:sldLayout xmlns:a="http://schemas.openxmlformats.org/drawingml/2006/main" xmlns:r="http://schemas.openxmlformats.org/officeDocument/2006/relationships" xmlns:p="http://schemas.openxmlformats.org/presentationml/2006/main" type="obj" preserve="1">
+  <p:cSld name="Title and Content">
     <p:spTree>
       <p:nvGrpSpPr>
         <p:cNvPr id="1" name=""/>
@@ -1653,53 +1583,18 @@
       </p:grpSpPr>
       <p:sp>
         <p:nvSpPr>
-          <p:cNvPr id="4" name="PlaceHolder 2"/>
-          <p:cNvSpPr>
-            <a:spLocks noGrp="1"/>
-          </p:cNvSpPr>
-          <p:nvPr>
-            <p:ph type="subTitle"/>
-          </p:nvPr>
-        </p:nvSpPr>
-        <p:spPr>
-          <a:xfrm>
-            <a:off x="609480" y="1604520"/>
-            <a:ext cx="10972080" cy="3976920"/>
-          </a:xfrm>
-          <a:prstGeom prst="rect">
-            <a:avLst/>
-          </a:prstGeom>
-          <a:noFill/>
-          <a:ln w="0">
-            <a:noFill/>
-          </a:ln>
-        </p:spPr>
-        <p:txBody>
-          <a:bodyPr lIns="0" tIns="0" rIns="0" bIns="0" anchor="ctr">
-            <a:noAutofit/>
-          </a:bodyPr>
-          <a:lstStyle/>
-          <a:p>
-            <a:pPr indent="0" algn="ctr">
-              <a:buNone/>
-            </a:pPr>
-            <a:endParaRPr lang="en-US" sz="3200" b="0" strike="noStrike" spc="-1">
-              <a:solidFill>
-                <a:srgbClr val="000000"/>
-              </a:solidFill>
-              <a:latin typeface="Arial"/>
-            </a:endParaRPr>
-          </a:p>
-        </p:txBody>
-      </p:sp>
-      <p:sp>
-        <p:nvSpPr>
-          <p:cNvPr id="2" name="PlaceHolder 3"/>
-          <p:cNvSpPr>
-            <a:spLocks noGrp="1"/>
-          </p:cNvSpPr>
-          <p:nvPr>
-            <p:ph type="sldNum" idx="1"/>
+          <p:cNvPr id="2" name="Title 1">
+            <a:extLst>
+              <a:ext uri="{FF2B5EF4-FFF2-40B4-BE49-F238E27FC236}">
+                <a16:creationId xmlns:a16="http://schemas.microsoft.com/office/drawing/2014/main" id="{72E8B9B3-DD07-C1D1-BBD6-CCD3FD522D21}"/>
+              </a:ext>
+            </a:extLst>
+          </p:cNvPr>
+          <p:cNvSpPr>
+            <a:spLocks noGrp="1"/>
+          </p:cNvSpPr>
+          <p:nvPr>
+            <p:ph type="title" hasCustomPrompt="1"/>
           </p:nvPr>
         </p:nvSpPr>
         <p:spPr/>
@@ -1707,42 +1602,159 @@
           <a:bodyPr/>
           <a:lstStyle/>
           <a:p>
-            <a:fld id="{4138CAFD-0DFB-4E72-8154-DCDC3C89FDBE}" type="slidenum">
+            <a:r>
+              <a:rPr lang="en-US" dirty="0"/>
+              <a:t>Click To Edit Master Title Style</a:t>
+            </a:r>
+          </a:p>
+        </p:txBody>
+      </p:sp>
+      <p:sp>
+        <p:nvSpPr>
+          <p:cNvPr id="3" name="Content Placeholder 2">
+            <a:extLst>
+              <a:ext uri="{FF2B5EF4-FFF2-40B4-BE49-F238E27FC236}">
+                <a16:creationId xmlns:a16="http://schemas.microsoft.com/office/drawing/2014/main" id="{617FE4EA-0A29-BD6D-5926-4FEF53F37699}"/>
+              </a:ext>
+            </a:extLst>
+          </p:cNvPr>
+          <p:cNvSpPr>
+            <a:spLocks noGrp="1"/>
+          </p:cNvSpPr>
+          <p:nvPr>
+            <p:ph idx="1"/>
+          </p:nvPr>
+        </p:nvSpPr>
+        <p:spPr/>
+        <p:txBody>
+          <a:bodyPr/>
+          <a:lstStyle/>
+          <a:p>
+            <a:pPr lvl="0"/>
+            <a:r>
+              <a:rPr lang="en-US"/>
+              <a:t>Click to edit Master text styles</a:t>
+            </a:r>
+          </a:p>
+          <a:p>
+            <a:pPr lvl="1"/>
+            <a:r>
+              <a:rPr lang="en-US"/>
+              <a:t>Second level</a:t>
+            </a:r>
+          </a:p>
+          <a:p>
+            <a:pPr lvl="2"/>
+            <a:r>
+              <a:rPr lang="en-US"/>
+              <a:t>Third level</a:t>
+            </a:r>
+          </a:p>
+          <a:p>
+            <a:pPr lvl="3"/>
+            <a:r>
+              <a:rPr lang="en-US"/>
+              <a:t>Fourth level</a:t>
+            </a:r>
+          </a:p>
+          <a:p>
+            <a:pPr lvl="4"/>
+            <a:r>
+              <a:rPr lang="en-US"/>
+              <a:t>Fifth level</a:t>
+            </a:r>
+          </a:p>
+        </p:txBody>
+      </p:sp>
+      <p:sp>
+        <p:nvSpPr>
+          <p:cNvPr id="4" name="Date Placeholder 3">
+            <a:extLst>
+              <a:ext uri="{FF2B5EF4-FFF2-40B4-BE49-F238E27FC236}">
+                <a16:creationId xmlns:a16="http://schemas.microsoft.com/office/drawing/2014/main" id="{0BDE2B7E-B31D-0785-C8A5-65C87EAA3680}"/>
+              </a:ext>
+            </a:extLst>
+          </p:cNvPr>
+          <p:cNvSpPr>
+            <a:spLocks noGrp="1"/>
+          </p:cNvSpPr>
+          <p:nvPr>
+            <p:ph type="dt" sz="half" idx="10"/>
+          </p:nvPr>
+        </p:nvSpPr>
+        <p:spPr/>
+        <p:txBody>
+          <a:bodyPr/>
+          <a:lstStyle/>
+          <a:p>
+            <a:fld id="{19E3F066-8095-7A47-8BBF-FB45577C0028}" type="datetimeFigureOut">
+              <a:rPr lang="en-US" smtClean="0"/>
+              <a:t>11/28/22</a:t>
+            </a:fld>
+            <a:endParaRPr lang="en-US"/>
+          </a:p>
+        </p:txBody>
+      </p:sp>
+      <p:sp>
+        <p:nvSpPr>
+          <p:cNvPr id="5" name="Footer Placeholder 4">
+            <a:extLst>
+              <a:ext uri="{FF2B5EF4-FFF2-40B4-BE49-F238E27FC236}">
+                <a16:creationId xmlns:a16="http://schemas.microsoft.com/office/drawing/2014/main" id="{03B9C6D6-AFC6-BDD7-DBB8-20EE90CEE460}"/>
+              </a:ext>
+            </a:extLst>
+          </p:cNvPr>
+          <p:cNvSpPr>
+            <a:spLocks noGrp="1"/>
+          </p:cNvSpPr>
+          <p:nvPr>
+            <p:ph type="ftr" sz="quarter" idx="11"/>
+          </p:nvPr>
+        </p:nvSpPr>
+        <p:spPr/>
+        <p:txBody>
+          <a:bodyPr/>
+          <a:lstStyle/>
+          <a:p>
+            <a:endParaRPr lang="en-US"/>
+          </a:p>
+        </p:txBody>
+      </p:sp>
+      <p:sp>
+        <p:nvSpPr>
+          <p:cNvPr id="6" name="Slide Number Placeholder 5">
+            <a:extLst>
+              <a:ext uri="{FF2B5EF4-FFF2-40B4-BE49-F238E27FC236}">
+                <a16:creationId xmlns:a16="http://schemas.microsoft.com/office/drawing/2014/main" id="{A351C547-03E8-698E-A0F7-B7B62F1CE818}"/>
+              </a:ext>
+            </a:extLst>
+          </p:cNvPr>
+          <p:cNvSpPr>
+            <a:spLocks noGrp="1"/>
+          </p:cNvSpPr>
+          <p:nvPr>
+            <p:ph type="sldNum" sz="quarter" idx="12"/>
+          </p:nvPr>
+        </p:nvSpPr>
+        <p:spPr/>
+        <p:txBody>
+          <a:bodyPr/>
+          <a:lstStyle/>
+          <a:p>
+            <a:fld id="{657976D3-6013-CA45-A782-C70B6CB6EC75}" type="slidenum">
+              <a:rPr lang="en-US" smtClean="0"/>
               <a:t>‹#›</a:t>
             </a:fld>
-            <a:endParaRPr/>
-          </a:p>
-        </p:txBody>
-      </p:sp>
-      <p:sp>
-        <p:nvSpPr>
-          <p:cNvPr id="6" name="Title 5">
-            <a:extLst>
-              <a:ext uri="{FF2B5EF4-FFF2-40B4-BE49-F238E27FC236}">
-                <a16:creationId xmlns:a16="http://schemas.microsoft.com/office/drawing/2014/main" id="{18A978FD-F832-EB91-044D-439E278DED42}"/>
-              </a:ext>
-            </a:extLst>
-          </p:cNvPr>
-          <p:cNvSpPr>
-            <a:spLocks noGrp="1"/>
-          </p:cNvSpPr>
-          <p:nvPr>
-            <p:ph type="title"/>
-          </p:nvPr>
-        </p:nvSpPr>
-        <p:spPr/>
-        <p:txBody>
-          <a:bodyPr/>
-          <a:lstStyle/>
-          <a:p>
-            <a:r>
-              <a:rPr lang="en-US"/>
-              <a:t>Click to edit Master title style</a:t>
-            </a:r>
+            <a:endParaRPr lang="en-US"/>
           </a:p>
         </p:txBody>
       </p:sp>
     </p:spTree>
+    <p:extLst>
+      <p:ext uri="{BB962C8B-B14F-4D97-AF65-F5344CB8AC3E}">
+        <p14:creationId xmlns:p14="http://schemas.microsoft.com/office/powerpoint/2010/main" val="1590185973"/>
+      </p:ext>
+    </p:extLst>
   </p:cSld>
   <p:clrMapOvr>
     <a:masterClrMapping/>
@@ -1751,8 +1763,8 @@
 </file>
 
 <file path=ppt/slideLayouts/slideLayout3.xml><?xml version="1.0" encoding="utf-8"?>
-<p:sldLayout xmlns:a="http://schemas.openxmlformats.org/drawingml/2006/main" xmlns:r="http://schemas.openxmlformats.org/officeDocument/2006/relationships" xmlns:p="http://schemas.openxmlformats.org/presentationml/2006/main" preserve="1" userDrawn="1">
-  <p:cSld name="Title, Content">
+<p:sldLayout xmlns:a="http://schemas.openxmlformats.org/drawingml/2006/main" xmlns:r="http://schemas.openxmlformats.org/officeDocument/2006/relationships" xmlns:p="http://schemas.openxmlformats.org/presentationml/2006/main" type="secHead" preserve="1">
+  <p:cSld name="Section Header">
     <p:spTree>
       <p:nvGrpSpPr>
         <p:cNvPr id="1" name=""/>
@@ -1769,59 +1781,180 @@
       </p:grpSpPr>
       <p:sp>
         <p:nvSpPr>
-          <p:cNvPr id="6" name="PlaceHolder 2"/>
-          <p:cNvSpPr>
-            <a:spLocks noGrp="1"/>
-          </p:cNvSpPr>
-          <p:nvPr>
-            <p:ph/>
+          <p:cNvPr id="2" name="Title 1">
+            <a:extLst>
+              <a:ext uri="{FF2B5EF4-FFF2-40B4-BE49-F238E27FC236}">
+                <a16:creationId xmlns:a16="http://schemas.microsoft.com/office/drawing/2014/main" id="{308ECBAA-0F62-E3D8-D502-163075CCEC94}"/>
+              </a:ext>
+            </a:extLst>
+          </p:cNvPr>
+          <p:cNvSpPr>
+            <a:spLocks noGrp="1"/>
+          </p:cNvSpPr>
+          <p:nvPr>
+            <p:ph type="title" hasCustomPrompt="1"/>
           </p:nvPr>
         </p:nvSpPr>
         <p:spPr>
           <a:xfrm>
-            <a:off x="609480" y="1604520"/>
-            <a:ext cx="10972080" cy="3976920"/>
+            <a:off x="831850" y="1709738"/>
+            <a:ext cx="10515600" cy="2852737"/>
           </a:xfrm>
-          <a:prstGeom prst="rect">
-            <a:avLst/>
-          </a:prstGeom>
-          <a:noFill/>
-          <a:ln w="0">
-            <a:noFill/>
-          </a:ln>
         </p:spPr>
         <p:txBody>
-          <a:bodyPr lIns="0" tIns="0" rIns="0" bIns="0" anchor="t">
-            <a:normAutofit/>
-          </a:bodyPr>
-          <a:lstStyle/>
-          <a:p>
-            <a:pPr indent="0">
-              <a:lnSpc>
-                <a:spcPct val="90000"/>
-              </a:lnSpc>
-              <a:spcBef>
-                <a:spcPts val="1417"/>
-              </a:spcBef>
-              <a:buNone/>
-            </a:pPr>
-            <a:endParaRPr lang="en-US" sz="2800" b="0" strike="noStrike" spc="-1">
-              <a:solidFill>
-                <a:srgbClr val="000000"/>
-              </a:solidFill>
-              <a:latin typeface="Arial"/>
-            </a:endParaRPr>
-          </a:p>
-        </p:txBody>
-      </p:sp>
-      <p:sp>
-        <p:nvSpPr>
-          <p:cNvPr id="4" name="PlaceHolder 3"/>
-          <p:cNvSpPr>
-            <a:spLocks noGrp="1"/>
-          </p:cNvSpPr>
-          <p:nvPr>
-            <p:ph type="sldNum" idx="1"/>
+          <a:bodyPr anchor="b"/>
+          <a:lstStyle>
+            <a:lvl1pPr>
+              <a:defRPr sz="6000"/>
+            </a:lvl1pPr>
+          </a:lstStyle>
+          <a:p>
+            <a:r>
+              <a:rPr lang="en-US" dirty="0"/>
+              <a:t>Click To Edit Master Title Style</a:t>
+            </a:r>
+          </a:p>
+        </p:txBody>
+      </p:sp>
+      <p:sp>
+        <p:nvSpPr>
+          <p:cNvPr id="3" name="Text Placeholder 2">
+            <a:extLst>
+              <a:ext uri="{FF2B5EF4-FFF2-40B4-BE49-F238E27FC236}">
+                <a16:creationId xmlns:a16="http://schemas.microsoft.com/office/drawing/2014/main" id="{847A6C6E-C10F-3D01-A3DC-359B49101C49}"/>
+              </a:ext>
+            </a:extLst>
+          </p:cNvPr>
+          <p:cNvSpPr>
+            <a:spLocks noGrp="1"/>
+          </p:cNvSpPr>
+          <p:nvPr>
+            <p:ph type="body" idx="1"/>
+          </p:nvPr>
+        </p:nvSpPr>
+        <p:spPr>
+          <a:xfrm>
+            <a:off x="831850" y="4589463"/>
+            <a:ext cx="10515600" cy="1500187"/>
+          </a:xfrm>
+        </p:spPr>
+        <p:txBody>
+          <a:bodyPr/>
+          <a:lstStyle>
+            <a:lvl1pPr marL="0" indent="0">
+              <a:buNone/>
+              <a:defRPr sz="2400">
+                <a:solidFill>
+                  <a:schemeClr val="tx1">
+                    <a:tint val="75000"/>
+                  </a:schemeClr>
+                </a:solidFill>
+              </a:defRPr>
+            </a:lvl1pPr>
+            <a:lvl2pPr marL="457200" indent="0">
+              <a:buNone/>
+              <a:defRPr sz="2000">
+                <a:solidFill>
+                  <a:schemeClr val="tx1">
+                    <a:tint val="75000"/>
+                  </a:schemeClr>
+                </a:solidFill>
+              </a:defRPr>
+            </a:lvl2pPr>
+            <a:lvl3pPr marL="914400" indent="0">
+              <a:buNone/>
+              <a:defRPr sz="1800">
+                <a:solidFill>
+                  <a:schemeClr val="tx1">
+                    <a:tint val="75000"/>
+                  </a:schemeClr>
+                </a:solidFill>
+              </a:defRPr>
+            </a:lvl3pPr>
+            <a:lvl4pPr marL="1371600" indent="0">
+              <a:buNone/>
+              <a:defRPr sz="1600">
+                <a:solidFill>
+                  <a:schemeClr val="tx1">
+                    <a:tint val="75000"/>
+                  </a:schemeClr>
+                </a:solidFill>
+              </a:defRPr>
+            </a:lvl4pPr>
+            <a:lvl5pPr marL="1828800" indent="0">
+              <a:buNone/>
+              <a:defRPr sz="1600">
+                <a:solidFill>
+                  <a:schemeClr val="tx1">
+                    <a:tint val="75000"/>
+                  </a:schemeClr>
+                </a:solidFill>
+              </a:defRPr>
+            </a:lvl5pPr>
+            <a:lvl6pPr marL="2286000" indent="0">
+              <a:buNone/>
+              <a:defRPr sz="1600">
+                <a:solidFill>
+                  <a:schemeClr val="tx1">
+                    <a:tint val="75000"/>
+                  </a:schemeClr>
+                </a:solidFill>
+              </a:defRPr>
+            </a:lvl6pPr>
+            <a:lvl7pPr marL="2743200" indent="0">
+              <a:buNone/>
+              <a:defRPr sz="1600">
+                <a:solidFill>
+                  <a:schemeClr val="tx1">
+                    <a:tint val="75000"/>
+                  </a:schemeClr>
+                </a:solidFill>
+              </a:defRPr>
+            </a:lvl7pPr>
+            <a:lvl8pPr marL="3200400" indent="0">
+              <a:buNone/>
+              <a:defRPr sz="1600">
+                <a:solidFill>
+                  <a:schemeClr val="tx1">
+                    <a:tint val="75000"/>
+                  </a:schemeClr>
+                </a:solidFill>
+              </a:defRPr>
+            </a:lvl8pPr>
+            <a:lvl9pPr marL="3657600" indent="0">
+              <a:buNone/>
+              <a:defRPr sz="1600">
+                <a:solidFill>
+                  <a:schemeClr val="tx1">
+                    <a:tint val="75000"/>
+                  </a:schemeClr>
+                </a:solidFill>
+              </a:defRPr>
+            </a:lvl9pPr>
+          </a:lstStyle>
+          <a:p>
+            <a:pPr lvl="0"/>
+            <a:r>
+              <a:rPr lang="en-US"/>
+              <a:t>Click to edit Master text styles</a:t>
+            </a:r>
+          </a:p>
+        </p:txBody>
+      </p:sp>
+      <p:sp>
+        <p:nvSpPr>
+          <p:cNvPr id="4" name="Date Placeholder 3">
+            <a:extLst>
+              <a:ext uri="{FF2B5EF4-FFF2-40B4-BE49-F238E27FC236}">
+                <a16:creationId xmlns:a16="http://schemas.microsoft.com/office/drawing/2014/main" id="{F2B25026-B096-E062-5113-713861F9697D}"/>
+              </a:ext>
+            </a:extLst>
+          </p:cNvPr>
+          <p:cNvSpPr>
+            <a:spLocks noGrp="1"/>
+          </p:cNvSpPr>
+          <p:nvPr>
+            <p:ph type="dt" sz="half" idx="10"/>
           </p:nvPr>
         </p:nvSpPr>
         <p:spPr/>
@@ -1829,42 +1962,74 @@
           <a:bodyPr/>
           <a:lstStyle/>
           <a:p>
-            <a:fld id="{F7F4F67E-F77D-4AA8-86BB-CBE54EA7A428}" type="slidenum">
+            <a:fld id="{19E3F066-8095-7A47-8BBF-FB45577C0028}" type="datetimeFigureOut">
+              <a:rPr lang="en-US" smtClean="0"/>
+              <a:t>11/28/22</a:t>
+            </a:fld>
+            <a:endParaRPr lang="en-US"/>
+          </a:p>
+        </p:txBody>
+      </p:sp>
+      <p:sp>
+        <p:nvSpPr>
+          <p:cNvPr id="5" name="Footer Placeholder 4">
+            <a:extLst>
+              <a:ext uri="{FF2B5EF4-FFF2-40B4-BE49-F238E27FC236}">
+                <a16:creationId xmlns:a16="http://schemas.microsoft.com/office/drawing/2014/main" id="{C372195A-9737-56E2-52DB-D0386A078682}"/>
+              </a:ext>
+            </a:extLst>
+          </p:cNvPr>
+          <p:cNvSpPr>
+            <a:spLocks noGrp="1"/>
+          </p:cNvSpPr>
+          <p:nvPr>
+            <p:ph type="ftr" sz="quarter" idx="11"/>
+          </p:nvPr>
+        </p:nvSpPr>
+        <p:spPr/>
+        <p:txBody>
+          <a:bodyPr/>
+          <a:lstStyle/>
+          <a:p>
+            <a:endParaRPr lang="en-US"/>
+          </a:p>
+        </p:txBody>
+      </p:sp>
+      <p:sp>
+        <p:nvSpPr>
+          <p:cNvPr id="6" name="Slide Number Placeholder 5">
+            <a:extLst>
+              <a:ext uri="{FF2B5EF4-FFF2-40B4-BE49-F238E27FC236}">
+                <a16:creationId xmlns:a16="http://schemas.microsoft.com/office/drawing/2014/main" id="{802F5FC9-2A65-01DB-2F18-F7D06CCA1013}"/>
+              </a:ext>
+            </a:extLst>
+          </p:cNvPr>
+          <p:cNvSpPr>
+            <a:spLocks noGrp="1"/>
+          </p:cNvSpPr>
+          <p:nvPr>
+            <p:ph type="sldNum" sz="quarter" idx="12"/>
+          </p:nvPr>
+        </p:nvSpPr>
+        <p:spPr/>
+        <p:txBody>
+          <a:bodyPr/>
+          <a:lstStyle/>
+          <a:p>
+            <a:fld id="{657976D3-6013-CA45-A782-C70B6CB6EC75}" type="slidenum">
+              <a:rPr lang="en-US" smtClean="0"/>
               <a:t>‹#›</a:t>
             </a:fld>
-            <a:endParaRPr/>
-          </a:p>
-        </p:txBody>
-      </p:sp>
-      <p:sp>
-        <p:nvSpPr>
-          <p:cNvPr id="2" name="Title 1">
-            <a:extLst>
-              <a:ext uri="{FF2B5EF4-FFF2-40B4-BE49-F238E27FC236}">
-                <a16:creationId xmlns:a16="http://schemas.microsoft.com/office/drawing/2014/main" id="{89EBCD34-A692-2F4E-A8CC-F671600A77EF}"/>
-              </a:ext>
-            </a:extLst>
-          </p:cNvPr>
-          <p:cNvSpPr>
-            <a:spLocks noGrp="1"/>
-          </p:cNvSpPr>
-          <p:nvPr>
-            <p:ph type="title"/>
-          </p:nvPr>
-        </p:nvSpPr>
-        <p:spPr/>
-        <p:txBody>
-          <a:bodyPr/>
-          <a:lstStyle/>
-          <a:p>
-            <a:r>
-              <a:rPr lang="en-US"/>
-              <a:t>Click to edit Master title style</a:t>
-            </a:r>
+            <a:endParaRPr lang="en-US"/>
           </a:p>
         </p:txBody>
       </p:sp>
     </p:spTree>
+    <p:extLst>
+      <p:ext uri="{BB962C8B-B14F-4D97-AF65-F5344CB8AC3E}">
+        <p14:creationId xmlns:p14="http://schemas.microsoft.com/office/powerpoint/2010/main" val="3099035131"/>
+      </p:ext>
+    </p:extLst>
   </p:cSld>
   <p:clrMapOvr>
     <a:masterClrMapping/>
@@ -1873,8 +2038,8 @@
 </file>
 
 <file path=ppt/slideLayouts/slideLayout4.xml><?xml version="1.0" encoding="utf-8"?>
-<p:sldLayout xmlns:a="http://schemas.openxmlformats.org/drawingml/2006/main" xmlns:r="http://schemas.openxmlformats.org/officeDocument/2006/relationships" xmlns:p="http://schemas.openxmlformats.org/presentationml/2006/main" preserve="1" userDrawn="1">
-  <p:cSld name="Title, 2 Content">
+<p:sldLayout xmlns:a="http://schemas.openxmlformats.org/drawingml/2006/main" xmlns:r="http://schemas.openxmlformats.org/officeDocument/2006/relationships" xmlns:p="http://schemas.openxmlformats.org/presentationml/2006/main" type="twoObj" preserve="1">
+  <p:cSld name="Two Content">
     <p:spTree>
       <p:nvGrpSpPr>
         <p:cNvPr id="1" name=""/>
@@ -1891,106 +2056,170 @@
       </p:grpSpPr>
       <p:sp>
         <p:nvSpPr>
-          <p:cNvPr id="8" name="PlaceHolder 2"/>
-          <p:cNvSpPr>
-            <a:spLocks noGrp="1"/>
-          </p:cNvSpPr>
-          <p:nvPr>
-            <p:ph/>
+          <p:cNvPr id="2" name="Title 1">
+            <a:extLst>
+              <a:ext uri="{FF2B5EF4-FFF2-40B4-BE49-F238E27FC236}">
+                <a16:creationId xmlns:a16="http://schemas.microsoft.com/office/drawing/2014/main" id="{240552B9-049F-C7B1-2497-82C3F5587CE4}"/>
+              </a:ext>
+            </a:extLst>
+          </p:cNvPr>
+          <p:cNvSpPr>
+            <a:spLocks noGrp="1"/>
+          </p:cNvSpPr>
+          <p:nvPr>
+            <p:ph type="title" hasCustomPrompt="1"/>
+          </p:nvPr>
+        </p:nvSpPr>
+        <p:spPr/>
+        <p:txBody>
+          <a:bodyPr/>
+          <a:lstStyle/>
+          <a:p>
+            <a:r>
+              <a:rPr lang="en-US" dirty="0"/>
+              <a:t>Click To Edit Master Title Style</a:t>
+            </a:r>
+          </a:p>
+        </p:txBody>
+      </p:sp>
+      <p:sp>
+        <p:nvSpPr>
+          <p:cNvPr id="3" name="Content Placeholder 2">
+            <a:extLst>
+              <a:ext uri="{FF2B5EF4-FFF2-40B4-BE49-F238E27FC236}">
+                <a16:creationId xmlns:a16="http://schemas.microsoft.com/office/drawing/2014/main" id="{D19A8DE2-E02C-C589-CB83-9D8D8898C87A}"/>
+              </a:ext>
+            </a:extLst>
+          </p:cNvPr>
+          <p:cNvSpPr>
+            <a:spLocks noGrp="1"/>
+          </p:cNvSpPr>
+          <p:nvPr>
+            <p:ph sz="half" idx="1"/>
           </p:nvPr>
         </p:nvSpPr>
         <p:spPr>
           <a:xfrm>
-            <a:off x="609480" y="1604520"/>
-            <a:ext cx="5354280" cy="3976920"/>
+            <a:off x="838200" y="1825625"/>
+            <a:ext cx="5181600" cy="4351338"/>
           </a:xfrm>
-          <a:prstGeom prst="rect">
-            <a:avLst/>
-          </a:prstGeom>
-          <a:noFill/>
-          <a:ln w="0">
-            <a:noFill/>
-          </a:ln>
         </p:spPr>
         <p:txBody>
-          <a:bodyPr lIns="0" tIns="0" rIns="0" bIns="0" anchor="t">
-            <a:normAutofit/>
-          </a:bodyPr>
-          <a:lstStyle/>
-          <a:p>
-            <a:pPr indent="0">
-              <a:lnSpc>
-                <a:spcPct val="90000"/>
-              </a:lnSpc>
-              <a:spcBef>
-                <a:spcPts val="1417"/>
-              </a:spcBef>
-              <a:buNone/>
-            </a:pPr>
-            <a:endParaRPr lang="en-US" sz="2800" b="0" strike="noStrike" spc="-1">
-              <a:solidFill>
-                <a:srgbClr val="000000"/>
-              </a:solidFill>
-              <a:latin typeface="Arial"/>
-            </a:endParaRPr>
-          </a:p>
-        </p:txBody>
-      </p:sp>
-      <p:sp>
-        <p:nvSpPr>
-          <p:cNvPr id="9" name="PlaceHolder 3"/>
-          <p:cNvSpPr>
-            <a:spLocks noGrp="1"/>
-          </p:cNvSpPr>
-          <p:nvPr>
-            <p:ph/>
+          <a:bodyPr/>
+          <a:lstStyle/>
+          <a:p>
+            <a:pPr lvl="0"/>
+            <a:r>
+              <a:rPr lang="en-US"/>
+              <a:t>Click to edit Master text styles</a:t>
+            </a:r>
+          </a:p>
+          <a:p>
+            <a:pPr lvl="1"/>
+            <a:r>
+              <a:rPr lang="en-US"/>
+              <a:t>Second level</a:t>
+            </a:r>
+          </a:p>
+          <a:p>
+            <a:pPr lvl="2"/>
+            <a:r>
+              <a:rPr lang="en-US"/>
+              <a:t>Third level</a:t>
+            </a:r>
+          </a:p>
+          <a:p>
+            <a:pPr lvl="3"/>
+            <a:r>
+              <a:rPr lang="en-US"/>
+              <a:t>Fourth level</a:t>
+            </a:r>
+          </a:p>
+          <a:p>
+            <a:pPr lvl="4"/>
+            <a:r>
+              <a:rPr lang="en-US"/>
+              <a:t>Fifth level</a:t>
+            </a:r>
+          </a:p>
+        </p:txBody>
+      </p:sp>
+      <p:sp>
+        <p:nvSpPr>
+          <p:cNvPr id="4" name="Content Placeholder 3">
+            <a:extLst>
+              <a:ext uri="{FF2B5EF4-FFF2-40B4-BE49-F238E27FC236}">
+                <a16:creationId xmlns:a16="http://schemas.microsoft.com/office/drawing/2014/main" id="{5C3BE08F-0D61-80F5-A92A-E7597BC58D7E}"/>
+              </a:ext>
+            </a:extLst>
+          </p:cNvPr>
+          <p:cNvSpPr>
+            <a:spLocks noGrp="1"/>
+          </p:cNvSpPr>
+          <p:nvPr>
+            <p:ph sz="half" idx="2"/>
           </p:nvPr>
         </p:nvSpPr>
         <p:spPr>
           <a:xfrm>
-            <a:off x="6231960" y="1604520"/>
-            <a:ext cx="5354280" cy="3976920"/>
+            <a:off x="6172200" y="1825625"/>
+            <a:ext cx="5181600" cy="4351338"/>
           </a:xfrm>
-          <a:prstGeom prst="rect">
-            <a:avLst/>
-          </a:prstGeom>
-          <a:noFill/>
-          <a:ln w="0">
-            <a:noFill/>
-          </a:ln>
         </p:spPr>
         <p:txBody>
-          <a:bodyPr lIns="0" tIns="0" rIns="0" bIns="0" anchor="t">
-            <a:normAutofit/>
-          </a:bodyPr>
-          <a:lstStyle/>
-          <a:p>
-            <a:pPr indent="0">
-              <a:lnSpc>
-                <a:spcPct val="90000"/>
-              </a:lnSpc>
-              <a:spcBef>
-                <a:spcPts val="1417"/>
-              </a:spcBef>
-              <a:buNone/>
-            </a:pPr>
-            <a:endParaRPr lang="en-US" sz="2800" b="0" strike="noStrike" spc="-1">
-              <a:solidFill>
-                <a:srgbClr val="000000"/>
-              </a:solidFill>
-              <a:latin typeface="Arial"/>
-            </a:endParaRPr>
-          </a:p>
-        </p:txBody>
-      </p:sp>
-      <p:sp>
-        <p:nvSpPr>
-          <p:cNvPr id="5" name="PlaceHolder 4"/>
-          <p:cNvSpPr>
-            <a:spLocks noGrp="1"/>
-          </p:cNvSpPr>
-          <p:nvPr>
-            <p:ph type="sldNum" idx="1"/>
+          <a:bodyPr/>
+          <a:lstStyle/>
+          <a:p>
+            <a:pPr lvl="0"/>
+            <a:r>
+              <a:rPr lang="en-US"/>
+              <a:t>Click to edit Master text styles</a:t>
+            </a:r>
+          </a:p>
+          <a:p>
+            <a:pPr lvl="1"/>
+            <a:r>
+              <a:rPr lang="en-US"/>
+              <a:t>Second level</a:t>
+            </a:r>
+          </a:p>
+          <a:p>
+            <a:pPr lvl="2"/>
+            <a:r>
+              <a:rPr lang="en-US"/>
+              <a:t>Third level</a:t>
+            </a:r>
+          </a:p>
+          <a:p>
+            <a:pPr lvl="3"/>
+            <a:r>
+              <a:rPr lang="en-US"/>
+              <a:t>Fourth level</a:t>
+            </a:r>
+          </a:p>
+          <a:p>
+            <a:pPr lvl="4"/>
+            <a:r>
+              <a:rPr lang="en-US"/>
+              <a:t>Fifth level</a:t>
+            </a:r>
+          </a:p>
+        </p:txBody>
+      </p:sp>
+      <p:sp>
+        <p:nvSpPr>
+          <p:cNvPr id="5" name="Date Placeholder 4">
+            <a:extLst>
+              <a:ext uri="{FF2B5EF4-FFF2-40B4-BE49-F238E27FC236}">
+                <a16:creationId xmlns:a16="http://schemas.microsoft.com/office/drawing/2014/main" id="{7A07C10D-66AF-655E-28D2-3CFD24E52820}"/>
+              </a:ext>
+            </a:extLst>
+          </p:cNvPr>
+          <p:cNvSpPr>
+            <a:spLocks noGrp="1"/>
+          </p:cNvSpPr>
+          <p:nvPr>
+            <p:ph type="dt" sz="half" idx="10"/>
           </p:nvPr>
         </p:nvSpPr>
         <p:spPr/>
@@ -1998,42 +2227,74 @@
           <a:bodyPr/>
           <a:lstStyle/>
           <a:p>
-            <a:fld id="{1040EC44-800E-4D07-A5B6-D781950D53E5}" type="slidenum">
+            <a:fld id="{19E3F066-8095-7A47-8BBF-FB45577C0028}" type="datetimeFigureOut">
+              <a:rPr lang="en-US" smtClean="0"/>
+              <a:t>11/28/22</a:t>
+            </a:fld>
+            <a:endParaRPr lang="en-US"/>
+          </a:p>
+        </p:txBody>
+      </p:sp>
+      <p:sp>
+        <p:nvSpPr>
+          <p:cNvPr id="6" name="Footer Placeholder 5">
+            <a:extLst>
+              <a:ext uri="{FF2B5EF4-FFF2-40B4-BE49-F238E27FC236}">
+                <a16:creationId xmlns:a16="http://schemas.microsoft.com/office/drawing/2014/main" id="{9B8C8EE9-6D75-3175-A1F3-455BC9AE3F46}"/>
+              </a:ext>
+            </a:extLst>
+          </p:cNvPr>
+          <p:cNvSpPr>
+            <a:spLocks noGrp="1"/>
+          </p:cNvSpPr>
+          <p:nvPr>
+            <p:ph type="ftr" sz="quarter" idx="11"/>
+          </p:nvPr>
+        </p:nvSpPr>
+        <p:spPr/>
+        <p:txBody>
+          <a:bodyPr/>
+          <a:lstStyle/>
+          <a:p>
+            <a:endParaRPr lang="en-US"/>
+          </a:p>
+        </p:txBody>
+      </p:sp>
+      <p:sp>
+        <p:nvSpPr>
+          <p:cNvPr id="7" name="Slide Number Placeholder 6">
+            <a:extLst>
+              <a:ext uri="{FF2B5EF4-FFF2-40B4-BE49-F238E27FC236}">
+                <a16:creationId xmlns:a16="http://schemas.microsoft.com/office/drawing/2014/main" id="{1417D1D1-4D73-1B4D-6987-8EFD561F1E9E}"/>
+              </a:ext>
+            </a:extLst>
+          </p:cNvPr>
+          <p:cNvSpPr>
+            <a:spLocks noGrp="1"/>
+          </p:cNvSpPr>
+          <p:nvPr>
+            <p:ph type="sldNum" sz="quarter" idx="12"/>
+          </p:nvPr>
+        </p:nvSpPr>
+        <p:spPr/>
+        <p:txBody>
+          <a:bodyPr/>
+          <a:lstStyle/>
+          <a:p>
+            <a:fld id="{657976D3-6013-CA45-A782-C70B6CB6EC75}" type="slidenum">
+              <a:rPr lang="en-US" smtClean="0"/>
               <a:t>‹#›</a:t>
             </a:fld>
-            <a:endParaRPr/>
-          </a:p>
-        </p:txBody>
-      </p:sp>
-      <p:sp>
-        <p:nvSpPr>
-          <p:cNvPr id="2" name="Title 1">
-            <a:extLst>
-              <a:ext uri="{FF2B5EF4-FFF2-40B4-BE49-F238E27FC236}">
-                <a16:creationId xmlns:a16="http://schemas.microsoft.com/office/drawing/2014/main" id="{A52EF57C-7D7A-7974-2E96-F6BFEC9AAF29}"/>
-              </a:ext>
-            </a:extLst>
-          </p:cNvPr>
-          <p:cNvSpPr>
-            <a:spLocks noGrp="1"/>
-          </p:cNvSpPr>
-          <p:nvPr>
-            <p:ph type="title"/>
-          </p:nvPr>
-        </p:nvSpPr>
-        <p:spPr/>
-        <p:txBody>
-          <a:bodyPr/>
-          <a:lstStyle/>
-          <a:p>
-            <a:r>
-              <a:rPr lang="en-US"/>
-              <a:t>Click to edit Master title style</a:t>
-            </a:r>
+            <a:endParaRPr lang="en-US"/>
           </a:p>
         </p:txBody>
       </p:sp>
     </p:spTree>
+    <p:extLst>
+      <p:ext uri="{BB962C8B-B14F-4D97-AF65-F5344CB8AC3E}">
+        <p14:creationId xmlns:p14="http://schemas.microsoft.com/office/powerpoint/2010/main" val="759320066"/>
+      </p:ext>
+    </p:extLst>
   </p:cSld>
   <p:clrMapOvr>
     <a:masterClrMapping/>
@@ -2042,7 +2303,419 @@
 </file>
 
 <file path=ppt/slideLayouts/slideLayout5.xml><?xml version="1.0" encoding="utf-8"?>
-<p:sldLayout xmlns:a="http://schemas.openxmlformats.org/drawingml/2006/main" xmlns:r="http://schemas.openxmlformats.org/officeDocument/2006/relationships" xmlns:p="http://schemas.openxmlformats.org/presentationml/2006/main" preserve="1" userDrawn="1">
+<p:sldLayout xmlns:a="http://schemas.openxmlformats.org/drawingml/2006/main" xmlns:r="http://schemas.openxmlformats.org/officeDocument/2006/relationships" xmlns:p="http://schemas.openxmlformats.org/presentationml/2006/main" type="twoTxTwoObj" preserve="1">
+  <p:cSld name="Comparison">
+    <p:spTree>
+      <p:nvGrpSpPr>
+        <p:cNvPr id="1" name=""/>
+        <p:cNvGrpSpPr/>
+        <p:nvPr/>
+      </p:nvGrpSpPr>
+      <p:grpSpPr>
+        <a:xfrm>
+          <a:off x="0" y="0"/>
+          <a:ext cx="0" cy="0"/>
+          <a:chOff x="0" y="0"/>
+          <a:chExt cx="0" cy="0"/>
+        </a:xfrm>
+      </p:grpSpPr>
+      <p:sp>
+        <p:nvSpPr>
+          <p:cNvPr id="2" name="Title 1">
+            <a:extLst>
+              <a:ext uri="{FF2B5EF4-FFF2-40B4-BE49-F238E27FC236}">
+                <a16:creationId xmlns:a16="http://schemas.microsoft.com/office/drawing/2014/main" id="{434DD687-188D-101B-4C56-8E7ACB5CDC3C}"/>
+              </a:ext>
+            </a:extLst>
+          </p:cNvPr>
+          <p:cNvSpPr>
+            <a:spLocks noGrp="1"/>
+          </p:cNvSpPr>
+          <p:nvPr>
+            <p:ph type="title" hasCustomPrompt="1"/>
+          </p:nvPr>
+        </p:nvSpPr>
+        <p:spPr>
+          <a:xfrm>
+            <a:off x="1514474" y="365125"/>
+            <a:ext cx="9840913" cy="1325563"/>
+          </a:xfrm>
+        </p:spPr>
+        <p:txBody>
+          <a:bodyPr/>
+          <a:lstStyle/>
+          <a:p>
+            <a:r>
+              <a:rPr lang="en-US" dirty="0"/>
+              <a:t>Click To Edit Master Title Style</a:t>
+            </a:r>
+          </a:p>
+        </p:txBody>
+      </p:sp>
+      <p:sp>
+        <p:nvSpPr>
+          <p:cNvPr id="3" name="Text Placeholder 2">
+            <a:extLst>
+              <a:ext uri="{FF2B5EF4-FFF2-40B4-BE49-F238E27FC236}">
+                <a16:creationId xmlns:a16="http://schemas.microsoft.com/office/drawing/2014/main" id="{4B13CCBB-A95D-5BCC-68B9-7ABBD795C958}"/>
+              </a:ext>
+            </a:extLst>
+          </p:cNvPr>
+          <p:cNvSpPr>
+            <a:spLocks noGrp="1"/>
+          </p:cNvSpPr>
+          <p:nvPr>
+            <p:ph type="body" idx="1"/>
+          </p:nvPr>
+        </p:nvSpPr>
+        <p:spPr>
+          <a:xfrm>
+            <a:off x="839788" y="1681163"/>
+            <a:ext cx="5157787" cy="823912"/>
+          </a:xfrm>
+        </p:spPr>
+        <p:txBody>
+          <a:bodyPr anchor="b"/>
+          <a:lstStyle>
+            <a:lvl1pPr marL="0" indent="0">
+              <a:buNone/>
+              <a:defRPr sz="2400" b="1"/>
+            </a:lvl1pPr>
+            <a:lvl2pPr marL="457200" indent="0">
+              <a:buNone/>
+              <a:defRPr sz="2000" b="1"/>
+            </a:lvl2pPr>
+            <a:lvl3pPr marL="914400" indent="0">
+              <a:buNone/>
+              <a:defRPr sz="1800" b="1"/>
+            </a:lvl3pPr>
+            <a:lvl4pPr marL="1371600" indent="0">
+              <a:buNone/>
+              <a:defRPr sz="1600" b="1"/>
+            </a:lvl4pPr>
+            <a:lvl5pPr marL="1828800" indent="0">
+              <a:buNone/>
+              <a:defRPr sz="1600" b="1"/>
+            </a:lvl5pPr>
+            <a:lvl6pPr marL="2286000" indent="0">
+              <a:buNone/>
+              <a:defRPr sz="1600" b="1"/>
+            </a:lvl6pPr>
+            <a:lvl7pPr marL="2743200" indent="0">
+              <a:buNone/>
+              <a:defRPr sz="1600" b="1"/>
+            </a:lvl7pPr>
+            <a:lvl8pPr marL="3200400" indent="0">
+              <a:buNone/>
+              <a:defRPr sz="1600" b="1"/>
+            </a:lvl8pPr>
+            <a:lvl9pPr marL="3657600" indent="0">
+              <a:buNone/>
+              <a:defRPr sz="1600" b="1"/>
+            </a:lvl9pPr>
+          </a:lstStyle>
+          <a:p>
+            <a:pPr lvl="0"/>
+            <a:r>
+              <a:rPr lang="en-US"/>
+              <a:t>Click to edit Master text styles</a:t>
+            </a:r>
+          </a:p>
+        </p:txBody>
+      </p:sp>
+      <p:sp>
+        <p:nvSpPr>
+          <p:cNvPr id="4" name="Content Placeholder 3">
+            <a:extLst>
+              <a:ext uri="{FF2B5EF4-FFF2-40B4-BE49-F238E27FC236}">
+                <a16:creationId xmlns:a16="http://schemas.microsoft.com/office/drawing/2014/main" id="{E27B1CD3-D86E-ED9A-3117-D1344AD79618}"/>
+              </a:ext>
+            </a:extLst>
+          </p:cNvPr>
+          <p:cNvSpPr>
+            <a:spLocks noGrp="1"/>
+          </p:cNvSpPr>
+          <p:nvPr>
+            <p:ph sz="half" idx="2"/>
+          </p:nvPr>
+        </p:nvSpPr>
+        <p:spPr>
+          <a:xfrm>
+            <a:off x="839788" y="2505075"/>
+            <a:ext cx="5157787" cy="3684588"/>
+          </a:xfrm>
+        </p:spPr>
+        <p:txBody>
+          <a:bodyPr/>
+          <a:lstStyle/>
+          <a:p>
+            <a:pPr lvl="0"/>
+            <a:r>
+              <a:rPr lang="en-US"/>
+              <a:t>Click to edit Master text styles</a:t>
+            </a:r>
+          </a:p>
+          <a:p>
+            <a:pPr lvl="1"/>
+            <a:r>
+              <a:rPr lang="en-US"/>
+              <a:t>Second level</a:t>
+            </a:r>
+          </a:p>
+          <a:p>
+            <a:pPr lvl="2"/>
+            <a:r>
+              <a:rPr lang="en-US"/>
+              <a:t>Third level</a:t>
+            </a:r>
+          </a:p>
+          <a:p>
+            <a:pPr lvl="3"/>
+            <a:r>
+              <a:rPr lang="en-US"/>
+              <a:t>Fourth level</a:t>
+            </a:r>
+          </a:p>
+          <a:p>
+            <a:pPr lvl="4"/>
+            <a:r>
+              <a:rPr lang="en-US"/>
+              <a:t>Fifth level</a:t>
+            </a:r>
+          </a:p>
+        </p:txBody>
+      </p:sp>
+      <p:sp>
+        <p:nvSpPr>
+          <p:cNvPr id="5" name="Text Placeholder 4">
+            <a:extLst>
+              <a:ext uri="{FF2B5EF4-FFF2-40B4-BE49-F238E27FC236}">
+                <a16:creationId xmlns:a16="http://schemas.microsoft.com/office/drawing/2014/main" id="{8928108B-0B2A-4B43-A14C-2D55BC93BE4B}"/>
+              </a:ext>
+            </a:extLst>
+          </p:cNvPr>
+          <p:cNvSpPr>
+            <a:spLocks noGrp="1"/>
+          </p:cNvSpPr>
+          <p:nvPr>
+            <p:ph type="body" sz="quarter" idx="3"/>
+          </p:nvPr>
+        </p:nvSpPr>
+        <p:spPr>
+          <a:xfrm>
+            <a:off x="6172200" y="1681163"/>
+            <a:ext cx="5183188" cy="823912"/>
+          </a:xfrm>
+        </p:spPr>
+        <p:txBody>
+          <a:bodyPr anchor="b"/>
+          <a:lstStyle>
+            <a:lvl1pPr marL="0" indent="0">
+              <a:buNone/>
+              <a:defRPr sz="2400" b="1"/>
+            </a:lvl1pPr>
+            <a:lvl2pPr marL="457200" indent="0">
+              <a:buNone/>
+              <a:defRPr sz="2000" b="1"/>
+            </a:lvl2pPr>
+            <a:lvl3pPr marL="914400" indent="0">
+              <a:buNone/>
+              <a:defRPr sz="1800" b="1"/>
+            </a:lvl3pPr>
+            <a:lvl4pPr marL="1371600" indent="0">
+              <a:buNone/>
+              <a:defRPr sz="1600" b="1"/>
+            </a:lvl4pPr>
+            <a:lvl5pPr marL="1828800" indent="0">
+              <a:buNone/>
+              <a:defRPr sz="1600" b="1"/>
+            </a:lvl5pPr>
+            <a:lvl6pPr marL="2286000" indent="0">
+              <a:buNone/>
+              <a:defRPr sz="1600" b="1"/>
+            </a:lvl6pPr>
+            <a:lvl7pPr marL="2743200" indent="0">
+              <a:buNone/>
+              <a:defRPr sz="1600" b="1"/>
+            </a:lvl7pPr>
+            <a:lvl8pPr marL="3200400" indent="0">
+              <a:buNone/>
+              <a:defRPr sz="1600" b="1"/>
+            </a:lvl8pPr>
+            <a:lvl9pPr marL="3657600" indent="0">
+              <a:buNone/>
+              <a:defRPr sz="1600" b="1"/>
+            </a:lvl9pPr>
+          </a:lstStyle>
+          <a:p>
+            <a:pPr lvl="0"/>
+            <a:r>
+              <a:rPr lang="en-US"/>
+              <a:t>Click to edit Master text styles</a:t>
+            </a:r>
+          </a:p>
+        </p:txBody>
+      </p:sp>
+      <p:sp>
+        <p:nvSpPr>
+          <p:cNvPr id="6" name="Content Placeholder 5">
+            <a:extLst>
+              <a:ext uri="{FF2B5EF4-FFF2-40B4-BE49-F238E27FC236}">
+                <a16:creationId xmlns:a16="http://schemas.microsoft.com/office/drawing/2014/main" id="{37EEB1A6-AACB-7D70-7380-318028197388}"/>
+              </a:ext>
+            </a:extLst>
+          </p:cNvPr>
+          <p:cNvSpPr>
+            <a:spLocks noGrp="1"/>
+          </p:cNvSpPr>
+          <p:nvPr>
+            <p:ph sz="quarter" idx="4"/>
+          </p:nvPr>
+        </p:nvSpPr>
+        <p:spPr>
+          <a:xfrm>
+            <a:off x="6172200" y="2505075"/>
+            <a:ext cx="5183188" cy="3684588"/>
+          </a:xfrm>
+        </p:spPr>
+        <p:txBody>
+          <a:bodyPr/>
+          <a:lstStyle/>
+          <a:p>
+            <a:pPr lvl="0"/>
+            <a:r>
+              <a:rPr lang="en-US"/>
+              <a:t>Click to edit Master text styles</a:t>
+            </a:r>
+          </a:p>
+          <a:p>
+            <a:pPr lvl="1"/>
+            <a:r>
+              <a:rPr lang="en-US"/>
+              <a:t>Second level</a:t>
+            </a:r>
+          </a:p>
+          <a:p>
+            <a:pPr lvl="2"/>
+            <a:r>
+              <a:rPr lang="en-US"/>
+              <a:t>Third level</a:t>
+            </a:r>
+          </a:p>
+          <a:p>
+            <a:pPr lvl="3"/>
+            <a:r>
+              <a:rPr lang="en-US"/>
+              <a:t>Fourth level</a:t>
+            </a:r>
+          </a:p>
+          <a:p>
+            <a:pPr lvl="4"/>
+            <a:r>
+              <a:rPr lang="en-US"/>
+              <a:t>Fifth level</a:t>
+            </a:r>
+          </a:p>
+        </p:txBody>
+      </p:sp>
+      <p:sp>
+        <p:nvSpPr>
+          <p:cNvPr id="7" name="Date Placeholder 6">
+            <a:extLst>
+              <a:ext uri="{FF2B5EF4-FFF2-40B4-BE49-F238E27FC236}">
+                <a16:creationId xmlns:a16="http://schemas.microsoft.com/office/drawing/2014/main" id="{2AFC05C5-A674-9A05-1462-3784157BED0D}"/>
+              </a:ext>
+            </a:extLst>
+          </p:cNvPr>
+          <p:cNvSpPr>
+            <a:spLocks noGrp="1"/>
+          </p:cNvSpPr>
+          <p:nvPr>
+            <p:ph type="dt" sz="half" idx="10"/>
+          </p:nvPr>
+        </p:nvSpPr>
+        <p:spPr/>
+        <p:txBody>
+          <a:bodyPr/>
+          <a:lstStyle/>
+          <a:p>
+            <a:fld id="{19E3F066-8095-7A47-8BBF-FB45577C0028}" type="datetimeFigureOut">
+              <a:rPr lang="en-US" smtClean="0"/>
+              <a:t>11/28/22</a:t>
+            </a:fld>
+            <a:endParaRPr lang="en-US"/>
+          </a:p>
+        </p:txBody>
+      </p:sp>
+      <p:sp>
+        <p:nvSpPr>
+          <p:cNvPr id="8" name="Footer Placeholder 7">
+            <a:extLst>
+              <a:ext uri="{FF2B5EF4-FFF2-40B4-BE49-F238E27FC236}">
+                <a16:creationId xmlns:a16="http://schemas.microsoft.com/office/drawing/2014/main" id="{BDA10B10-D8F8-DBA4-5CC5-D64C3A9359B3}"/>
+              </a:ext>
+            </a:extLst>
+          </p:cNvPr>
+          <p:cNvSpPr>
+            <a:spLocks noGrp="1"/>
+          </p:cNvSpPr>
+          <p:nvPr>
+            <p:ph type="ftr" sz="quarter" idx="11"/>
+          </p:nvPr>
+        </p:nvSpPr>
+        <p:spPr/>
+        <p:txBody>
+          <a:bodyPr/>
+          <a:lstStyle/>
+          <a:p>
+            <a:endParaRPr lang="en-US"/>
+          </a:p>
+        </p:txBody>
+      </p:sp>
+      <p:sp>
+        <p:nvSpPr>
+          <p:cNvPr id="9" name="Slide Number Placeholder 8">
+            <a:extLst>
+              <a:ext uri="{FF2B5EF4-FFF2-40B4-BE49-F238E27FC236}">
+                <a16:creationId xmlns:a16="http://schemas.microsoft.com/office/drawing/2014/main" id="{932BAFD7-801A-8B5A-C4CF-B11CE298FF3B}"/>
+              </a:ext>
+            </a:extLst>
+          </p:cNvPr>
+          <p:cNvSpPr>
+            <a:spLocks noGrp="1"/>
+          </p:cNvSpPr>
+          <p:nvPr>
+            <p:ph type="sldNum" sz="quarter" idx="12"/>
+          </p:nvPr>
+        </p:nvSpPr>
+        <p:spPr/>
+        <p:txBody>
+          <a:bodyPr/>
+          <a:lstStyle/>
+          <a:p>
+            <a:fld id="{657976D3-6013-CA45-A782-C70B6CB6EC75}" type="slidenum">
+              <a:rPr lang="en-US" smtClean="0"/>
+              <a:t>‹#›</a:t>
+            </a:fld>
+            <a:endParaRPr lang="en-US"/>
+          </a:p>
+        </p:txBody>
+      </p:sp>
+    </p:spTree>
+    <p:extLst>
+      <p:ext uri="{BB962C8B-B14F-4D97-AF65-F5344CB8AC3E}">
+        <p14:creationId xmlns:p14="http://schemas.microsoft.com/office/powerpoint/2010/main" val="1136943541"/>
+      </p:ext>
+    </p:extLst>
+  </p:cSld>
+  <p:clrMapOvr>
+    <a:masterClrMapping/>
+  </p:clrMapOvr>
+</p:sldLayout>
+</file>
+
+<file path=ppt/slideLayouts/slideLayout6.xml><?xml version="1.0" encoding="utf-8"?>
+<p:sldLayout xmlns:a="http://schemas.openxmlformats.org/drawingml/2006/main" xmlns:r="http://schemas.openxmlformats.org/officeDocument/2006/relationships" xmlns:p="http://schemas.openxmlformats.org/presentationml/2006/main" type="titleOnly" preserve="1">
   <p:cSld name="Title Only">
     <p:spTree>
       <p:nvGrpSpPr>
@@ -2060,12 +2733,18 @@
       </p:grpSpPr>
       <p:sp>
         <p:nvSpPr>
-          <p:cNvPr id="3" name="PlaceHolder 2"/>
-          <p:cNvSpPr>
-            <a:spLocks noGrp="1"/>
-          </p:cNvSpPr>
-          <p:nvPr>
-            <p:ph type="sldNum" idx="1"/>
+          <p:cNvPr id="2" name="Title 1">
+            <a:extLst>
+              <a:ext uri="{FF2B5EF4-FFF2-40B4-BE49-F238E27FC236}">
+                <a16:creationId xmlns:a16="http://schemas.microsoft.com/office/drawing/2014/main" id="{2B6E9397-6704-1590-F0D6-025D1CD4DC68}"/>
+              </a:ext>
+            </a:extLst>
+          </p:cNvPr>
+          <p:cNvSpPr>
+            <a:spLocks noGrp="1"/>
+          </p:cNvSpPr>
+          <p:nvPr>
+            <p:ph type="title" hasCustomPrompt="1"/>
           </p:nvPr>
         </p:nvSpPr>
         <p:spPr/>
@@ -2073,42 +2752,102 @@
           <a:bodyPr/>
           <a:lstStyle/>
           <a:p>
-            <a:fld id="{FA583ED9-65C1-47B6-852A-C3CF6027BBDE}" type="slidenum">
+            <a:r>
+              <a:rPr lang="en-US" dirty="0"/>
+              <a:t>Click To Edit Master Title Style</a:t>
+            </a:r>
+          </a:p>
+        </p:txBody>
+      </p:sp>
+      <p:sp>
+        <p:nvSpPr>
+          <p:cNvPr id="3" name="Date Placeholder 2">
+            <a:extLst>
+              <a:ext uri="{FF2B5EF4-FFF2-40B4-BE49-F238E27FC236}">
+                <a16:creationId xmlns:a16="http://schemas.microsoft.com/office/drawing/2014/main" id="{1AEF8590-AE10-B24B-BFF0-846DFA2C6C26}"/>
+              </a:ext>
+            </a:extLst>
+          </p:cNvPr>
+          <p:cNvSpPr>
+            <a:spLocks noGrp="1"/>
+          </p:cNvSpPr>
+          <p:nvPr>
+            <p:ph type="dt" sz="half" idx="10"/>
+          </p:nvPr>
+        </p:nvSpPr>
+        <p:spPr/>
+        <p:txBody>
+          <a:bodyPr/>
+          <a:lstStyle/>
+          <a:p>
+            <a:fld id="{19E3F066-8095-7A47-8BBF-FB45577C0028}" type="datetimeFigureOut">
+              <a:rPr lang="en-US" smtClean="0"/>
+              <a:t>11/28/22</a:t>
+            </a:fld>
+            <a:endParaRPr lang="en-US"/>
+          </a:p>
+        </p:txBody>
+      </p:sp>
+      <p:sp>
+        <p:nvSpPr>
+          <p:cNvPr id="4" name="Footer Placeholder 3">
+            <a:extLst>
+              <a:ext uri="{FF2B5EF4-FFF2-40B4-BE49-F238E27FC236}">
+                <a16:creationId xmlns:a16="http://schemas.microsoft.com/office/drawing/2014/main" id="{69DD3B18-ED71-080F-1A56-B7AC6910BC29}"/>
+              </a:ext>
+            </a:extLst>
+          </p:cNvPr>
+          <p:cNvSpPr>
+            <a:spLocks noGrp="1"/>
+          </p:cNvSpPr>
+          <p:nvPr>
+            <p:ph type="ftr" sz="quarter" idx="11"/>
+          </p:nvPr>
+        </p:nvSpPr>
+        <p:spPr/>
+        <p:txBody>
+          <a:bodyPr/>
+          <a:lstStyle/>
+          <a:p>
+            <a:endParaRPr lang="en-US"/>
+          </a:p>
+        </p:txBody>
+      </p:sp>
+      <p:sp>
+        <p:nvSpPr>
+          <p:cNvPr id="5" name="Slide Number Placeholder 4">
+            <a:extLst>
+              <a:ext uri="{FF2B5EF4-FFF2-40B4-BE49-F238E27FC236}">
+                <a16:creationId xmlns:a16="http://schemas.microsoft.com/office/drawing/2014/main" id="{FF43BCCF-0F2A-8B62-BE92-B36AD49A61CE}"/>
+              </a:ext>
+            </a:extLst>
+          </p:cNvPr>
+          <p:cNvSpPr>
+            <a:spLocks noGrp="1"/>
+          </p:cNvSpPr>
+          <p:nvPr>
+            <p:ph type="sldNum" sz="quarter" idx="12"/>
+          </p:nvPr>
+        </p:nvSpPr>
+        <p:spPr/>
+        <p:txBody>
+          <a:bodyPr/>
+          <a:lstStyle/>
+          <a:p>
+            <a:fld id="{657976D3-6013-CA45-A782-C70B6CB6EC75}" type="slidenum">
+              <a:rPr lang="en-US" smtClean="0"/>
               <a:t>‹#›</a:t>
             </a:fld>
-            <a:endParaRPr/>
-          </a:p>
-        </p:txBody>
-      </p:sp>
-      <p:sp>
-        <p:nvSpPr>
-          <p:cNvPr id="2" name="Title 1">
-            <a:extLst>
-              <a:ext uri="{FF2B5EF4-FFF2-40B4-BE49-F238E27FC236}">
-                <a16:creationId xmlns:a16="http://schemas.microsoft.com/office/drawing/2014/main" id="{6ECE36CA-8058-E9E9-A660-E4DF71E76552}"/>
-              </a:ext>
-            </a:extLst>
-          </p:cNvPr>
-          <p:cNvSpPr>
-            <a:spLocks noGrp="1"/>
-          </p:cNvSpPr>
-          <p:nvPr>
-            <p:ph type="title"/>
-          </p:nvPr>
-        </p:nvSpPr>
-        <p:spPr/>
-        <p:txBody>
-          <a:bodyPr/>
-          <a:lstStyle/>
-          <a:p>
-            <a:r>
-              <a:rPr lang="en-US"/>
-              <a:t>Click to edit Master title style</a:t>
-            </a:r>
+            <a:endParaRPr lang="en-US"/>
           </a:p>
         </p:txBody>
       </p:sp>
     </p:spTree>
+    <p:extLst>
+      <p:ext uri="{BB962C8B-B14F-4D97-AF65-F5344CB8AC3E}">
+        <p14:creationId xmlns:p14="http://schemas.microsoft.com/office/powerpoint/2010/main" val="3063316003"/>
+      </p:ext>
+    </p:extLst>
   </p:cSld>
   <p:clrMapOvr>
     <a:masterClrMapping/>
@@ -2116,9 +2855,9 @@
 </p:sldLayout>
 </file>
 
-<file path=ppt/slideLayouts/slideLayout6.xml><?xml version="1.0" encoding="utf-8"?>
-<p:sldLayout xmlns:a="http://schemas.openxmlformats.org/drawingml/2006/main" xmlns:r="http://schemas.openxmlformats.org/officeDocument/2006/relationships" xmlns:p="http://schemas.openxmlformats.org/presentationml/2006/main" preserve="1" userDrawn="1">
-  <p:cSld name="Title, 2 Content and Content">
+<file path=ppt/slideLayouts/slideLayout7.xml><?xml version="1.0" encoding="utf-8"?>
+<p:sldLayout xmlns:a="http://schemas.openxmlformats.org/drawingml/2006/main" xmlns:r="http://schemas.openxmlformats.org/officeDocument/2006/relationships" xmlns:p="http://schemas.openxmlformats.org/presentationml/2006/main" type="blank" preserve="1">
+  <p:cSld name="Blank">
     <p:spTree>
       <p:nvGrpSpPr>
         <p:cNvPr id="1" name=""/>
@@ -2135,153 +2874,18 @@
       </p:grpSpPr>
       <p:sp>
         <p:nvSpPr>
-          <p:cNvPr id="13" name="PlaceHolder 2"/>
-          <p:cNvSpPr>
-            <a:spLocks noGrp="1"/>
-          </p:cNvSpPr>
-          <p:nvPr>
-            <p:ph/>
-          </p:nvPr>
-        </p:nvSpPr>
-        <p:spPr>
-          <a:xfrm>
-            <a:off x="609480" y="1604520"/>
-            <a:ext cx="5354280" cy="1896840"/>
-          </a:xfrm>
-          <a:prstGeom prst="rect">
-            <a:avLst/>
-          </a:prstGeom>
-          <a:noFill/>
-          <a:ln w="0">
-            <a:noFill/>
-          </a:ln>
-        </p:spPr>
-        <p:txBody>
-          <a:bodyPr lIns="0" tIns="0" rIns="0" bIns="0" anchor="t">
-            <a:normAutofit/>
-          </a:bodyPr>
-          <a:lstStyle/>
-          <a:p>
-            <a:pPr indent="0">
-              <a:lnSpc>
-                <a:spcPct val="90000"/>
-              </a:lnSpc>
-              <a:spcBef>
-                <a:spcPts val="1417"/>
-              </a:spcBef>
-              <a:buNone/>
-            </a:pPr>
-            <a:endParaRPr lang="en-US" sz="2800" b="0" strike="noStrike" spc="-1">
-              <a:solidFill>
-                <a:srgbClr val="000000"/>
-              </a:solidFill>
-              <a:latin typeface="Arial"/>
-            </a:endParaRPr>
-          </a:p>
-        </p:txBody>
-      </p:sp>
-      <p:sp>
-        <p:nvSpPr>
-          <p:cNvPr id="14" name="PlaceHolder 3"/>
-          <p:cNvSpPr>
-            <a:spLocks noGrp="1"/>
-          </p:cNvSpPr>
-          <p:nvPr>
-            <p:ph/>
-          </p:nvPr>
-        </p:nvSpPr>
-        <p:spPr>
-          <a:xfrm>
-            <a:off x="6231960" y="1604520"/>
-            <a:ext cx="5354280" cy="3976920"/>
-          </a:xfrm>
-          <a:prstGeom prst="rect">
-            <a:avLst/>
-          </a:prstGeom>
-          <a:noFill/>
-          <a:ln w="0">
-            <a:noFill/>
-          </a:ln>
-        </p:spPr>
-        <p:txBody>
-          <a:bodyPr lIns="0" tIns="0" rIns="0" bIns="0" anchor="t">
-            <a:normAutofit/>
-          </a:bodyPr>
-          <a:lstStyle/>
-          <a:p>
-            <a:pPr indent="0">
-              <a:lnSpc>
-                <a:spcPct val="90000"/>
-              </a:lnSpc>
-              <a:spcBef>
-                <a:spcPts val="1417"/>
-              </a:spcBef>
-              <a:buNone/>
-            </a:pPr>
-            <a:endParaRPr lang="en-US" sz="2800" b="0" strike="noStrike" spc="-1">
-              <a:solidFill>
-                <a:srgbClr val="000000"/>
-              </a:solidFill>
-              <a:latin typeface="Arial"/>
-            </a:endParaRPr>
-          </a:p>
-        </p:txBody>
-      </p:sp>
-      <p:sp>
-        <p:nvSpPr>
-          <p:cNvPr id="15" name="PlaceHolder 4"/>
-          <p:cNvSpPr>
-            <a:spLocks noGrp="1"/>
-          </p:cNvSpPr>
-          <p:nvPr>
-            <p:ph/>
-          </p:nvPr>
-        </p:nvSpPr>
-        <p:spPr>
-          <a:xfrm>
-            <a:off x="609480" y="3682080"/>
-            <a:ext cx="5354280" cy="1896840"/>
-          </a:xfrm>
-          <a:prstGeom prst="rect">
-            <a:avLst/>
-          </a:prstGeom>
-          <a:noFill/>
-          <a:ln w="0">
-            <a:noFill/>
-          </a:ln>
-        </p:spPr>
-        <p:txBody>
-          <a:bodyPr lIns="0" tIns="0" rIns="0" bIns="0" anchor="t">
-            <a:normAutofit/>
-          </a:bodyPr>
-          <a:lstStyle/>
-          <a:p>
-            <a:pPr indent="0">
-              <a:lnSpc>
-                <a:spcPct val="90000"/>
-              </a:lnSpc>
-              <a:spcBef>
-                <a:spcPts val="1417"/>
-              </a:spcBef>
-              <a:buNone/>
-            </a:pPr>
-            <a:endParaRPr lang="en-US" sz="2800" b="0" strike="noStrike" spc="-1">
-              <a:solidFill>
-                <a:srgbClr val="000000"/>
-              </a:solidFill>
-              <a:latin typeface="Arial"/>
-            </a:endParaRPr>
-          </a:p>
-        </p:txBody>
-      </p:sp>
-      <p:sp>
-        <p:nvSpPr>
-          <p:cNvPr id="6" name="PlaceHolder 5"/>
-          <p:cNvSpPr>
-            <a:spLocks noGrp="1"/>
-          </p:cNvSpPr>
-          <p:nvPr>
-            <p:ph type="sldNum" idx="1"/>
+          <p:cNvPr id="2" name="Date Placeholder 1">
+            <a:extLst>
+              <a:ext uri="{FF2B5EF4-FFF2-40B4-BE49-F238E27FC236}">
+                <a16:creationId xmlns:a16="http://schemas.microsoft.com/office/drawing/2014/main" id="{DD3B3E13-9CF1-D0F8-2348-ED29DC6D697C}"/>
+              </a:ext>
+            </a:extLst>
+          </p:cNvPr>
+          <p:cNvSpPr>
+            <a:spLocks noGrp="1"/>
+          </p:cNvSpPr>
+          <p:nvPr>
+            <p:ph type="dt" sz="half" idx="10"/>
           </p:nvPr>
         </p:nvSpPr>
         <p:spPr/>
@@ -2289,42 +2893,74 @@
           <a:bodyPr/>
           <a:lstStyle/>
           <a:p>
-            <a:fld id="{83409A5D-7492-4101-9644-6C75D85E1479}" type="slidenum">
+            <a:fld id="{19E3F066-8095-7A47-8BBF-FB45577C0028}" type="datetimeFigureOut">
+              <a:rPr lang="en-US" smtClean="0"/>
+              <a:t>11/28/22</a:t>
+            </a:fld>
+            <a:endParaRPr lang="en-US"/>
+          </a:p>
+        </p:txBody>
+      </p:sp>
+      <p:sp>
+        <p:nvSpPr>
+          <p:cNvPr id="3" name="Footer Placeholder 2">
+            <a:extLst>
+              <a:ext uri="{FF2B5EF4-FFF2-40B4-BE49-F238E27FC236}">
+                <a16:creationId xmlns:a16="http://schemas.microsoft.com/office/drawing/2014/main" id="{83755C73-894B-D43E-1545-E3F575B97C87}"/>
+              </a:ext>
+            </a:extLst>
+          </p:cNvPr>
+          <p:cNvSpPr>
+            <a:spLocks noGrp="1"/>
+          </p:cNvSpPr>
+          <p:nvPr>
+            <p:ph type="ftr" sz="quarter" idx="11"/>
+          </p:nvPr>
+        </p:nvSpPr>
+        <p:spPr/>
+        <p:txBody>
+          <a:bodyPr/>
+          <a:lstStyle/>
+          <a:p>
+            <a:endParaRPr lang="en-US"/>
+          </a:p>
+        </p:txBody>
+      </p:sp>
+      <p:sp>
+        <p:nvSpPr>
+          <p:cNvPr id="4" name="Slide Number Placeholder 3">
+            <a:extLst>
+              <a:ext uri="{FF2B5EF4-FFF2-40B4-BE49-F238E27FC236}">
+                <a16:creationId xmlns:a16="http://schemas.microsoft.com/office/drawing/2014/main" id="{0E67C699-BD8A-BA24-8430-36A6F2C16658}"/>
+              </a:ext>
+            </a:extLst>
+          </p:cNvPr>
+          <p:cNvSpPr>
+            <a:spLocks noGrp="1"/>
+          </p:cNvSpPr>
+          <p:nvPr>
+            <p:ph type="sldNum" sz="quarter" idx="12"/>
+          </p:nvPr>
+        </p:nvSpPr>
+        <p:spPr/>
+        <p:txBody>
+          <a:bodyPr/>
+          <a:lstStyle/>
+          <a:p>
+            <a:fld id="{657976D3-6013-CA45-A782-C70B6CB6EC75}" type="slidenum">
+              <a:rPr lang="en-US" smtClean="0"/>
               <a:t>‹#›</a:t>
             </a:fld>
-            <a:endParaRPr/>
-          </a:p>
-        </p:txBody>
-      </p:sp>
-      <p:sp>
-        <p:nvSpPr>
-          <p:cNvPr id="2" name="Title 1">
-            <a:extLst>
-              <a:ext uri="{FF2B5EF4-FFF2-40B4-BE49-F238E27FC236}">
-                <a16:creationId xmlns:a16="http://schemas.microsoft.com/office/drawing/2014/main" id="{7A56E6DA-B659-2FA0-5320-B6F2141E9E0C}"/>
-              </a:ext>
-            </a:extLst>
-          </p:cNvPr>
-          <p:cNvSpPr>
-            <a:spLocks noGrp="1"/>
-          </p:cNvSpPr>
-          <p:nvPr>
-            <p:ph type="title"/>
-          </p:nvPr>
-        </p:nvSpPr>
-        <p:spPr/>
-        <p:txBody>
-          <a:bodyPr/>
-          <a:lstStyle/>
-          <a:p>
-            <a:r>
-              <a:rPr lang="en-US"/>
-              <a:t>Click to edit Master title style</a:t>
-            </a:r>
+            <a:endParaRPr lang="en-US"/>
           </a:p>
         </p:txBody>
       </p:sp>
     </p:spTree>
+    <p:extLst>
+      <p:ext uri="{BB962C8B-B14F-4D97-AF65-F5344CB8AC3E}">
+        <p14:creationId xmlns:p14="http://schemas.microsoft.com/office/powerpoint/2010/main" val="3005129853"/>
+      </p:ext>
+    </p:extLst>
   </p:cSld>
   <p:clrMapOvr>
     <a:masterClrMapping/>
@@ -2332,9 +2968,9 @@
 </p:sldLayout>
 </file>
 
-<file path=ppt/slideLayouts/slideLayout7.xml><?xml version="1.0" encoding="utf-8"?>
-<p:sldLayout xmlns:a="http://schemas.openxmlformats.org/drawingml/2006/main" xmlns:r="http://schemas.openxmlformats.org/officeDocument/2006/relationships" xmlns:p="http://schemas.openxmlformats.org/presentationml/2006/main" preserve="1" userDrawn="1">
-  <p:cSld name="Title Content and 2 Content">
+<file path=ppt/slideLayouts/slideLayout8.xml><?xml version="1.0" encoding="utf-8"?>
+<p:sldLayout xmlns:a="http://schemas.openxmlformats.org/drawingml/2006/main" xmlns:r="http://schemas.openxmlformats.org/officeDocument/2006/relationships" xmlns:p="http://schemas.openxmlformats.org/presentationml/2006/main" type="objTx" preserve="1">
+  <p:cSld name="Content with Caption">
     <p:spTree>
       <p:nvGrpSpPr>
         <p:cNvPr id="1" name=""/>
@@ -2351,153 +2987,216 @@
       </p:grpSpPr>
       <p:sp>
         <p:nvSpPr>
-          <p:cNvPr id="17" name="PlaceHolder 2"/>
-          <p:cNvSpPr>
-            <a:spLocks noGrp="1"/>
-          </p:cNvSpPr>
-          <p:nvPr>
-            <p:ph/>
+          <p:cNvPr id="2" name="Title 1">
+            <a:extLst>
+              <a:ext uri="{FF2B5EF4-FFF2-40B4-BE49-F238E27FC236}">
+                <a16:creationId xmlns:a16="http://schemas.microsoft.com/office/drawing/2014/main" id="{366B2A79-9909-4780-A99B-83E9D7994275}"/>
+              </a:ext>
+            </a:extLst>
+          </p:cNvPr>
+          <p:cNvSpPr>
+            <a:spLocks noGrp="1"/>
+          </p:cNvSpPr>
+          <p:nvPr>
+            <p:ph type="title" hasCustomPrompt="1"/>
           </p:nvPr>
         </p:nvSpPr>
         <p:spPr>
           <a:xfrm>
-            <a:off x="609480" y="1604520"/>
-            <a:ext cx="5354280" cy="3976920"/>
+            <a:off x="839788" y="1214440"/>
+            <a:ext cx="3932237" cy="900112"/>
           </a:xfrm>
-          <a:prstGeom prst="rect">
-            <a:avLst/>
-          </a:prstGeom>
-          <a:noFill/>
-          <a:ln w="0">
-            <a:noFill/>
-          </a:ln>
         </p:spPr>
         <p:txBody>
-          <a:bodyPr lIns="0" tIns="0" rIns="0" bIns="0" anchor="t">
-            <a:normAutofit/>
-          </a:bodyPr>
-          <a:lstStyle/>
-          <a:p>
-            <a:pPr indent="0">
-              <a:lnSpc>
-                <a:spcPct val="90000"/>
-              </a:lnSpc>
-              <a:spcBef>
-                <a:spcPts val="1417"/>
-              </a:spcBef>
-              <a:buNone/>
-            </a:pPr>
-            <a:endParaRPr lang="en-US" sz="2800" b="0" strike="noStrike" spc="-1">
-              <a:solidFill>
-                <a:srgbClr val="000000"/>
-              </a:solidFill>
-              <a:latin typeface="Arial"/>
-            </a:endParaRPr>
-          </a:p>
-        </p:txBody>
-      </p:sp>
-      <p:sp>
-        <p:nvSpPr>
-          <p:cNvPr id="18" name="PlaceHolder 3"/>
-          <p:cNvSpPr>
-            <a:spLocks noGrp="1"/>
-          </p:cNvSpPr>
-          <p:nvPr>
-            <p:ph/>
+          <a:bodyPr anchor="b"/>
+          <a:lstStyle>
+            <a:lvl1pPr>
+              <a:defRPr sz="3200"/>
+            </a:lvl1pPr>
+          </a:lstStyle>
+          <a:p>
+            <a:r>
+              <a:rPr lang="en-US" dirty="0"/>
+              <a:t>Click To Edit Master Title Style</a:t>
+            </a:r>
+          </a:p>
+        </p:txBody>
+      </p:sp>
+      <p:sp>
+        <p:nvSpPr>
+          <p:cNvPr id="3" name="Content Placeholder 2">
+            <a:extLst>
+              <a:ext uri="{FF2B5EF4-FFF2-40B4-BE49-F238E27FC236}">
+                <a16:creationId xmlns:a16="http://schemas.microsoft.com/office/drawing/2014/main" id="{F2A60025-737D-CB47-8036-5F2AECCC1A1F}"/>
+              </a:ext>
+            </a:extLst>
+          </p:cNvPr>
+          <p:cNvSpPr>
+            <a:spLocks noGrp="1"/>
+          </p:cNvSpPr>
+          <p:nvPr>
+            <p:ph idx="1"/>
           </p:nvPr>
         </p:nvSpPr>
         <p:spPr>
           <a:xfrm>
-            <a:off x="6231960" y="1604520"/>
-            <a:ext cx="5354280" cy="1896840"/>
+            <a:off x="5183188" y="987425"/>
+            <a:ext cx="6172200" cy="4873625"/>
           </a:xfrm>
-          <a:prstGeom prst="rect">
-            <a:avLst/>
-          </a:prstGeom>
-          <a:noFill/>
-          <a:ln w="0">
-            <a:noFill/>
-          </a:ln>
         </p:spPr>
         <p:txBody>
-          <a:bodyPr lIns="0" tIns="0" rIns="0" bIns="0" anchor="t">
-            <a:normAutofit/>
-          </a:bodyPr>
-          <a:lstStyle/>
-          <a:p>
-            <a:pPr indent="0">
-              <a:lnSpc>
-                <a:spcPct val="90000"/>
-              </a:lnSpc>
-              <a:spcBef>
-                <a:spcPts val="1417"/>
-              </a:spcBef>
-              <a:buNone/>
-            </a:pPr>
-            <a:endParaRPr lang="en-US" sz="2800" b="0" strike="noStrike" spc="-1">
-              <a:solidFill>
-                <a:srgbClr val="000000"/>
-              </a:solidFill>
-              <a:latin typeface="Arial"/>
-            </a:endParaRPr>
-          </a:p>
-        </p:txBody>
-      </p:sp>
-      <p:sp>
-        <p:nvSpPr>
-          <p:cNvPr id="19" name="PlaceHolder 4"/>
-          <p:cNvSpPr>
-            <a:spLocks noGrp="1"/>
-          </p:cNvSpPr>
-          <p:nvPr>
-            <p:ph/>
+          <a:bodyPr/>
+          <a:lstStyle>
+            <a:lvl1pPr>
+              <a:defRPr sz="3200"/>
+            </a:lvl1pPr>
+            <a:lvl2pPr>
+              <a:defRPr sz="2800"/>
+            </a:lvl2pPr>
+            <a:lvl3pPr>
+              <a:defRPr sz="2400"/>
+            </a:lvl3pPr>
+            <a:lvl4pPr>
+              <a:defRPr sz="2000"/>
+            </a:lvl4pPr>
+            <a:lvl5pPr>
+              <a:defRPr sz="2000"/>
+            </a:lvl5pPr>
+            <a:lvl6pPr>
+              <a:defRPr sz="2000"/>
+            </a:lvl6pPr>
+            <a:lvl7pPr>
+              <a:defRPr sz="2000"/>
+            </a:lvl7pPr>
+            <a:lvl8pPr>
+              <a:defRPr sz="2000"/>
+            </a:lvl8pPr>
+            <a:lvl9pPr>
+              <a:defRPr sz="2000"/>
+            </a:lvl9pPr>
+          </a:lstStyle>
+          <a:p>
+            <a:pPr lvl="0"/>
+            <a:r>
+              <a:rPr lang="en-US"/>
+              <a:t>Click to edit Master text styles</a:t>
+            </a:r>
+          </a:p>
+          <a:p>
+            <a:pPr lvl="1"/>
+            <a:r>
+              <a:rPr lang="en-US"/>
+              <a:t>Second level</a:t>
+            </a:r>
+          </a:p>
+          <a:p>
+            <a:pPr lvl="2"/>
+            <a:r>
+              <a:rPr lang="en-US"/>
+              <a:t>Third level</a:t>
+            </a:r>
+          </a:p>
+          <a:p>
+            <a:pPr lvl="3"/>
+            <a:r>
+              <a:rPr lang="en-US"/>
+              <a:t>Fourth level</a:t>
+            </a:r>
+          </a:p>
+          <a:p>
+            <a:pPr lvl="4"/>
+            <a:r>
+              <a:rPr lang="en-US"/>
+              <a:t>Fifth level</a:t>
+            </a:r>
+          </a:p>
+        </p:txBody>
+      </p:sp>
+      <p:sp>
+        <p:nvSpPr>
+          <p:cNvPr id="4" name="Text Placeholder 3">
+            <a:extLst>
+              <a:ext uri="{FF2B5EF4-FFF2-40B4-BE49-F238E27FC236}">
+                <a16:creationId xmlns:a16="http://schemas.microsoft.com/office/drawing/2014/main" id="{EC63EAE3-2298-3D68-C44F-62A3672D5AC9}"/>
+              </a:ext>
+            </a:extLst>
+          </p:cNvPr>
+          <p:cNvSpPr>
+            <a:spLocks noGrp="1"/>
+          </p:cNvSpPr>
+          <p:nvPr>
+            <p:ph type="body" sz="half" idx="2"/>
           </p:nvPr>
         </p:nvSpPr>
         <p:spPr>
           <a:xfrm>
-            <a:off x="6231960" y="3682080"/>
-            <a:ext cx="5354280" cy="1896840"/>
+            <a:off x="839788" y="2243138"/>
+            <a:ext cx="3932237" cy="3625850"/>
           </a:xfrm>
-          <a:prstGeom prst="rect">
-            <a:avLst/>
-          </a:prstGeom>
-          <a:noFill/>
-          <a:ln w="0">
-            <a:noFill/>
-          </a:ln>
         </p:spPr>
         <p:txBody>
-          <a:bodyPr lIns="0" tIns="0" rIns="0" bIns="0" anchor="t">
-            <a:normAutofit/>
-          </a:bodyPr>
-          <a:lstStyle/>
-          <a:p>
-            <a:pPr indent="0">
-              <a:lnSpc>
-                <a:spcPct val="90000"/>
-              </a:lnSpc>
-              <a:spcBef>
-                <a:spcPts val="1417"/>
-              </a:spcBef>
-              <a:buNone/>
-            </a:pPr>
-            <a:endParaRPr lang="en-US" sz="2800" b="0" strike="noStrike" spc="-1">
-              <a:solidFill>
-                <a:srgbClr val="000000"/>
-              </a:solidFill>
-              <a:latin typeface="Arial"/>
-            </a:endParaRPr>
-          </a:p>
-        </p:txBody>
-      </p:sp>
-      <p:sp>
-        <p:nvSpPr>
-          <p:cNvPr id="6" name="PlaceHolder 5"/>
-          <p:cNvSpPr>
-            <a:spLocks noGrp="1"/>
-          </p:cNvSpPr>
-          <p:nvPr>
-            <p:ph type="sldNum" idx="1"/>
+          <a:bodyPr/>
+          <a:lstStyle>
+            <a:lvl1pPr marL="0" indent="0">
+              <a:buNone/>
+              <a:defRPr sz="1600"/>
+            </a:lvl1pPr>
+            <a:lvl2pPr marL="457200" indent="0">
+              <a:buNone/>
+              <a:defRPr sz="1400"/>
+            </a:lvl2pPr>
+            <a:lvl3pPr marL="914400" indent="0">
+              <a:buNone/>
+              <a:defRPr sz="1200"/>
+            </a:lvl3pPr>
+            <a:lvl4pPr marL="1371600" indent="0">
+              <a:buNone/>
+              <a:defRPr sz="1000"/>
+            </a:lvl4pPr>
+            <a:lvl5pPr marL="1828800" indent="0">
+              <a:buNone/>
+              <a:defRPr sz="1000"/>
+            </a:lvl5pPr>
+            <a:lvl6pPr marL="2286000" indent="0">
+              <a:buNone/>
+              <a:defRPr sz="1000"/>
+            </a:lvl6pPr>
+            <a:lvl7pPr marL="2743200" indent="0">
+              <a:buNone/>
+              <a:defRPr sz="1000"/>
+            </a:lvl7pPr>
+            <a:lvl8pPr marL="3200400" indent="0">
+              <a:buNone/>
+              <a:defRPr sz="1000"/>
+            </a:lvl8pPr>
+            <a:lvl9pPr marL="3657600" indent="0">
+              <a:buNone/>
+              <a:defRPr sz="1000"/>
+            </a:lvl9pPr>
+          </a:lstStyle>
+          <a:p>
+            <a:pPr lvl="0"/>
+            <a:r>
+              <a:rPr lang="en-US" dirty="0"/>
+              <a:t>Click to edit Master text styles</a:t>
+            </a:r>
+          </a:p>
+        </p:txBody>
+      </p:sp>
+      <p:sp>
+        <p:nvSpPr>
+          <p:cNvPr id="5" name="Date Placeholder 4">
+            <a:extLst>
+              <a:ext uri="{FF2B5EF4-FFF2-40B4-BE49-F238E27FC236}">
+                <a16:creationId xmlns:a16="http://schemas.microsoft.com/office/drawing/2014/main" id="{7119784C-C476-9100-E5A7-DA0BCF3349EB}"/>
+              </a:ext>
+            </a:extLst>
+          </p:cNvPr>
+          <p:cNvSpPr>
+            <a:spLocks noGrp="1"/>
+          </p:cNvSpPr>
+          <p:nvPr>
+            <p:ph type="dt" sz="half" idx="10"/>
           </p:nvPr>
         </p:nvSpPr>
         <p:spPr/>
@@ -2505,42 +3204,74 @@
           <a:bodyPr/>
           <a:lstStyle/>
           <a:p>
-            <a:fld id="{08D7FE4E-255F-4205-8454-EE43BA3E28AA}" type="slidenum">
+            <a:fld id="{19E3F066-8095-7A47-8BBF-FB45577C0028}" type="datetimeFigureOut">
+              <a:rPr lang="en-US" smtClean="0"/>
+              <a:t>11/28/22</a:t>
+            </a:fld>
+            <a:endParaRPr lang="en-US"/>
+          </a:p>
+        </p:txBody>
+      </p:sp>
+      <p:sp>
+        <p:nvSpPr>
+          <p:cNvPr id="6" name="Footer Placeholder 5">
+            <a:extLst>
+              <a:ext uri="{FF2B5EF4-FFF2-40B4-BE49-F238E27FC236}">
+                <a16:creationId xmlns:a16="http://schemas.microsoft.com/office/drawing/2014/main" id="{3B094637-3B99-CBFF-C9DA-236EB3AE2D27}"/>
+              </a:ext>
+            </a:extLst>
+          </p:cNvPr>
+          <p:cNvSpPr>
+            <a:spLocks noGrp="1"/>
+          </p:cNvSpPr>
+          <p:nvPr>
+            <p:ph type="ftr" sz="quarter" idx="11"/>
+          </p:nvPr>
+        </p:nvSpPr>
+        <p:spPr/>
+        <p:txBody>
+          <a:bodyPr/>
+          <a:lstStyle/>
+          <a:p>
+            <a:endParaRPr lang="en-US"/>
+          </a:p>
+        </p:txBody>
+      </p:sp>
+      <p:sp>
+        <p:nvSpPr>
+          <p:cNvPr id="7" name="Slide Number Placeholder 6">
+            <a:extLst>
+              <a:ext uri="{FF2B5EF4-FFF2-40B4-BE49-F238E27FC236}">
+                <a16:creationId xmlns:a16="http://schemas.microsoft.com/office/drawing/2014/main" id="{C7054D68-E211-B457-1229-95C286B94B2B}"/>
+              </a:ext>
+            </a:extLst>
+          </p:cNvPr>
+          <p:cNvSpPr>
+            <a:spLocks noGrp="1"/>
+          </p:cNvSpPr>
+          <p:nvPr>
+            <p:ph type="sldNum" sz="quarter" idx="12"/>
+          </p:nvPr>
+        </p:nvSpPr>
+        <p:spPr/>
+        <p:txBody>
+          <a:bodyPr/>
+          <a:lstStyle/>
+          <a:p>
+            <a:fld id="{657976D3-6013-CA45-A782-C70B6CB6EC75}" type="slidenum">
+              <a:rPr lang="en-US" smtClean="0"/>
               <a:t>‹#›</a:t>
             </a:fld>
-            <a:endParaRPr/>
-          </a:p>
-        </p:txBody>
-      </p:sp>
-      <p:sp>
-        <p:nvSpPr>
-          <p:cNvPr id="2" name="Title 1">
-            <a:extLst>
-              <a:ext uri="{FF2B5EF4-FFF2-40B4-BE49-F238E27FC236}">
-                <a16:creationId xmlns:a16="http://schemas.microsoft.com/office/drawing/2014/main" id="{8D8765A2-F16B-019B-AF21-51898637F8D6}"/>
-              </a:ext>
-            </a:extLst>
-          </p:cNvPr>
-          <p:cNvSpPr>
-            <a:spLocks noGrp="1"/>
-          </p:cNvSpPr>
-          <p:nvPr>
-            <p:ph type="title"/>
-          </p:nvPr>
-        </p:nvSpPr>
-        <p:spPr/>
-        <p:txBody>
-          <a:bodyPr/>
-          <a:lstStyle/>
-          <a:p>
-            <a:r>
-              <a:rPr lang="en-US"/>
-              <a:t>Click to edit Master title style</a:t>
-            </a:r>
+            <a:endParaRPr lang="en-US"/>
           </a:p>
         </p:txBody>
       </p:sp>
     </p:spTree>
+    <p:extLst>
+      <p:ext uri="{BB962C8B-B14F-4D97-AF65-F5344CB8AC3E}">
+        <p14:creationId xmlns:p14="http://schemas.microsoft.com/office/powerpoint/2010/main" val="3000398331"/>
+      </p:ext>
+    </p:extLst>
   </p:cSld>
   <p:clrMapOvr>
     <a:masterClrMapping/>
@@ -2548,9 +3279,9 @@
 </p:sldLayout>
 </file>
 
-<file path=ppt/slideLayouts/slideLayout8.xml><?xml version="1.0" encoding="utf-8"?>
-<p:sldLayout xmlns:a="http://schemas.openxmlformats.org/drawingml/2006/main" xmlns:r="http://schemas.openxmlformats.org/officeDocument/2006/relationships" xmlns:p="http://schemas.openxmlformats.org/presentationml/2006/main" preserve="1" userDrawn="1">
-  <p:cSld name="Title, 2 Content over Content">
+<file path=ppt/slideLayouts/slideLayout9.xml><?xml version="1.0" encoding="utf-8"?>
+<p:sldLayout xmlns:a="http://schemas.openxmlformats.org/drawingml/2006/main" xmlns:r="http://schemas.openxmlformats.org/officeDocument/2006/relationships" xmlns:p="http://schemas.openxmlformats.org/presentationml/2006/main" type="picTx" preserve="1">
+  <p:cSld name="Picture with Caption">
     <p:spTree>
       <p:nvGrpSpPr>
         <p:cNvPr id="1" name=""/>
@@ -2567,153 +3298,193 @@
       </p:grpSpPr>
       <p:sp>
         <p:nvSpPr>
-          <p:cNvPr id="21" name="PlaceHolder 2"/>
-          <p:cNvSpPr>
-            <a:spLocks noGrp="1"/>
-          </p:cNvSpPr>
-          <p:nvPr>
-            <p:ph/>
+          <p:cNvPr id="2" name="Title 1">
+            <a:extLst>
+              <a:ext uri="{FF2B5EF4-FFF2-40B4-BE49-F238E27FC236}">
+                <a16:creationId xmlns:a16="http://schemas.microsoft.com/office/drawing/2014/main" id="{4B8D315B-90AC-6B28-A315-ABE364F4C96E}"/>
+              </a:ext>
+            </a:extLst>
+          </p:cNvPr>
+          <p:cNvSpPr>
+            <a:spLocks noGrp="1"/>
+          </p:cNvSpPr>
+          <p:nvPr>
+            <p:ph type="title" hasCustomPrompt="1"/>
           </p:nvPr>
         </p:nvSpPr>
         <p:spPr>
           <a:xfrm>
-            <a:off x="609480" y="1604520"/>
-            <a:ext cx="5354280" cy="1896840"/>
+            <a:off x="839788" y="1171574"/>
+            <a:ext cx="3932237" cy="1157288"/>
           </a:xfrm>
-          <a:prstGeom prst="rect">
-            <a:avLst/>
-          </a:prstGeom>
-          <a:noFill/>
-          <a:ln w="0">
-            <a:noFill/>
-          </a:ln>
         </p:spPr>
         <p:txBody>
-          <a:bodyPr lIns="0" tIns="0" rIns="0" bIns="0" anchor="t">
-            <a:normAutofit/>
-          </a:bodyPr>
-          <a:lstStyle/>
-          <a:p>
-            <a:pPr indent="0">
-              <a:lnSpc>
-                <a:spcPct val="90000"/>
-              </a:lnSpc>
-              <a:spcBef>
-                <a:spcPts val="1417"/>
-              </a:spcBef>
-              <a:buNone/>
-            </a:pPr>
-            <a:endParaRPr lang="en-US" sz="2800" b="0" strike="noStrike" spc="-1">
-              <a:solidFill>
-                <a:srgbClr val="000000"/>
-              </a:solidFill>
-              <a:latin typeface="Arial"/>
-            </a:endParaRPr>
-          </a:p>
-        </p:txBody>
-      </p:sp>
-      <p:sp>
-        <p:nvSpPr>
-          <p:cNvPr id="22" name="PlaceHolder 3"/>
-          <p:cNvSpPr>
-            <a:spLocks noGrp="1"/>
-          </p:cNvSpPr>
-          <p:nvPr>
-            <p:ph/>
+          <a:bodyPr anchor="b"/>
+          <a:lstStyle>
+            <a:lvl1pPr>
+              <a:defRPr sz="3200"/>
+            </a:lvl1pPr>
+          </a:lstStyle>
+          <a:p>
+            <a:r>
+              <a:rPr lang="en-US" dirty="0"/>
+              <a:t>Click To Edit Master Title Style</a:t>
+            </a:r>
+          </a:p>
+        </p:txBody>
+      </p:sp>
+      <p:sp>
+        <p:nvSpPr>
+          <p:cNvPr id="3" name="Picture Placeholder 2">
+            <a:extLst>
+              <a:ext uri="{FF2B5EF4-FFF2-40B4-BE49-F238E27FC236}">
+                <a16:creationId xmlns:a16="http://schemas.microsoft.com/office/drawing/2014/main" id="{1F969752-68A7-BBDF-41F4-ABE7C90BA5B0}"/>
+              </a:ext>
+            </a:extLst>
+          </p:cNvPr>
+          <p:cNvSpPr>
+            <a:spLocks noGrp="1"/>
+          </p:cNvSpPr>
+          <p:nvPr>
+            <p:ph type="pic" idx="1"/>
           </p:nvPr>
         </p:nvSpPr>
         <p:spPr>
           <a:xfrm>
-            <a:off x="6231960" y="1604520"/>
-            <a:ext cx="5354280" cy="1896840"/>
+            <a:off x="5183188" y="987425"/>
+            <a:ext cx="6172200" cy="4873625"/>
           </a:xfrm>
-          <a:prstGeom prst="rect">
-            <a:avLst/>
-          </a:prstGeom>
-          <a:noFill/>
-          <a:ln w="0">
-            <a:noFill/>
-          </a:ln>
         </p:spPr>
         <p:txBody>
-          <a:bodyPr lIns="0" tIns="0" rIns="0" bIns="0" anchor="t">
-            <a:normAutofit/>
-          </a:bodyPr>
-          <a:lstStyle/>
-          <a:p>
-            <a:pPr indent="0">
-              <a:lnSpc>
-                <a:spcPct val="90000"/>
-              </a:lnSpc>
-              <a:spcBef>
-                <a:spcPts val="1417"/>
-              </a:spcBef>
-              <a:buNone/>
-            </a:pPr>
-            <a:endParaRPr lang="en-US" sz="2800" b="0" strike="noStrike" spc="-1">
-              <a:solidFill>
-                <a:srgbClr val="000000"/>
-              </a:solidFill>
-              <a:latin typeface="Arial"/>
-            </a:endParaRPr>
-          </a:p>
-        </p:txBody>
-      </p:sp>
-      <p:sp>
-        <p:nvSpPr>
-          <p:cNvPr id="23" name="PlaceHolder 4"/>
-          <p:cNvSpPr>
-            <a:spLocks noGrp="1"/>
-          </p:cNvSpPr>
-          <p:nvPr>
-            <p:ph/>
+          <a:bodyPr/>
+          <a:lstStyle>
+            <a:lvl1pPr marL="0" indent="0">
+              <a:buNone/>
+              <a:defRPr sz="3200"/>
+            </a:lvl1pPr>
+            <a:lvl2pPr marL="457200" indent="0">
+              <a:buNone/>
+              <a:defRPr sz="2800"/>
+            </a:lvl2pPr>
+            <a:lvl3pPr marL="914400" indent="0">
+              <a:buNone/>
+              <a:defRPr sz="2400"/>
+            </a:lvl3pPr>
+            <a:lvl4pPr marL="1371600" indent="0">
+              <a:buNone/>
+              <a:defRPr sz="2000"/>
+            </a:lvl4pPr>
+            <a:lvl5pPr marL="1828800" indent="0">
+              <a:buNone/>
+              <a:defRPr sz="2000"/>
+            </a:lvl5pPr>
+            <a:lvl6pPr marL="2286000" indent="0">
+              <a:buNone/>
+              <a:defRPr sz="2000"/>
+            </a:lvl6pPr>
+            <a:lvl7pPr marL="2743200" indent="0">
+              <a:buNone/>
+              <a:defRPr sz="2000"/>
+            </a:lvl7pPr>
+            <a:lvl8pPr marL="3200400" indent="0">
+              <a:buNone/>
+              <a:defRPr sz="2000"/>
+            </a:lvl8pPr>
+            <a:lvl9pPr marL="3657600" indent="0">
+              <a:buNone/>
+              <a:defRPr sz="2000"/>
+            </a:lvl9pPr>
+          </a:lstStyle>
+          <a:p>
+            <a:endParaRPr lang="en-US"/>
+          </a:p>
+        </p:txBody>
+      </p:sp>
+      <p:sp>
+        <p:nvSpPr>
+          <p:cNvPr id="4" name="Text Placeholder 3">
+            <a:extLst>
+              <a:ext uri="{FF2B5EF4-FFF2-40B4-BE49-F238E27FC236}">
+                <a16:creationId xmlns:a16="http://schemas.microsoft.com/office/drawing/2014/main" id="{69316BA3-19DE-0B45-5C32-21AB4BC80B62}"/>
+              </a:ext>
+            </a:extLst>
+          </p:cNvPr>
+          <p:cNvSpPr>
+            <a:spLocks noGrp="1"/>
+          </p:cNvSpPr>
+          <p:nvPr>
+            <p:ph type="body" sz="half" idx="2"/>
           </p:nvPr>
         </p:nvSpPr>
         <p:spPr>
           <a:xfrm>
-            <a:off x="609480" y="3682080"/>
-            <a:ext cx="10972080" cy="1896840"/>
+            <a:off x="839788" y="2328862"/>
+            <a:ext cx="3932237" cy="3540125"/>
           </a:xfrm>
-          <a:prstGeom prst="rect">
-            <a:avLst/>
-          </a:prstGeom>
-          <a:noFill/>
-          <a:ln w="0">
-            <a:noFill/>
-          </a:ln>
         </p:spPr>
         <p:txBody>
-          <a:bodyPr lIns="0" tIns="0" rIns="0" bIns="0" anchor="t">
-            <a:normAutofit/>
-          </a:bodyPr>
-          <a:lstStyle/>
-          <a:p>
-            <a:pPr indent="0">
-              <a:lnSpc>
-                <a:spcPct val="90000"/>
-              </a:lnSpc>
-              <a:spcBef>
-                <a:spcPts val="1417"/>
-              </a:spcBef>
-              <a:buNone/>
-            </a:pPr>
-            <a:endParaRPr lang="en-US" sz="2800" b="0" strike="noStrike" spc="-1">
-              <a:solidFill>
-                <a:srgbClr val="000000"/>
-              </a:solidFill>
-              <a:latin typeface="Arial"/>
-            </a:endParaRPr>
-          </a:p>
-        </p:txBody>
-      </p:sp>
-      <p:sp>
-        <p:nvSpPr>
-          <p:cNvPr id="6" name="PlaceHolder 5"/>
-          <p:cNvSpPr>
-            <a:spLocks noGrp="1"/>
-          </p:cNvSpPr>
-          <p:nvPr>
-            <p:ph type="sldNum" idx="1"/>
+          <a:bodyPr/>
+          <a:lstStyle>
+            <a:lvl1pPr marL="0" indent="0">
+              <a:buNone/>
+              <a:defRPr sz="1600"/>
+            </a:lvl1pPr>
+            <a:lvl2pPr marL="457200" indent="0">
+              <a:buNone/>
+              <a:defRPr sz="1400"/>
+            </a:lvl2pPr>
+            <a:lvl3pPr marL="914400" indent="0">
+              <a:buNone/>
+              <a:defRPr sz="1200"/>
+            </a:lvl3pPr>
+            <a:lvl4pPr marL="1371600" indent="0">
+              <a:buNone/>
+              <a:defRPr sz="1000"/>
+            </a:lvl4pPr>
+            <a:lvl5pPr marL="1828800" indent="0">
+              <a:buNone/>
+              <a:defRPr sz="1000"/>
+            </a:lvl5pPr>
+            <a:lvl6pPr marL="2286000" indent="0">
+              <a:buNone/>
+              <a:defRPr sz="1000"/>
+            </a:lvl6pPr>
+            <a:lvl7pPr marL="2743200" indent="0">
+              <a:buNone/>
+              <a:defRPr sz="1000"/>
+            </a:lvl7pPr>
+            <a:lvl8pPr marL="3200400" indent="0">
+              <a:buNone/>
+              <a:defRPr sz="1000"/>
+            </a:lvl8pPr>
+            <a:lvl9pPr marL="3657600" indent="0">
+              <a:buNone/>
+              <a:defRPr sz="1000"/>
+            </a:lvl9pPr>
+          </a:lstStyle>
+          <a:p>
+            <a:pPr lvl="0"/>
+            <a:r>
+              <a:rPr lang="en-US" dirty="0"/>
+              <a:t>Click to edit Master text styles</a:t>
+            </a:r>
+          </a:p>
+        </p:txBody>
+      </p:sp>
+      <p:sp>
+        <p:nvSpPr>
+          <p:cNvPr id="5" name="Date Placeholder 4">
+            <a:extLst>
+              <a:ext uri="{FF2B5EF4-FFF2-40B4-BE49-F238E27FC236}">
+                <a16:creationId xmlns:a16="http://schemas.microsoft.com/office/drawing/2014/main" id="{5345B1CE-4BF5-861B-4F8B-F8F4D7A07972}"/>
+              </a:ext>
+            </a:extLst>
+          </p:cNvPr>
+          <p:cNvSpPr>
+            <a:spLocks noGrp="1"/>
+          </p:cNvSpPr>
+          <p:nvPr>
+            <p:ph type="dt" sz="half" idx="10"/>
           </p:nvPr>
         </p:nvSpPr>
         <p:spPr/>
@@ -2721,211 +3492,74 @@
           <a:bodyPr/>
           <a:lstStyle/>
           <a:p>
-            <a:fld id="{61BC4CF2-0D5A-4CA4-A69B-B41727892961}" type="slidenum">
+            <a:fld id="{19E3F066-8095-7A47-8BBF-FB45577C0028}" type="datetimeFigureOut">
+              <a:rPr lang="en-US" smtClean="0"/>
+              <a:t>11/28/22</a:t>
+            </a:fld>
+            <a:endParaRPr lang="en-US"/>
+          </a:p>
+        </p:txBody>
+      </p:sp>
+      <p:sp>
+        <p:nvSpPr>
+          <p:cNvPr id="6" name="Footer Placeholder 5">
+            <a:extLst>
+              <a:ext uri="{FF2B5EF4-FFF2-40B4-BE49-F238E27FC236}">
+                <a16:creationId xmlns:a16="http://schemas.microsoft.com/office/drawing/2014/main" id="{8F2BA32C-1F80-D639-8193-18D16E4FADB2}"/>
+              </a:ext>
+            </a:extLst>
+          </p:cNvPr>
+          <p:cNvSpPr>
+            <a:spLocks noGrp="1"/>
+          </p:cNvSpPr>
+          <p:nvPr>
+            <p:ph type="ftr" sz="quarter" idx="11"/>
+          </p:nvPr>
+        </p:nvSpPr>
+        <p:spPr/>
+        <p:txBody>
+          <a:bodyPr/>
+          <a:lstStyle/>
+          <a:p>
+            <a:endParaRPr lang="en-US"/>
+          </a:p>
+        </p:txBody>
+      </p:sp>
+      <p:sp>
+        <p:nvSpPr>
+          <p:cNvPr id="7" name="Slide Number Placeholder 6">
+            <a:extLst>
+              <a:ext uri="{FF2B5EF4-FFF2-40B4-BE49-F238E27FC236}">
+                <a16:creationId xmlns:a16="http://schemas.microsoft.com/office/drawing/2014/main" id="{0408514D-413F-59BE-DD1B-0731E624EA2B}"/>
+              </a:ext>
+            </a:extLst>
+          </p:cNvPr>
+          <p:cNvSpPr>
+            <a:spLocks noGrp="1"/>
+          </p:cNvSpPr>
+          <p:nvPr>
+            <p:ph type="sldNum" sz="quarter" idx="12"/>
+          </p:nvPr>
+        </p:nvSpPr>
+        <p:spPr/>
+        <p:txBody>
+          <a:bodyPr/>
+          <a:lstStyle/>
+          <a:p>
+            <a:fld id="{657976D3-6013-CA45-A782-C70B6CB6EC75}" type="slidenum">
+              <a:rPr lang="en-US" smtClean="0"/>
               <a:t>‹#›</a:t>
             </a:fld>
-            <a:endParaRPr/>
-          </a:p>
-        </p:txBody>
-      </p:sp>
-      <p:sp>
-        <p:nvSpPr>
-          <p:cNvPr id="2" name="Title 1">
-            <a:extLst>
-              <a:ext uri="{FF2B5EF4-FFF2-40B4-BE49-F238E27FC236}">
-                <a16:creationId xmlns:a16="http://schemas.microsoft.com/office/drawing/2014/main" id="{8F973372-2F65-BF36-AD5C-B3A6F5086A2A}"/>
-              </a:ext>
-            </a:extLst>
-          </p:cNvPr>
-          <p:cNvSpPr>
-            <a:spLocks noGrp="1"/>
-          </p:cNvSpPr>
-          <p:nvPr>
-            <p:ph type="title"/>
-          </p:nvPr>
-        </p:nvSpPr>
-        <p:spPr/>
-        <p:txBody>
-          <a:bodyPr/>
-          <a:lstStyle/>
-          <a:p>
-            <a:r>
-              <a:rPr lang="en-US"/>
-              <a:t>Click to edit Master title style</a:t>
-            </a:r>
+            <a:endParaRPr lang="en-US"/>
           </a:p>
         </p:txBody>
       </p:sp>
     </p:spTree>
-  </p:cSld>
-  <p:clrMapOvr>
-    <a:masterClrMapping/>
-  </p:clrMapOvr>
-</p:sldLayout>
-</file>
-
-<file path=ppt/slideLayouts/slideLayout9.xml><?xml version="1.0" encoding="utf-8"?>
-<p:sldLayout xmlns:a="http://schemas.openxmlformats.org/drawingml/2006/main" xmlns:r="http://schemas.openxmlformats.org/officeDocument/2006/relationships" xmlns:p="http://schemas.openxmlformats.org/presentationml/2006/main" preserve="1" userDrawn="1">
-  <p:cSld name="Title, Content over Content">
-    <p:spTree>
-      <p:nvGrpSpPr>
-        <p:cNvPr id="1" name=""/>
-        <p:cNvGrpSpPr/>
-        <p:nvPr/>
-      </p:nvGrpSpPr>
-      <p:grpSpPr>
-        <a:xfrm>
-          <a:off x="0" y="0"/>
-          <a:ext cx="0" cy="0"/>
-          <a:chOff x="0" y="0"/>
-          <a:chExt cx="0" cy="0"/>
-        </a:xfrm>
-      </p:grpSpPr>
-      <p:sp>
-        <p:nvSpPr>
-          <p:cNvPr id="25" name="PlaceHolder 2"/>
-          <p:cNvSpPr>
-            <a:spLocks noGrp="1"/>
-          </p:cNvSpPr>
-          <p:nvPr>
-            <p:ph/>
-          </p:nvPr>
-        </p:nvSpPr>
-        <p:spPr>
-          <a:xfrm>
-            <a:off x="609480" y="1604520"/>
-            <a:ext cx="10972080" cy="1896840"/>
-          </a:xfrm>
-          <a:prstGeom prst="rect">
-            <a:avLst/>
-          </a:prstGeom>
-          <a:noFill/>
-          <a:ln w="0">
-            <a:noFill/>
-          </a:ln>
-        </p:spPr>
-        <p:txBody>
-          <a:bodyPr lIns="0" tIns="0" rIns="0" bIns="0" anchor="t">
-            <a:normAutofit/>
-          </a:bodyPr>
-          <a:lstStyle/>
-          <a:p>
-            <a:pPr indent="0">
-              <a:lnSpc>
-                <a:spcPct val="90000"/>
-              </a:lnSpc>
-              <a:spcBef>
-                <a:spcPts val="1417"/>
-              </a:spcBef>
-              <a:buNone/>
-            </a:pPr>
-            <a:endParaRPr lang="en-US" sz="2800" b="0" strike="noStrike" spc="-1">
-              <a:solidFill>
-                <a:srgbClr val="000000"/>
-              </a:solidFill>
-              <a:latin typeface="Arial"/>
-            </a:endParaRPr>
-          </a:p>
-        </p:txBody>
-      </p:sp>
-      <p:sp>
-        <p:nvSpPr>
-          <p:cNvPr id="26" name="PlaceHolder 3"/>
-          <p:cNvSpPr>
-            <a:spLocks noGrp="1"/>
-          </p:cNvSpPr>
-          <p:nvPr>
-            <p:ph/>
-          </p:nvPr>
-        </p:nvSpPr>
-        <p:spPr>
-          <a:xfrm>
-            <a:off x="609480" y="3682080"/>
-            <a:ext cx="10972080" cy="1896840"/>
-          </a:xfrm>
-          <a:prstGeom prst="rect">
-            <a:avLst/>
-          </a:prstGeom>
-          <a:noFill/>
-          <a:ln w="0">
-            <a:noFill/>
-          </a:ln>
-        </p:spPr>
-        <p:txBody>
-          <a:bodyPr lIns="0" tIns="0" rIns="0" bIns="0" anchor="t">
-            <a:normAutofit/>
-          </a:bodyPr>
-          <a:lstStyle/>
-          <a:p>
-            <a:pPr indent="0">
-              <a:lnSpc>
-                <a:spcPct val="90000"/>
-              </a:lnSpc>
-              <a:spcBef>
-                <a:spcPts val="1417"/>
-              </a:spcBef>
-              <a:buNone/>
-            </a:pPr>
-            <a:endParaRPr lang="en-US" sz="2800" b="0" strike="noStrike" spc="-1">
-              <a:solidFill>
-                <a:srgbClr val="000000"/>
-              </a:solidFill>
-              <a:latin typeface="Arial"/>
-            </a:endParaRPr>
-          </a:p>
-        </p:txBody>
-      </p:sp>
-      <p:sp>
-        <p:nvSpPr>
-          <p:cNvPr id="5" name="PlaceHolder 4"/>
-          <p:cNvSpPr>
-            <a:spLocks noGrp="1"/>
-          </p:cNvSpPr>
-          <p:nvPr>
-            <p:ph type="sldNum" idx="1"/>
-          </p:nvPr>
-        </p:nvSpPr>
-        <p:spPr/>
-        <p:txBody>
-          <a:bodyPr/>
-          <a:lstStyle/>
-          <a:p>
-            <a:fld id="{263BC75E-B934-42F7-818A-B2B6ED9D5AA5}" type="slidenum">
-              <a:t>‹#›</a:t>
-            </a:fld>
-            <a:endParaRPr/>
-          </a:p>
-        </p:txBody>
-      </p:sp>
-      <p:sp>
-        <p:nvSpPr>
-          <p:cNvPr id="2" name="Title 1">
-            <a:extLst>
-              <a:ext uri="{FF2B5EF4-FFF2-40B4-BE49-F238E27FC236}">
-                <a16:creationId xmlns:a16="http://schemas.microsoft.com/office/drawing/2014/main" id="{40DFF0A7-C16C-D08B-BC2B-5F2530A6A6CA}"/>
-              </a:ext>
-            </a:extLst>
-          </p:cNvPr>
-          <p:cNvSpPr>
-            <a:spLocks noGrp="1"/>
-          </p:cNvSpPr>
-          <p:nvPr>
-            <p:ph type="title"/>
-          </p:nvPr>
-        </p:nvSpPr>
-        <p:spPr/>
-        <p:txBody>
-          <a:bodyPr/>
-          <a:lstStyle/>
-          <a:p>
-            <a:r>
-              <a:rPr lang="en-US"/>
-              <a:t>Click to edit Master title style</a:t>
-            </a:r>
-          </a:p>
-        </p:txBody>
-      </p:sp>
-    </p:spTree>
+    <p:extLst>
+      <p:ext uri="{BB962C8B-B14F-4D97-AF65-F5344CB8AC3E}">
+        <p14:creationId xmlns:p14="http://schemas.microsoft.com/office/powerpoint/2010/main" val="464983538"/>
+      </p:ext>
+    </p:extLst>
   </p:cSld>
   <p:clrMapOvr>
     <a:masterClrMapping/>
@@ -2934,15 +3568,12 @@
 </file>
 
 <file path=ppt/slideMasters/slideMaster1.xml><?xml version="1.0" encoding="utf-8"?>
-<p:sldMaster xmlns:a="http://schemas.openxmlformats.org/drawingml/2006/main" xmlns:r="http://schemas.openxmlformats.org/officeDocument/2006/relationships" xmlns:p="http://schemas.openxmlformats.org/presentationml/2006/main">
+<p:sldMaster xmlns:a="http://schemas.openxmlformats.org/drawingml/2006/main" xmlns:r="http://schemas.openxmlformats.org/officeDocument/2006/relationships" xmlns:p="http://schemas.openxmlformats.org/presentationml/2006/main" preserve="1">
   <p:cSld>
     <p:bg>
-      <p:bgPr>
-        <a:solidFill>
-          <a:srgbClr val="FFFFFF"/>
-        </a:solidFill>
-        <a:effectLst/>
-      </p:bgPr>
+      <p:bgRef idx="1001">
+        <a:schemeClr val="bg1"/>
+      </p:bgRef>
     </p:bg>
     <p:spTree>
       <p:nvGrpSpPr>
@@ -2960,281 +3591,252 @@
       </p:grpSpPr>
       <p:sp>
         <p:nvSpPr>
-          <p:cNvPr id="3" name="PlaceHolder 1"/>
-          <p:cNvSpPr>
-            <a:spLocks noGrp="1"/>
-          </p:cNvSpPr>
-          <p:nvPr>
-            <p:ph type="sldNum" idx="1"/>
+          <p:cNvPr id="2" name="Title Placeholder 1">
+            <a:extLst>
+              <a:ext uri="{FF2B5EF4-FFF2-40B4-BE49-F238E27FC236}">
+                <a16:creationId xmlns:a16="http://schemas.microsoft.com/office/drawing/2014/main" id="{8BD4B8DD-23B1-95DE-EEBB-534B097D16C5}"/>
+              </a:ext>
+            </a:extLst>
+          </p:cNvPr>
+          <p:cNvSpPr>
+            <a:spLocks noGrp="1"/>
+          </p:cNvSpPr>
+          <p:nvPr>
+            <p:ph type="title"/>
           </p:nvPr>
         </p:nvSpPr>
         <p:spPr>
           <a:xfrm>
-            <a:off x="8610480" y="6356520"/>
-            <a:ext cx="2742840" cy="364680"/>
+            <a:off x="1480484" y="365125"/>
+            <a:ext cx="9873315" cy="1325563"/>
           </a:xfrm>
           <a:prstGeom prst="rect">
             <a:avLst/>
           </a:prstGeom>
-          <a:noFill/>
-          <a:ln w="0">
-            <a:noFill/>
-          </a:ln>
         </p:spPr>
         <p:txBody>
-          <a:bodyPr anchor="ctr">
-            <a:noAutofit/>
+          <a:bodyPr vert="horz" lIns="91440" tIns="45720" rIns="91440" bIns="45720" rtlCol="0" anchor="ctr">
+            <a:normAutofit/>
           </a:bodyPr>
-          <a:lstStyle>
-            <a:lvl1pPr indent="0" algn="r">
-              <a:lnSpc>
-                <a:spcPct val="100000"/>
-              </a:lnSpc>
-              <a:buNone/>
-              <a:defRPr lang="en-US" sz="1200" b="0" strike="noStrike" spc="-1">
-                <a:solidFill>
-                  <a:srgbClr val="8B8B8B"/>
-                </a:solidFill>
-                <a:latin typeface="Arial"/>
-              </a:defRPr>
-            </a:lvl1pPr>
-          </a:lstStyle>
-          <a:p>
-            <a:pPr indent="0" algn="r">
-              <a:lnSpc>
-                <a:spcPct val="100000"/>
-              </a:lnSpc>
-              <a:buNone/>
-            </a:pPr>
-            <a:fld id="{6AABFCE0-3BC9-42D8-A4E2-C9585F9081A6}" type="slidenum">
-              <a:rPr lang="en-US" sz="1200" b="0" strike="noStrike" spc="-1">
-                <a:solidFill>
-                  <a:srgbClr val="8B8B8B"/>
-                </a:solidFill>
-                <a:latin typeface="Arial"/>
-              </a:rPr>
-              <a:t>‹#›</a:t>
-            </a:fld>
-            <a:endParaRPr lang="en-US" sz="1200" b="0" strike="noStrike" spc="-1">
-              <a:solidFill>
-                <a:srgbClr val="000000"/>
-              </a:solidFill>
-              <a:latin typeface="Times New Roman"/>
-            </a:endParaRPr>
-          </a:p>
-        </p:txBody>
-      </p:sp>
-      <p:sp>
-        <p:nvSpPr>
-          <p:cNvPr id="2" name="PlaceHolder 3"/>
-          <p:cNvSpPr>
-            <a:spLocks noGrp="1"/>
-          </p:cNvSpPr>
-          <p:nvPr>
-            <p:ph type="body"/>
+          <a:lstStyle/>
+          <a:p>
+            <a:r>
+              <a:rPr lang="en-US" dirty="0"/>
+              <a:t>Click To Edit Master Title Style</a:t>
+            </a:r>
+          </a:p>
+        </p:txBody>
+      </p:sp>
+      <p:sp>
+        <p:nvSpPr>
+          <p:cNvPr id="3" name="Text Placeholder 2">
+            <a:extLst>
+              <a:ext uri="{FF2B5EF4-FFF2-40B4-BE49-F238E27FC236}">
+                <a16:creationId xmlns:a16="http://schemas.microsoft.com/office/drawing/2014/main" id="{855D14CE-30C9-56F1-A0DF-6295C5ABE6E3}"/>
+              </a:ext>
+            </a:extLst>
+          </p:cNvPr>
+          <p:cNvSpPr>
+            <a:spLocks noGrp="1"/>
+          </p:cNvSpPr>
+          <p:nvPr>
+            <p:ph type="body" idx="1"/>
           </p:nvPr>
         </p:nvSpPr>
         <p:spPr>
           <a:xfrm>
-            <a:off x="609480" y="1604520"/>
-            <a:ext cx="10972440" cy="3977280"/>
+            <a:off x="838200" y="1825625"/>
+            <a:ext cx="10515600" cy="4351338"/>
           </a:xfrm>
           <a:prstGeom prst="rect">
             <a:avLst/>
           </a:prstGeom>
-          <a:noFill/>
-          <a:ln w="0">
-            <a:noFill/>
-          </a:ln>
         </p:spPr>
         <p:txBody>
-          <a:bodyPr lIns="0" tIns="0" rIns="0" bIns="0" anchor="t">
+          <a:bodyPr vert="horz" lIns="91440" tIns="45720" rIns="91440" bIns="45720" rtlCol="0">
             <a:normAutofit/>
           </a:bodyPr>
           <a:lstStyle/>
           <a:p>
-            <a:pPr marL="432000" indent="-324000">
-              <a:lnSpc>
-                <a:spcPct val="90000"/>
-              </a:lnSpc>
-              <a:spcBef>
-                <a:spcPts val="1417"/>
-              </a:spcBef>
-              <a:buClr>
-                <a:srgbClr val="000000"/>
-              </a:buClr>
-              <a:buSzPct val="45000"/>
-              <a:buFont typeface="Wingdings" charset="2"/>
-              <a:buChar char=""/>
-            </a:pPr>
-            <a:r>
-              <a:rPr lang="en-US" sz="2800" b="0" strike="noStrike" spc="-1">
+            <a:pPr lvl="0"/>
+            <a:r>
+              <a:rPr lang="en-US"/>
+              <a:t>Click to edit Master text styles</a:t>
+            </a:r>
+          </a:p>
+          <a:p>
+            <a:pPr lvl="1"/>
+            <a:r>
+              <a:rPr lang="en-US"/>
+              <a:t>Second level</a:t>
+            </a:r>
+          </a:p>
+          <a:p>
+            <a:pPr lvl="2"/>
+            <a:r>
+              <a:rPr lang="en-US"/>
+              <a:t>Third level</a:t>
+            </a:r>
+          </a:p>
+          <a:p>
+            <a:pPr lvl="3"/>
+            <a:r>
+              <a:rPr lang="en-US"/>
+              <a:t>Fourth level</a:t>
+            </a:r>
+          </a:p>
+          <a:p>
+            <a:pPr lvl="4"/>
+            <a:r>
+              <a:rPr lang="en-US"/>
+              <a:t>Fifth level</a:t>
+            </a:r>
+          </a:p>
+        </p:txBody>
+      </p:sp>
+      <p:sp>
+        <p:nvSpPr>
+          <p:cNvPr id="4" name="Date Placeholder 3">
+            <a:extLst>
+              <a:ext uri="{FF2B5EF4-FFF2-40B4-BE49-F238E27FC236}">
+                <a16:creationId xmlns:a16="http://schemas.microsoft.com/office/drawing/2014/main" id="{FE591198-E84C-C797-D49F-37A3AA2018DB}"/>
+              </a:ext>
+            </a:extLst>
+          </p:cNvPr>
+          <p:cNvSpPr>
+            <a:spLocks noGrp="1"/>
+          </p:cNvSpPr>
+          <p:nvPr>
+            <p:ph type="dt" sz="half" idx="2"/>
+          </p:nvPr>
+        </p:nvSpPr>
+        <p:spPr>
+          <a:xfrm>
+            <a:off x="838200" y="6356350"/>
+            <a:ext cx="2743200" cy="365125"/>
+          </a:xfrm>
+          <a:prstGeom prst="rect">
+            <a:avLst/>
+          </a:prstGeom>
+        </p:spPr>
+        <p:txBody>
+          <a:bodyPr vert="horz" lIns="91440" tIns="45720" rIns="91440" bIns="45720" rtlCol="0" anchor="ctr"/>
+          <a:lstStyle>
+            <a:lvl1pPr algn="l">
+              <a:defRPr sz="1200">
                 <a:solidFill>
-                  <a:srgbClr val="000000"/>
+                  <a:schemeClr val="tx1">
+                    <a:tint val="75000"/>
+                  </a:schemeClr>
                 </a:solidFill>
-                <a:latin typeface="Arial"/>
-              </a:rPr>
-              <a:t>Click to edit the outline text format</a:t>
-            </a:r>
-          </a:p>
-          <a:p>
-            <a:pPr marL="864000" lvl="1" indent="-324000">
-              <a:lnSpc>
-                <a:spcPct val="90000"/>
-              </a:lnSpc>
-              <a:spcBef>
-                <a:spcPts val="1134"/>
-              </a:spcBef>
-              <a:buClr>
-                <a:srgbClr val="000000"/>
-              </a:buClr>
-              <a:buSzPct val="75000"/>
-              <a:buFont typeface="Symbol" charset="2"/>
-              <a:buChar char=""/>
-            </a:pPr>
-            <a:r>
-              <a:rPr lang="en-US" sz="2000" b="0" strike="noStrike" spc="-1">
+              </a:defRPr>
+            </a:lvl1pPr>
+          </a:lstStyle>
+          <a:p>
+            <a:fld id="{19E3F066-8095-7A47-8BBF-FB45577C0028}" type="datetimeFigureOut">
+              <a:rPr lang="en-US" smtClean="0"/>
+              <a:t>11/28/22</a:t>
+            </a:fld>
+            <a:endParaRPr lang="en-US"/>
+          </a:p>
+        </p:txBody>
+      </p:sp>
+      <p:sp>
+        <p:nvSpPr>
+          <p:cNvPr id="5" name="Footer Placeholder 4">
+            <a:extLst>
+              <a:ext uri="{FF2B5EF4-FFF2-40B4-BE49-F238E27FC236}">
+                <a16:creationId xmlns:a16="http://schemas.microsoft.com/office/drawing/2014/main" id="{26012DE6-CDC2-9C53-B4DD-97731F72D288}"/>
+              </a:ext>
+            </a:extLst>
+          </p:cNvPr>
+          <p:cNvSpPr>
+            <a:spLocks noGrp="1"/>
+          </p:cNvSpPr>
+          <p:nvPr>
+            <p:ph type="ftr" sz="quarter" idx="3"/>
+          </p:nvPr>
+        </p:nvSpPr>
+        <p:spPr>
+          <a:xfrm>
+            <a:off x="4038600" y="6356350"/>
+            <a:ext cx="4114800" cy="365125"/>
+          </a:xfrm>
+          <a:prstGeom prst="rect">
+            <a:avLst/>
+          </a:prstGeom>
+        </p:spPr>
+        <p:txBody>
+          <a:bodyPr vert="horz" lIns="91440" tIns="45720" rIns="91440" bIns="45720" rtlCol="0" anchor="ctr"/>
+          <a:lstStyle>
+            <a:lvl1pPr algn="ctr">
+              <a:defRPr sz="1200">
                 <a:solidFill>
-                  <a:srgbClr val="000000"/>
+                  <a:schemeClr val="tx1">
+                    <a:tint val="75000"/>
+                  </a:schemeClr>
                 </a:solidFill>
-                <a:latin typeface="Arial"/>
-              </a:rPr>
-              <a:t>Second Outline Level</a:t>
-            </a:r>
-          </a:p>
-          <a:p>
-            <a:pPr marL="1296000" lvl="2" indent="-288000">
-              <a:lnSpc>
-                <a:spcPct val="90000"/>
-              </a:lnSpc>
-              <a:spcBef>
-                <a:spcPts val="850"/>
-              </a:spcBef>
-              <a:buClr>
-                <a:srgbClr val="000000"/>
-              </a:buClr>
-              <a:buSzPct val="45000"/>
-              <a:buFont typeface="Wingdings" charset="2"/>
-              <a:buChar char=""/>
-            </a:pPr>
-            <a:r>
-              <a:rPr lang="en-US" sz="1800" b="0" strike="noStrike" spc="-1">
+              </a:defRPr>
+            </a:lvl1pPr>
+          </a:lstStyle>
+          <a:p>
+            <a:endParaRPr lang="en-US"/>
+          </a:p>
+        </p:txBody>
+      </p:sp>
+      <p:sp>
+        <p:nvSpPr>
+          <p:cNvPr id="6" name="Slide Number Placeholder 5">
+            <a:extLst>
+              <a:ext uri="{FF2B5EF4-FFF2-40B4-BE49-F238E27FC236}">
+                <a16:creationId xmlns:a16="http://schemas.microsoft.com/office/drawing/2014/main" id="{7CF359D9-732C-AEA8-5735-BDBF4182E008}"/>
+              </a:ext>
+            </a:extLst>
+          </p:cNvPr>
+          <p:cNvSpPr>
+            <a:spLocks noGrp="1"/>
+          </p:cNvSpPr>
+          <p:nvPr>
+            <p:ph type="sldNum" sz="quarter" idx="4"/>
+          </p:nvPr>
+        </p:nvSpPr>
+        <p:spPr>
+          <a:xfrm>
+            <a:off x="8610600" y="6356350"/>
+            <a:ext cx="2743200" cy="365125"/>
+          </a:xfrm>
+          <a:prstGeom prst="rect">
+            <a:avLst/>
+          </a:prstGeom>
+        </p:spPr>
+        <p:txBody>
+          <a:bodyPr vert="horz" lIns="91440" tIns="45720" rIns="91440" bIns="45720" rtlCol="0" anchor="ctr"/>
+          <a:lstStyle>
+            <a:lvl1pPr algn="r">
+              <a:defRPr sz="1200">
                 <a:solidFill>
-                  <a:srgbClr val="000000"/>
+                  <a:schemeClr val="tx1">
+                    <a:tint val="75000"/>
+                  </a:schemeClr>
                 </a:solidFill>
-                <a:latin typeface="Arial"/>
-              </a:rPr>
-              <a:t>Third Outline Level</a:t>
-            </a:r>
-          </a:p>
-          <a:p>
-            <a:pPr marL="1728000" lvl="3" indent="-216000">
-              <a:lnSpc>
-                <a:spcPct val="90000"/>
-              </a:lnSpc>
-              <a:spcBef>
-                <a:spcPts val="567"/>
-              </a:spcBef>
-              <a:buClr>
-                <a:srgbClr val="000000"/>
-              </a:buClr>
-              <a:buSzPct val="75000"/>
-              <a:buFont typeface="Symbol" charset="2"/>
-              <a:buChar char=""/>
-            </a:pPr>
-            <a:r>
-              <a:rPr lang="en-US" sz="1800" b="0" strike="noStrike" spc="-1">
-                <a:solidFill>
-                  <a:srgbClr val="000000"/>
-                </a:solidFill>
-                <a:latin typeface="Arial"/>
-              </a:rPr>
-              <a:t>Fourth Outline Level</a:t>
-            </a:r>
-          </a:p>
-          <a:p>
-            <a:pPr marL="2160000" lvl="4" indent="-216000">
-              <a:lnSpc>
-                <a:spcPct val="90000"/>
-              </a:lnSpc>
-              <a:spcBef>
-                <a:spcPts val="283"/>
-              </a:spcBef>
-              <a:buClr>
-                <a:srgbClr val="000000"/>
-              </a:buClr>
-              <a:buSzPct val="45000"/>
-              <a:buFont typeface="Wingdings" charset="2"/>
-              <a:buChar char=""/>
-            </a:pPr>
-            <a:r>
-              <a:rPr lang="en-US" sz="2000" b="0" strike="noStrike" spc="-1">
-                <a:solidFill>
-                  <a:srgbClr val="000000"/>
-                </a:solidFill>
-                <a:latin typeface="Arial"/>
-              </a:rPr>
-              <a:t>Fifth Outline Level</a:t>
-            </a:r>
-          </a:p>
-          <a:p>
-            <a:pPr marL="2592000" lvl="5" indent="-216000">
-              <a:lnSpc>
-                <a:spcPct val="90000"/>
-              </a:lnSpc>
-              <a:spcBef>
-                <a:spcPts val="283"/>
-              </a:spcBef>
-              <a:buClr>
-                <a:srgbClr val="000000"/>
-              </a:buClr>
-              <a:buSzPct val="45000"/>
-              <a:buFont typeface="Wingdings" charset="2"/>
-              <a:buChar char=""/>
-            </a:pPr>
-            <a:r>
-              <a:rPr lang="en-US" sz="2000" b="0" strike="noStrike" spc="-1">
-                <a:solidFill>
-                  <a:srgbClr val="000000"/>
-                </a:solidFill>
-                <a:latin typeface="Arial"/>
-              </a:rPr>
-              <a:t>Sixth Outline Level</a:t>
-            </a:r>
-          </a:p>
-          <a:p>
-            <a:pPr marL="3024000" lvl="6" indent="-216000">
-              <a:lnSpc>
-                <a:spcPct val="90000"/>
-              </a:lnSpc>
-              <a:spcBef>
-                <a:spcPts val="283"/>
-              </a:spcBef>
-              <a:buClr>
-                <a:srgbClr val="000000"/>
-              </a:buClr>
-              <a:buSzPct val="45000"/>
-              <a:buFont typeface="Wingdings" charset="2"/>
-              <a:buChar char=""/>
-            </a:pPr>
-            <a:r>
-              <a:rPr lang="en-US" sz="2000" b="0" strike="noStrike" spc="-1">
-                <a:solidFill>
-                  <a:srgbClr val="000000"/>
-                </a:solidFill>
-                <a:latin typeface="Arial"/>
-              </a:rPr>
-              <a:t>Seventh Outline Level</a:t>
-            </a:r>
+              </a:defRPr>
+            </a:lvl1pPr>
+          </a:lstStyle>
+          <a:p>
+            <a:fld id="{657976D3-6013-CA45-A782-C70B6CB6EC75}" type="slidenum">
+              <a:rPr lang="en-US" smtClean="0"/>
+              <a:t>‹#›</a:t>
+            </a:fld>
+            <a:endParaRPr lang="en-US"/>
           </a:p>
         </p:txBody>
       </p:sp>
       <p:pic>
         <p:nvPicPr>
-          <p:cNvPr id="5" name="Picture 5" descr="Picture 5">
-            <a:extLst>
-              <a:ext uri="{FF2B5EF4-FFF2-40B4-BE49-F238E27FC236}">
-                <a16:creationId xmlns:a16="http://schemas.microsoft.com/office/drawing/2014/main" id="{8BDC5CF6-43B5-F3BD-A6B8-B95F5F631FD1}"/>
+          <p:cNvPr id="7" name="Picture 5" descr="Picture 5">
+            <a:extLst>
+              <a:ext uri="{FF2B5EF4-FFF2-40B4-BE49-F238E27FC236}">
+                <a16:creationId xmlns:a16="http://schemas.microsoft.com/office/drawing/2014/main" id="{83CEF512-4023-EEB1-ADDB-E379BF8A37B4}"/>
               </a:ext>
             </a:extLst>
           </p:cNvPr>
@@ -3247,7 +3849,7 @@
         </p:blipFill>
         <p:spPr>
           <a:xfrm>
-            <a:off x="0" y="162000"/>
+            <a:off x="9525" y="0"/>
             <a:ext cx="1470960" cy="1201680"/>
           </a:xfrm>
           <a:prstGeom prst="rect">
@@ -3258,60 +3860,27 @@
           </a:ln>
         </p:spPr>
       </p:pic>
-      <p:sp>
-        <p:nvSpPr>
-          <p:cNvPr id="6" name="Title Placeholder 5">
-            <a:extLst>
-              <a:ext uri="{FF2B5EF4-FFF2-40B4-BE49-F238E27FC236}">
-                <a16:creationId xmlns:a16="http://schemas.microsoft.com/office/drawing/2014/main" id="{BC8A1183-E82D-FC2C-2AE9-842130008409}"/>
-              </a:ext>
-            </a:extLst>
-          </p:cNvPr>
-          <p:cNvSpPr>
-            <a:spLocks noGrp="1"/>
-          </p:cNvSpPr>
-          <p:nvPr>
-            <p:ph type="title"/>
-          </p:nvPr>
-        </p:nvSpPr>
-        <p:spPr>
-          <a:xfrm>
-            <a:off x="1470960" y="100058"/>
-            <a:ext cx="10515600" cy="1325563"/>
-          </a:xfrm>
-          <a:prstGeom prst="rect">
-            <a:avLst/>
-          </a:prstGeom>
-        </p:spPr>
-        <p:txBody>
-          <a:bodyPr vert="horz" lIns="91440" tIns="45720" rIns="91440" bIns="45720" rtlCol="0" anchor="ctr">
-            <a:normAutofit/>
-          </a:bodyPr>
-          <a:lstStyle/>
-          <a:p>
-            <a:r>
-              <a:rPr lang="en-US" dirty="0"/>
-              <a:t>Click to edit Master title style</a:t>
-            </a:r>
-          </a:p>
-        </p:txBody>
-      </p:sp>
     </p:spTree>
+    <p:extLst>
+      <p:ext uri="{BB962C8B-B14F-4D97-AF65-F5344CB8AC3E}">
+        <p14:creationId xmlns:p14="http://schemas.microsoft.com/office/powerpoint/2010/main" val="3138694232"/>
+      </p:ext>
+    </p:extLst>
   </p:cSld>
   <p:clrMap bg1="lt1" tx1="dk1" bg2="lt2" tx2="dk2" accent1="accent1" accent2="accent2" accent3="accent3" accent4="accent4" accent5="accent5" accent6="accent6" hlink="hlink" folHlink="folHlink"/>
   <p:sldLayoutIdLst>
-    <p:sldLayoutId id="2147483649" r:id="rId1"/>
-    <p:sldLayoutId id="2147483650" r:id="rId2"/>
-    <p:sldLayoutId id="2147483651" r:id="rId3"/>
-    <p:sldLayoutId id="2147483652" r:id="rId4"/>
-    <p:sldLayoutId id="2147483653" r:id="rId5"/>
-    <p:sldLayoutId id="2147483655" r:id="rId6"/>
-    <p:sldLayoutId id="2147483656" r:id="rId7"/>
-    <p:sldLayoutId id="2147483657" r:id="rId8"/>
-    <p:sldLayoutId id="2147483658" r:id="rId9"/>
-    <p:sldLayoutId id="2147483659" r:id="rId10"/>
-    <p:sldLayoutId id="2147483660" r:id="rId11"/>
-    <p:sldLayoutId id="2147483678" r:id="rId12"/>
+    <p:sldLayoutId id="2147483680" r:id="rId1"/>
+    <p:sldLayoutId id="2147483681" r:id="rId2"/>
+    <p:sldLayoutId id="2147483682" r:id="rId3"/>
+    <p:sldLayoutId id="2147483683" r:id="rId4"/>
+    <p:sldLayoutId id="2147483684" r:id="rId5"/>
+    <p:sldLayoutId id="2147483685" r:id="rId6"/>
+    <p:sldLayoutId id="2147483686" r:id="rId7"/>
+    <p:sldLayoutId id="2147483687" r:id="rId8"/>
+    <p:sldLayoutId id="2147483688" r:id="rId9"/>
+    <p:sldLayoutId id="2147483689" r:id="rId10"/>
+    <p:sldLayoutId id="2147483690" r:id="rId11"/>
+    <p:sldLayoutId id="2147483692" r:id="rId12"/>
   </p:sldLayoutIdLst>
   <p:txStyles>
     <p:titleStyle>
@@ -3327,9 +3896,9 @@
           <a:solidFill>
             <a:schemeClr val="tx1"/>
           </a:solidFill>
-          <a:latin typeface="+mj-lt"/>
+          <a:latin typeface="Arial" panose="020B0604020202020204" pitchFamily="34" charset="0"/>
           <a:ea typeface="+mj-ea"/>
-          <a:cs typeface="+mj-cs"/>
+          <a:cs typeface="Arial" panose="020B0604020202020204" pitchFamily="34" charset="0"/>
         </a:defRPr>
       </a:lvl1pPr>
     </p:titleStyle>
@@ -3659,7 +4228,7 @@
           <a:p>
             <a:fld id="{9530ACA4-BD8C-D448-95CA-FC1634E9A82C}" type="datetimeFigureOut">
               <a:rPr lang="en-US" smtClean="0"/>
-              <a:t>11/24/22</a:t>
+              <a:t>11/28/22</a:t>
             </a:fld>
             <a:endParaRPr lang="en-US"/>
           </a:p>
@@ -4175,18 +4744,18 @@
       </p:grpSpPr>
       <p:sp>
         <p:nvSpPr>
-          <p:cNvPr id="2" name="Content Placeholder 1">
-            <a:extLst>
-              <a:ext uri="{FF2B5EF4-FFF2-40B4-BE49-F238E27FC236}">
-                <a16:creationId xmlns:a16="http://schemas.microsoft.com/office/drawing/2014/main" id="{9A99D188-A824-2E37-54D1-4E7C1EB15155}"/>
-              </a:ext>
-            </a:extLst>
-          </p:cNvPr>
-          <p:cNvSpPr>
-            <a:spLocks noGrp="1"/>
-          </p:cNvSpPr>
-          <p:nvPr>
-            <p:ph/>
+          <p:cNvPr id="2" name="Title 1">
+            <a:extLst>
+              <a:ext uri="{FF2B5EF4-FFF2-40B4-BE49-F238E27FC236}">
+                <a16:creationId xmlns:a16="http://schemas.microsoft.com/office/drawing/2014/main" id="{0E7CCAEB-D84E-456D-3B6B-2E9573C73F98}"/>
+              </a:ext>
+            </a:extLst>
+          </p:cNvPr>
+          <p:cNvSpPr>
+            <a:spLocks noGrp="1"/>
+          </p:cNvSpPr>
+          <p:nvPr>
+            <p:ph type="title"/>
           </p:nvPr>
         </p:nvSpPr>
         <p:spPr/>
@@ -4200,18 +4769,18 @@
       </p:sp>
       <p:sp>
         <p:nvSpPr>
-          <p:cNvPr id="3" name="Title 2">
-            <a:extLst>
-              <a:ext uri="{FF2B5EF4-FFF2-40B4-BE49-F238E27FC236}">
-                <a16:creationId xmlns:a16="http://schemas.microsoft.com/office/drawing/2014/main" id="{EECFB502-B790-EC2F-D54B-7F2FA250F14A}"/>
-              </a:ext>
-            </a:extLst>
-          </p:cNvPr>
-          <p:cNvSpPr>
-            <a:spLocks noGrp="1"/>
-          </p:cNvSpPr>
-          <p:nvPr>
-            <p:ph type="title"/>
+          <p:cNvPr id="3" name="Content Placeholder 2">
+            <a:extLst>
+              <a:ext uri="{FF2B5EF4-FFF2-40B4-BE49-F238E27FC236}">
+                <a16:creationId xmlns:a16="http://schemas.microsoft.com/office/drawing/2014/main" id="{0A5EC664-EFAD-501E-02EA-4124C835D47B}"/>
+              </a:ext>
+            </a:extLst>
+          </p:cNvPr>
+          <p:cNvSpPr>
+            <a:spLocks noGrp="1"/>
+          </p:cNvSpPr>
+          <p:nvPr>
+            <p:ph idx="1"/>
           </p:nvPr>
         </p:nvSpPr>
         <p:spPr/>
@@ -4219,14 +4788,14 @@
           <a:bodyPr/>
           <a:lstStyle/>
           <a:p>
-            <a:endParaRPr lang="en-US" dirty="0"/>
+            <a:endParaRPr lang="en-US"/>
           </a:p>
         </p:txBody>
       </p:sp>
     </p:spTree>
     <p:extLst>
       <p:ext uri="{BB962C8B-B14F-4D97-AF65-F5344CB8AC3E}">
-        <p14:creationId xmlns:p14="http://schemas.microsoft.com/office/powerpoint/2010/main" val="349694760"/>
+        <p14:creationId xmlns:p14="http://schemas.microsoft.com/office/powerpoint/2010/main" val="2792640674"/>
       </p:ext>
     </p:extLst>
   </p:cSld>
@@ -4255,89 +4824,9 @@
       </p:grpSpPr>
       <p:sp>
         <p:nvSpPr>
-          <p:cNvPr id="2" name="Content Placeholder 1">
-            <a:extLst>
-              <a:ext uri="{FF2B5EF4-FFF2-40B4-BE49-F238E27FC236}">
-                <a16:creationId xmlns:a16="http://schemas.microsoft.com/office/drawing/2014/main" id="{E69DC58F-3459-BBF3-F312-11E2AA9F7888}"/>
-              </a:ext>
-            </a:extLst>
-          </p:cNvPr>
-          <p:cNvSpPr>
-            <a:spLocks noGrp="1"/>
-          </p:cNvSpPr>
-          <p:nvPr>
-            <p:ph/>
-          </p:nvPr>
-        </p:nvSpPr>
-        <p:spPr/>
-        <p:txBody>
-          <a:bodyPr/>
-          <a:lstStyle/>
-          <a:p>
-            <a:endParaRPr lang="en-US"/>
-          </a:p>
-        </p:txBody>
-      </p:sp>
-      <p:sp>
-        <p:nvSpPr>
           <p:cNvPr id="3" name="Title 2">
             <a:extLst>
               <a:ext uri="{FF2B5EF4-FFF2-40B4-BE49-F238E27FC236}">
-                <a16:creationId xmlns:a16="http://schemas.microsoft.com/office/drawing/2014/main" id="{17C6241A-D242-92A5-3F01-F8E1025DAAD1}"/>
-              </a:ext>
-            </a:extLst>
-          </p:cNvPr>
-          <p:cNvSpPr>
-            <a:spLocks noGrp="1"/>
-          </p:cNvSpPr>
-          <p:nvPr>
-            <p:ph type="title"/>
-          </p:nvPr>
-        </p:nvSpPr>
-        <p:spPr/>
-        <p:txBody>
-          <a:bodyPr/>
-          <a:lstStyle/>
-          <a:p>
-            <a:endParaRPr lang="en-US"/>
-          </a:p>
-        </p:txBody>
-      </p:sp>
-    </p:spTree>
-    <p:extLst>
-      <p:ext uri="{BB962C8B-B14F-4D97-AF65-F5344CB8AC3E}">
-        <p14:creationId xmlns:p14="http://schemas.microsoft.com/office/powerpoint/2010/main" val="2629199843"/>
-      </p:ext>
-    </p:extLst>
-  </p:cSld>
-  <p:clrMapOvr>
-    <a:masterClrMapping/>
-  </p:clrMapOvr>
-</p:sld>
-</file>
-
-<file path=ppt/slides/slide4.xml><?xml version="1.0" encoding="utf-8"?>
-<p:sld xmlns:a="http://schemas.openxmlformats.org/drawingml/2006/main" xmlns:r="http://schemas.openxmlformats.org/officeDocument/2006/relationships" xmlns:p="http://schemas.openxmlformats.org/presentationml/2006/main">
-  <p:cSld>
-    <p:spTree>
-      <p:nvGrpSpPr>
-        <p:cNvPr id="1" name=""/>
-        <p:cNvGrpSpPr/>
-        <p:nvPr/>
-      </p:nvGrpSpPr>
-      <p:grpSpPr>
-        <a:xfrm>
-          <a:off x="0" y="0"/>
-          <a:ext cx="0" cy="0"/>
-          <a:chOff x="0" y="0"/>
-          <a:chExt cx="0" cy="0"/>
-        </a:xfrm>
-      </p:grpSpPr>
-      <p:sp>
-        <p:nvSpPr>
-          <p:cNvPr id="3" name="Title 2">
-            <a:extLst>
-              <a:ext uri="{FF2B5EF4-FFF2-40B4-BE49-F238E27FC236}">
                 <a16:creationId xmlns:a16="http://schemas.microsoft.com/office/drawing/2014/main" id="{8459A4B7-C890-7C19-9A85-49CF2F1C6DE2}"/>
               </a:ext>
             </a:extLst>
@@ -4346,7 +4835,7 @@
             <a:spLocks noGrp="1"/>
           </p:cNvSpPr>
           <p:nvPr>
-            <p:ph type="title"/>
+            <p:ph type="title" idx="4294967295"/>
           </p:nvPr>
         </p:nvSpPr>
         <p:spPr>
@@ -4474,14 +4963,14 @@
 </file>
 
 <file path=ppt/theme/theme1.xml><?xml version="1.0" encoding="utf-8"?>
-<a:theme xmlns:a="http://schemas.openxmlformats.org/drawingml/2006/main" name="Custom Design">
+<a:theme xmlns:a="http://schemas.openxmlformats.org/drawingml/2006/main" name="1_Custom Design">
   <a:themeElements>
     <a:clrScheme name="Office">
       <a:dk1>
-        <a:srgbClr val="000000"/>
+        <a:sysClr val="windowText" lastClr="000000"/>
       </a:dk1>
       <a:lt1>
-        <a:srgbClr val="FFFFFF"/>
+        <a:sysClr val="window" lastClr="FFFFFF"/>
       </a:lt1>
       <a:dk2>
         <a:srgbClr val="44546A"/>
@@ -4516,14 +5005,108 @@
     </a:clrScheme>
     <a:fontScheme name="Office">
       <a:majorFont>
-        <a:latin typeface="Arial"/>
-        <a:ea typeface="DejaVu Sans"/>
-        <a:cs typeface="DejaVu Sans"/>
+        <a:latin typeface="Calibri Light" panose="020F0302020204030204"/>
+        <a:ea typeface=""/>
+        <a:cs typeface=""/>
+        <a:font script="Jpan" typeface="游ゴシック Light"/>
+        <a:font script="Hang" typeface="맑은 고딕"/>
+        <a:font script="Hans" typeface="等线 Light"/>
+        <a:font script="Hant" typeface="新細明體"/>
+        <a:font script="Arab" typeface="Times New Roman"/>
+        <a:font script="Hebr" typeface="Times New Roman"/>
+        <a:font script="Thai" typeface="Angsana New"/>
+        <a:font script="Ethi" typeface="Nyala"/>
+        <a:font script="Beng" typeface="Vrinda"/>
+        <a:font script="Gujr" typeface="Shruti"/>
+        <a:font script="Khmr" typeface="MoolBoran"/>
+        <a:font script="Knda" typeface="Tunga"/>
+        <a:font script="Guru" typeface="Raavi"/>
+        <a:font script="Cans" typeface="Euphemia"/>
+        <a:font script="Cher" typeface="Plantagenet Cherokee"/>
+        <a:font script="Yiii" typeface="Microsoft Yi Baiti"/>
+        <a:font script="Tibt" typeface="Microsoft Himalaya"/>
+        <a:font script="Thaa" typeface="MV Boli"/>
+        <a:font script="Deva" typeface="Mangal"/>
+        <a:font script="Telu" typeface="Gautami"/>
+        <a:font script="Taml" typeface="Latha"/>
+        <a:font script="Syrc" typeface="Estrangelo Edessa"/>
+        <a:font script="Orya" typeface="Kalinga"/>
+        <a:font script="Mlym" typeface="Kartika"/>
+        <a:font script="Laoo" typeface="DokChampa"/>
+        <a:font script="Sinh" typeface="Iskoola Pota"/>
+        <a:font script="Mong" typeface="Mongolian Baiti"/>
+        <a:font script="Viet" typeface="Times New Roman"/>
+        <a:font script="Uigh" typeface="Microsoft Uighur"/>
+        <a:font script="Geor" typeface="Sylfaen"/>
+        <a:font script="Armn" typeface="Arial"/>
+        <a:font script="Bugi" typeface="Leelawadee UI"/>
+        <a:font script="Bopo" typeface="Microsoft JhengHei"/>
+        <a:font script="Java" typeface="Javanese Text"/>
+        <a:font script="Lisu" typeface="Segoe UI"/>
+        <a:font script="Mymr" typeface="Myanmar Text"/>
+        <a:font script="Nkoo" typeface="Ebrima"/>
+        <a:font script="Olck" typeface="Nirmala UI"/>
+        <a:font script="Osma" typeface="Ebrima"/>
+        <a:font script="Phag" typeface="Phagspa"/>
+        <a:font script="Syrn" typeface="Estrangelo Edessa"/>
+        <a:font script="Syrj" typeface="Estrangelo Edessa"/>
+        <a:font script="Syre" typeface="Estrangelo Edessa"/>
+        <a:font script="Sora" typeface="Nirmala UI"/>
+        <a:font script="Tale" typeface="Microsoft Tai Le"/>
+        <a:font script="Talu" typeface="Microsoft New Tai Lue"/>
+        <a:font script="Tfng" typeface="Ebrima"/>
       </a:majorFont>
       <a:minorFont>
-        <a:latin typeface="Arial"/>
-        <a:ea typeface="DejaVu Sans"/>
-        <a:cs typeface="DejaVu Sans"/>
+        <a:latin typeface="Calibri" panose="020F0502020204030204"/>
+        <a:ea typeface=""/>
+        <a:cs typeface=""/>
+        <a:font script="Jpan" typeface="游ゴシック"/>
+        <a:font script="Hang" typeface="맑은 고딕"/>
+        <a:font script="Hans" typeface="等线"/>
+        <a:font script="Hant" typeface="新細明體"/>
+        <a:font script="Arab" typeface="Arial"/>
+        <a:font script="Hebr" typeface="Arial"/>
+        <a:font script="Thai" typeface="Cordia New"/>
+        <a:font script="Ethi" typeface="Nyala"/>
+        <a:font script="Beng" typeface="Vrinda"/>
+        <a:font script="Gujr" typeface="Shruti"/>
+        <a:font script="Khmr" typeface="DaunPenh"/>
+        <a:font script="Knda" typeface="Tunga"/>
+        <a:font script="Guru" typeface="Raavi"/>
+        <a:font script="Cans" typeface="Euphemia"/>
+        <a:font script="Cher" typeface="Plantagenet Cherokee"/>
+        <a:font script="Yiii" typeface="Microsoft Yi Baiti"/>
+        <a:font script="Tibt" typeface="Microsoft Himalaya"/>
+        <a:font script="Thaa" typeface="MV Boli"/>
+        <a:font script="Deva" typeface="Mangal"/>
+        <a:font script="Telu" typeface="Gautami"/>
+        <a:font script="Taml" typeface="Latha"/>
+        <a:font script="Syrc" typeface="Estrangelo Edessa"/>
+        <a:font script="Orya" typeface="Kalinga"/>
+        <a:font script="Mlym" typeface="Kartika"/>
+        <a:font script="Laoo" typeface="DokChampa"/>
+        <a:font script="Sinh" typeface="Iskoola Pota"/>
+        <a:font script="Mong" typeface="Mongolian Baiti"/>
+        <a:font script="Viet" typeface="Arial"/>
+        <a:font script="Uigh" typeface="Microsoft Uighur"/>
+        <a:font script="Geor" typeface="Sylfaen"/>
+        <a:font script="Armn" typeface="Arial"/>
+        <a:font script="Bugi" typeface="Leelawadee UI"/>
+        <a:font script="Bopo" typeface="Microsoft JhengHei"/>
+        <a:font script="Java" typeface="Javanese Text"/>
+        <a:font script="Lisu" typeface="Segoe UI"/>
+        <a:font script="Mymr" typeface="Myanmar Text"/>
+        <a:font script="Nkoo" typeface="Ebrima"/>
+        <a:font script="Olck" typeface="Nirmala UI"/>
+        <a:font script="Osma" typeface="Ebrima"/>
+        <a:font script="Phag" typeface="Phagspa"/>
+        <a:font script="Syrn" typeface="Estrangelo Edessa"/>
+        <a:font script="Syrj" typeface="Estrangelo Edessa"/>
+        <a:font script="Syre" typeface="Estrangelo Edessa"/>
+        <a:font script="Sora" typeface="Nirmala UI"/>
+        <a:font script="Tale" typeface="Microsoft Tai Le"/>
+        <a:font script="Talu" typeface="Microsoft New Tai Lue"/>
+        <a:font script="Tfng" typeface="Ebrima"/>
       </a:minorFont>
     </a:fontScheme>
     <a:fmtScheme name="Office">
@@ -4535,169 +5118,142 @@
           <a:gsLst>
             <a:gs pos="0">
               <a:schemeClr val="phClr">
-                <a:tint val="50000"/>
-                <a:satMod val="300000"/>
+                <a:lumMod val="110000"/>
+                <a:satMod val="105000"/>
+                <a:tint val="67000"/>
               </a:schemeClr>
             </a:gs>
-            <a:gs pos="35000">
+            <a:gs pos="50000">
               <a:schemeClr val="phClr">
-                <a:tint val="37000"/>
-                <a:satMod val="300000"/>
+                <a:lumMod val="105000"/>
+                <a:satMod val="103000"/>
+                <a:tint val="73000"/>
               </a:schemeClr>
             </a:gs>
             <a:gs pos="100000">
               <a:schemeClr val="phClr">
-                <a:tint val="15000"/>
-                <a:satMod val="350000"/>
+                <a:lumMod val="105000"/>
+                <a:satMod val="109000"/>
+                <a:tint val="81000"/>
               </a:schemeClr>
             </a:gs>
           </a:gsLst>
-          <a:lin ang="16200000" scaled="1"/>
+          <a:lin ang="5400000" scaled="0"/>
         </a:gradFill>
         <a:gradFill rotWithShape="1">
           <a:gsLst>
             <a:gs pos="0">
               <a:schemeClr val="phClr">
-                <a:shade val="51000"/>
-                <a:satMod val="130000"/>
+                <a:satMod val="103000"/>
+                <a:lumMod val="102000"/>
+                <a:tint val="94000"/>
               </a:schemeClr>
             </a:gs>
-            <a:gs pos="80000">
+            <a:gs pos="50000">
               <a:schemeClr val="phClr">
-                <a:shade val="93000"/>
-                <a:satMod val="130000"/>
+                <a:satMod val="110000"/>
+                <a:lumMod val="100000"/>
+                <a:shade val="100000"/>
               </a:schemeClr>
             </a:gs>
             <a:gs pos="100000">
               <a:schemeClr val="phClr">
-                <a:shade val="94000"/>
-                <a:satMod val="135000"/>
+                <a:lumMod val="99000"/>
+                <a:satMod val="120000"/>
+                <a:shade val="78000"/>
               </a:schemeClr>
             </a:gs>
           </a:gsLst>
-          <a:lin ang="16200000" scaled="0"/>
+          <a:lin ang="5400000" scaled="0"/>
         </a:gradFill>
       </a:fillStyleLst>
       <a:lnStyleLst>
-        <a:ln w="9525" cap="flat" cmpd="sng" algn="ctr">
-          <a:solidFill>
-            <a:schemeClr val="phClr">
-              <a:shade val="95000"/>
-              <a:satMod val="105000"/>
-            </a:schemeClr>
-          </a:solidFill>
-          <a:prstDash val="solid"/>
-          <a:miter/>
-        </a:ln>
-        <a:ln w="25400" cap="flat" cmpd="sng" algn="ctr">
+        <a:ln w="6350" cap="flat" cmpd="sng" algn="ctr">
           <a:solidFill>
             <a:schemeClr val="phClr"/>
           </a:solidFill>
           <a:prstDash val="solid"/>
-          <a:miter/>
+          <a:miter lim="800000"/>
         </a:ln>
-        <a:ln w="38100" cap="flat" cmpd="sng" algn="ctr">
+        <a:ln w="12700" cap="flat" cmpd="sng" algn="ctr">
           <a:solidFill>
             <a:schemeClr val="phClr"/>
           </a:solidFill>
           <a:prstDash val="solid"/>
-          <a:miter/>
+          <a:miter lim="800000"/>
+        </a:ln>
+        <a:ln w="19050" cap="flat" cmpd="sng" algn="ctr">
+          <a:solidFill>
+            <a:schemeClr val="phClr"/>
+          </a:solidFill>
+          <a:prstDash val="solid"/>
+          <a:miter lim="800000"/>
         </a:ln>
       </a:lnStyleLst>
       <a:effectStyleLst>
         <a:effectStyle>
+          <a:effectLst/>
+        </a:effectStyle>
+        <a:effectStyle>
+          <a:effectLst/>
+        </a:effectStyle>
+        <a:effectStyle>
           <a:effectLst>
-            <a:outerShdw blurRad="40000" dist="20000" dir="5400000" rotWithShape="0">
+            <a:outerShdw blurRad="57150" dist="19050" dir="5400000" algn="ctr" rotWithShape="0">
               <a:srgbClr val="000000">
-                <a:alpha val="38000"/>
+                <a:alpha val="63000"/>
               </a:srgbClr>
             </a:outerShdw>
           </a:effectLst>
-        </a:effectStyle>
-        <a:effectStyle>
-          <a:effectLst>
-            <a:outerShdw blurRad="40000" dist="23000" dir="5400000" rotWithShape="0">
-              <a:srgbClr val="000000">
-                <a:alpha val="35000"/>
-              </a:srgbClr>
-            </a:outerShdw>
-          </a:effectLst>
-        </a:effectStyle>
-        <a:effectStyle>
-          <a:effectLst>
-            <a:outerShdw blurRad="40000" dist="23000" dir="5400000" rotWithShape="0">
-              <a:srgbClr val="000000">
-                <a:alpha val="35000"/>
-              </a:srgbClr>
-            </a:outerShdw>
-          </a:effectLst>
-          <a:scene3d>
-            <a:camera prst="orthographicFront">
-              <a:rot lat="0" lon="0" rev="0"/>
-            </a:camera>
-            <a:lightRig rig="threePt" dir="t">
-              <a:rot lat="0" lon="0" rev="1200000"/>
-            </a:lightRig>
-          </a:scene3d>
-          <a:sp3d>
-            <a:bevelT w="63500" h="25400"/>
-          </a:sp3d>
         </a:effectStyle>
       </a:effectStyleLst>
       <a:bgFillStyleLst>
         <a:solidFill>
           <a:schemeClr val="phClr"/>
         </a:solidFill>
+        <a:solidFill>
+          <a:schemeClr val="phClr">
+            <a:tint val="95000"/>
+            <a:satMod val="170000"/>
+          </a:schemeClr>
+        </a:solidFill>
         <a:gradFill rotWithShape="1">
           <a:gsLst>
             <a:gs pos="0">
               <a:schemeClr val="phClr">
-                <a:tint val="40000"/>
-                <a:satMod val="350000"/>
+                <a:tint val="93000"/>
+                <a:satMod val="150000"/>
+                <a:shade val="98000"/>
+                <a:lumMod val="102000"/>
               </a:schemeClr>
             </a:gs>
-            <a:gs pos="40000">
+            <a:gs pos="50000">
               <a:schemeClr val="phClr">
-                <a:tint val="45000"/>
-                <a:shade val="99000"/>
-                <a:satMod val="350000"/>
+                <a:tint val="98000"/>
+                <a:satMod val="130000"/>
+                <a:shade val="90000"/>
+                <a:lumMod val="103000"/>
               </a:schemeClr>
             </a:gs>
             <a:gs pos="100000">
               <a:schemeClr val="phClr">
-                <a:shade val="20000"/>
-                <a:satMod val="255000"/>
+                <a:shade val="63000"/>
+                <a:satMod val="120000"/>
               </a:schemeClr>
             </a:gs>
           </a:gsLst>
-          <a:path path="circle">
-            <a:fillToRect l="50000" t="-80000" r="50000" b="180000"/>
-          </a:path>
-        </a:gradFill>
-        <a:gradFill rotWithShape="1">
-          <a:gsLst>
-            <a:gs pos="0">
-              <a:schemeClr val="phClr">
-                <a:tint val="80000"/>
-                <a:satMod val="300000"/>
-              </a:schemeClr>
-            </a:gs>
-            <a:gs pos="100000">
-              <a:schemeClr val="phClr">
-                <a:shade val="30000"/>
-                <a:satMod val="200000"/>
-              </a:schemeClr>
-            </a:gs>
-          </a:gsLst>
-          <a:path path="circle">
-            <a:fillToRect l="50000" t="50000" r="50000" b="50000"/>
-          </a:path>
+          <a:lin ang="5400000" scaled="0"/>
         </a:gradFill>
       </a:bgFillStyleLst>
     </a:fmtScheme>
   </a:themeElements>
   <a:objectDefaults/>
   <a:extraClrSchemeLst/>
+  <a:extLst>
+    <a:ext uri="{05A4C25C-085E-4340-85A3-A5531E510DB2}">
+      <thm15:themeFamily xmlns:thm15="http://schemas.microsoft.com/office/thememl/2012/main" name="Office Theme" id="{62F939B6-93AF-4DB8-9C6B-D6C7DFDC589F}" vid="{4A3C46E8-61CC-4603-A589-7422A47A8E4A}"/>
+    </a:ext>
+  </a:extLst>
 </a:theme>
 </file>
 

--- a/POI Training_Name/1-Lessons/2-Lesson Audio Visual Content/POI_Slide-Template.pptx
+++ b/POI Training_Name/1-Lessons/2-Lesson Audio Visual Content/POI_Slide-Template.pptx
@@ -6,12 +6,13 @@
     <p:sldMasterId id="2147483675" r:id="rId2"/>
   </p:sldMasterIdLst>
   <p:notesMasterIdLst>
-    <p:notesMasterId r:id="rId6"/>
+    <p:notesMasterId r:id="rId7"/>
   </p:notesMasterIdLst>
   <p:sldIdLst>
     <p:sldId id="381" r:id="rId3"/>
     <p:sldId id="383" r:id="rId4"/>
-    <p:sldId id="377" r:id="rId5"/>
+    <p:sldId id="619" r:id="rId5"/>
+    <p:sldId id="377" r:id="rId6"/>
   </p:sldIdLst>
   <p:sldSz cx="12192000" cy="6858000"/>
   <p:notesSz cx="6858000" cy="9144000"/>
@@ -687,7 +688,7 @@
           <a:p>
             <a:fld id="{19E3F066-8095-7A47-8BBF-FB45577C0028}" type="datetimeFigureOut">
               <a:rPr lang="en-US" smtClean="0"/>
-              <a:t>11/28/22</a:t>
+              <a:t>11/29/22</a:t>
             </a:fld>
             <a:endParaRPr lang="en-US"/>
           </a:p>
@@ -885,7 +886,7 @@
           <a:p>
             <a:fld id="{19E3F066-8095-7A47-8BBF-FB45577C0028}" type="datetimeFigureOut">
               <a:rPr lang="en-US" smtClean="0"/>
-              <a:t>11/28/22</a:t>
+              <a:t>11/29/22</a:t>
             </a:fld>
             <a:endParaRPr lang="en-US"/>
           </a:p>
@@ -1093,7 +1094,7 @@
           <a:p>
             <a:fld id="{19E3F066-8095-7A47-8BBF-FB45577C0028}" type="datetimeFigureOut">
               <a:rPr lang="en-US" smtClean="0"/>
-              <a:t>11/28/22</a:t>
+              <a:t>11/29/22</a:t>
             </a:fld>
             <a:endParaRPr lang="en-US"/>
           </a:p>
@@ -1206,7 +1207,7 @@
           <a:p>
             <a:fld id="{D22EE3CE-13A9-674D-B3E7-8F60B492096B}" type="datetimeFigureOut">
               <a:rPr lang="en-US" smtClean="0"/>
-              <a:t>11/28/22</a:t>
+              <a:t>11/29/22</a:t>
             </a:fld>
             <a:endParaRPr lang="en-US"/>
           </a:p>
@@ -1280,6 +1281,141 @@
 </file>
 
 <file path=ppt/slideLayouts/slideLayout13.xml><?xml version="1.0" encoding="utf-8"?>
+<p:sldLayout xmlns:a="http://schemas.openxmlformats.org/drawingml/2006/main" xmlns:r="http://schemas.openxmlformats.org/officeDocument/2006/relationships" xmlns:p="http://schemas.openxmlformats.org/presentationml/2006/main" userDrawn="1">
+  <p:cSld name="Title, Content">
+    <p:spTree>
+      <p:nvGrpSpPr>
+        <p:cNvPr id="1" name=""/>
+        <p:cNvGrpSpPr/>
+        <p:nvPr/>
+      </p:nvGrpSpPr>
+      <p:grpSpPr>
+        <a:xfrm>
+          <a:off x="0" y="0"/>
+          <a:ext cx="0" cy="0"/>
+          <a:chOff x="0" y="0"/>
+          <a:chExt cx="0" cy="0"/>
+        </a:xfrm>
+      </p:grpSpPr>
+      <p:sp>
+        <p:nvSpPr>
+          <p:cNvPr id="107" name="PlaceHolder 2"/>
+          <p:cNvSpPr>
+            <a:spLocks noGrp="1"/>
+          </p:cNvSpPr>
+          <p:nvPr>
+            <p:ph/>
+          </p:nvPr>
+        </p:nvSpPr>
+        <p:spPr>
+          <a:xfrm>
+            <a:off x="609480" y="1604520"/>
+            <a:ext cx="10972440" cy="3977280"/>
+          </a:xfrm>
+          <a:prstGeom prst="rect">
+            <a:avLst/>
+          </a:prstGeom>
+          <a:noFill/>
+          <a:ln w="0">
+            <a:noFill/>
+          </a:ln>
+        </p:spPr>
+        <p:txBody>
+          <a:bodyPr lIns="0" tIns="0" rIns="0" bIns="0" anchor="t">
+            <a:normAutofit/>
+          </a:bodyPr>
+          <a:lstStyle/>
+          <a:p>
+            <a:pPr>
+              <a:lnSpc>
+                <a:spcPct val="93000"/>
+              </a:lnSpc>
+              <a:spcBef>
+                <a:spcPts val="1417"/>
+              </a:spcBef>
+              <a:buNone/>
+            </a:pPr>
+            <a:endParaRPr lang="en-US" sz="3200" b="0" strike="noStrike" spc="-1">
+              <a:solidFill>
+                <a:srgbClr val="000000"/>
+              </a:solidFill>
+              <a:latin typeface="Arial"/>
+            </a:endParaRPr>
+          </a:p>
+        </p:txBody>
+      </p:sp>
+      <p:sp>
+        <p:nvSpPr>
+          <p:cNvPr id="4" name="PlaceHolder 3"/>
+          <p:cNvSpPr>
+            <a:spLocks noGrp="1"/>
+          </p:cNvSpPr>
+          <p:nvPr>
+            <p:ph type="sldNum" idx="2"/>
+          </p:nvPr>
+        </p:nvSpPr>
+        <p:spPr/>
+        <p:txBody>
+          <a:bodyPr/>
+          <a:lstStyle/>
+          <a:p>
+            <a:fld id="{DD075454-311C-4D4F-B5E5-C906898B1750}" type="slidenum">
+              <a:t>‹#›</a:t>
+            </a:fld>
+            <a:endParaRPr/>
+          </a:p>
+        </p:txBody>
+      </p:sp>
+      <p:sp>
+        <p:nvSpPr>
+          <p:cNvPr id="6" name="Title 5">
+            <a:extLst>
+              <a:ext uri="{FF2B5EF4-FFF2-40B4-BE49-F238E27FC236}">
+                <a16:creationId xmlns:a16="http://schemas.microsoft.com/office/drawing/2014/main" id="{88B2C156-1D50-25CA-8EFB-B1EAB833CB9C}"/>
+              </a:ext>
+            </a:extLst>
+          </p:cNvPr>
+          <p:cNvSpPr>
+            <a:spLocks noGrp="1"/>
+          </p:cNvSpPr>
+          <p:nvPr>
+            <p:ph type="title"/>
+          </p:nvPr>
+        </p:nvSpPr>
+        <p:spPr/>
+        <p:txBody>
+          <a:bodyPr>
+            <a:normAutofit/>
+          </a:bodyPr>
+          <a:lstStyle>
+            <a:lvl1pPr marL="0" indent="0">
+              <a:buFont typeface="Arial" panose="020B0604020202020204" pitchFamily="34" charset="0"/>
+              <a:buNone/>
+              <a:defRPr sz="3800"/>
+            </a:lvl1pPr>
+          </a:lstStyle>
+          <a:p>
+            <a:r>
+              <a:rPr lang="en-US" dirty="0"/>
+              <a:t>Click to edit Master title style</a:t>
+            </a:r>
+          </a:p>
+        </p:txBody>
+      </p:sp>
+    </p:spTree>
+    <p:extLst>
+      <p:ext uri="{BB962C8B-B14F-4D97-AF65-F5344CB8AC3E}">
+        <p14:creationId xmlns:p14="http://schemas.microsoft.com/office/powerpoint/2010/main" val="2374531096"/>
+      </p:ext>
+    </p:extLst>
+  </p:cSld>
+  <p:clrMapOvr>
+    <a:masterClrMapping/>
+  </p:clrMapOvr>
+</p:sldLayout>
+</file>
+
+<file path=ppt/slideLayouts/slideLayout14.xml><?xml version="1.0" encoding="utf-8"?>
 <p:sldLayout xmlns:a="http://schemas.openxmlformats.org/drawingml/2006/main" xmlns:r="http://schemas.openxmlformats.org/officeDocument/2006/relationships" xmlns:p="http://schemas.openxmlformats.org/presentationml/2006/main" preserve="1" userDrawn="1">
   <p:cSld name="Title Slide">
     <p:spTree>
@@ -1309,7 +1445,7 @@
 </p:sldLayout>
 </file>
 
-<file path=ppt/slideLayouts/slideLayout14.xml><?xml version="1.0" encoding="utf-8"?>
+<file path=ppt/slideLayouts/slideLayout15.xml><?xml version="1.0" encoding="utf-8"?>
 <p:sldLayout xmlns:a="http://schemas.openxmlformats.org/drawingml/2006/main" xmlns:r="http://schemas.openxmlformats.org/officeDocument/2006/relationships" xmlns:p="http://schemas.openxmlformats.org/presentationml/2006/main" preserve="1" userDrawn="1">
   <p:cSld name="1_Title Slide">
     <p:spTree>
@@ -1689,7 +1825,7 @@
           <a:p>
             <a:fld id="{19E3F066-8095-7A47-8BBF-FB45577C0028}" type="datetimeFigureOut">
               <a:rPr lang="en-US" smtClean="0"/>
-              <a:t>11/28/22</a:t>
+              <a:t>11/29/22</a:t>
             </a:fld>
             <a:endParaRPr lang="en-US"/>
           </a:p>
@@ -1964,7 +2100,7 @@
           <a:p>
             <a:fld id="{19E3F066-8095-7A47-8BBF-FB45577C0028}" type="datetimeFigureOut">
               <a:rPr lang="en-US" smtClean="0"/>
-              <a:t>11/28/22</a:t>
+              <a:t>11/29/22</a:t>
             </a:fld>
             <a:endParaRPr lang="en-US"/>
           </a:p>
@@ -2229,7 +2365,7 @@
           <a:p>
             <a:fld id="{19E3F066-8095-7A47-8BBF-FB45577C0028}" type="datetimeFigureOut">
               <a:rPr lang="en-US" smtClean="0"/>
-              <a:t>11/28/22</a:t>
+              <a:t>11/29/22</a:t>
             </a:fld>
             <a:endParaRPr lang="en-US"/>
           </a:p>
@@ -2641,7 +2777,7 @@
           <a:p>
             <a:fld id="{19E3F066-8095-7A47-8BBF-FB45577C0028}" type="datetimeFigureOut">
               <a:rPr lang="en-US" smtClean="0"/>
-              <a:t>11/28/22</a:t>
+              <a:t>11/29/22</a:t>
             </a:fld>
             <a:endParaRPr lang="en-US"/>
           </a:p>
@@ -2782,7 +2918,7 @@
           <a:p>
             <a:fld id="{19E3F066-8095-7A47-8BBF-FB45577C0028}" type="datetimeFigureOut">
               <a:rPr lang="en-US" smtClean="0"/>
-              <a:t>11/28/22</a:t>
+              <a:t>11/29/22</a:t>
             </a:fld>
             <a:endParaRPr lang="en-US"/>
           </a:p>
@@ -2895,7 +3031,7 @@
           <a:p>
             <a:fld id="{19E3F066-8095-7A47-8BBF-FB45577C0028}" type="datetimeFigureOut">
               <a:rPr lang="en-US" smtClean="0"/>
-              <a:t>11/28/22</a:t>
+              <a:t>11/29/22</a:t>
             </a:fld>
             <a:endParaRPr lang="en-US"/>
           </a:p>
@@ -3206,7 +3342,7 @@
           <a:p>
             <a:fld id="{19E3F066-8095-7A47-8BBF-FB45577C0028}" type="datetimeFigureOut">
               <a:rPr lang="en-US" smtClean="0"/>
-              <a:t>11/28/22</a:t>
+              <a:t>11/29/22</a:t>
             </a:fld>
             <a:endParaRPr lang="en-US"/>
           </a:p>
@@ -3494,7 +3630,7 @@
           <a:p>
             <a:fld id="{19E3F066-8095-7A47-8BBF-FB45577C0028}" type="datetimeFigureOut">
               <a:rPr lang="en-US" smtClean="0"/>
-              <a:t>11/28/22</a:t>
+              <a:t>11/29/22</a:t>
             </a:fld>
             <a:endParaRPr lang="en-US"/>
           </a:p>
@@ -3735,7 +3871,7 @@
           <a:p>
             <a:fld id="{19E3F066-8095-7A47-8BBF-FB45577C0028}" type="datetimeFigureOut">
               <a:rPr lang="en-US" smtClean="0"/>
-              <a:t>11/28/22</a:t>
+              <a:t>11/29/22</a:t>
             </a:fld>
             <a:endParaRPr lang="en-US"/>
           </a:p>
@@ -3844,7 +3980,7 @@
           <p:nvPr userDrawn="1"/>
         </p:nvPicPr>
         <p:blipFill>
-          <a:blip r:embed="rId14"/>
+          <a:blip r:embed="rId15"/>
           <a:stretch/>
         </p:blipFill>
         <p:spPr>
@@ -3881,6 +4017,7 @@
     <p:sldLayoutId id="2147483689" r:id="rId10"/>
     <p:sldLayoutId id="2147483690" r:id="rId11"/>
     <p:sldLayoutId id="2147483692" r:id="rId12"/>
+    <p:sldLayoutId id="2147483693" r:id="rId13"/>
   </p:sldLayoutIdLst>
   <p:txStyles>
     <p:titleStyle>
@@ -4228,7 +4365,7 @@
           <a:p>
             <a:fld id="{9530ACA4-BD8C-D448-95CA-FC1634E9A82C}" type="datetimeFigureOut">
               <a:rPr lang="en-US" smtClean="0"/>
-              <a:t>11/28/22</a:t>
+              <a:t>11/29/22</a:t>
             </a:fld>
             <a:endParaRPr lang="en-US"/>
           </a:p>
@@ -4806,6 +4943,119 @@
 </file>
 
 <file path=ppt/slides/slide3.xml><?xml version="1.0" encoding="utf-8"?>
+<p:sld xmlns:a="http://schemas.openxmlformats.org/drawingml/2006/main" xmlns:r="http://schemas.openxmlformats.org/officeDocument/2006/relationships" xmlns:p="http://schemas.openxmlformats.org/presentationml/2006/main">
+  <p:cSld>
+    <p:spTree>
+      <p:nvGrpSpPr>
+        <p:cNvPr id="1" name=""/>
+        <p:cNvGrpSpPr/>
+        <p:nvPr/>
+      </p:nvGrpSpPr>
+      <p:grpSpPr>
+        <a:xfrm>
+          <a:off x="0" y="0"/>
+          <a:ext cx="0" cy="0"/>
+          <a:chOff x="0" y="0"/>
+          <a:chExt cx="0" cy="0"/>
+        </a:xfrm>
+      </p:grpSpPr>
+      <p:pic>
+        <p:nvPicPr>
+          <p:cNvPr id="8" name="Picture 7" descr="Question marks in a line and one question mark is lit">
+            <a:extLst>
+              <a:ext uri="{FF2B5EF4-FFF2-40B4-BE49-F238E27FC236}">
+                <a16:creationId xmlns:a16="http://schemas.microsoft.com/office/drawing/2014/main" id="{12797137-2A82-CF84-DC83-7388192901FD}"/>
+              </a:ext>
+            </a:extLst>
+          </p:cNvPr>
+          <p:cNvPicPr>
+            <a:picLocks noChangeAspect="1"/>
+          </p:cNvPicPr>
+          <p:nvPr/>
+        </p:nvPicPr>
+        <p:blipFill rotWithShape="1">
+          <a:blip r:embed="rId2" cstate="print">
+            <a:extLst>
+              <a:ext uri="{28A0092B-C50C-407E-A947-70E740481C1C}">
+                <a14:useLocalDpi xmlns:a14="http://schemas.microsoft.com/office/drawing/2010/main"/>
+              </a:ext>
+            </a:extLst>
+          </a:blip>
+          <a:srcRect/>
+          <a:stretch/>
+        </p:blipFill>
+        <p:spPr>
+          <a:xfrm>
+            <a:off x="609480" y="1604520"/>
+            <a:ext cx="10972440" cy="3977280"/>
+          </a:xfrm>
+          <a:prstGeom prst="rect">
+            <a:avLst/>
+          </a:prstGeom>
+          <a:noFill/>
+          <a:ln w="0">
+            <a:noFill/>
+          </a:ln>
+        </p:spPr>
+      </p:pic>
+      <p:sp>
+        <p:nvSpPr>
+          <p:cNvPr id="5" name="Title 4">
+            <a:extLst>
+              <a:ext uri="{FF2B5EF4-FFF2-40B4-BE49-F238E27FC236}">
+                <a16:creationId xmlns:a16="http://schemas.microsoft.com/office/drawing/2014/main" id="{D165FB1A-692C-4624-ECCE-A294CCE7B105}"/>
+              </a:ext>
+            </a:extLst>
+          </p:cNvPr>
+          <p:cNvSpPr>
+            <a:spLocks noGrp="1"/>
+          </p:cNvSpPr>
+          <p:nvPr>
+            <p:ph type="title"/>
+          </p:nvPr>
+        </p:nvSpPr>
+        <p:spPr>
+          <a:xfrm>
+            <a:off x="1453320" y="262440"/>
+            <a:ext cx="9018360" cy="907454"/>
+          </a:xfrm>
+        </p:spPr>
+        <p:txBody>
+          <a:bodyPr anchor="t">
+            <a:normAutofit/>
+          </a:bodyPr>
+          <a:lstStyle/>
+          <a:p>
+            <a:pPr marL="0" indent="0" algn="ctr">
+              <a:buNone/>
+            </a:pPr>
+            <a:r>
+              <a:rPr lang="en-US" sz="3800" b="1" dirty="0">
+                <a:solidFill>
+                  <a:srgbClr val="000000"/>
+                </a:solidFill>
+                <a:latin typeface="Arial" panose="020B0604020202020204" pitchFamily="34" charset="0"/>
+                <a:cs typeface="Arial" panose="020B0604020202020204" pitchFamily="34" charset="0"/>
+              </a:rPr>
+              <a:t>Why Does It Matter To You?</a:t>
+            </a:r>
+          </a:p>
+        </p:txBody>
+      </p:sp>
+    </p:spTree>
+    <p:extLst>
+      <p:ext uri="{BB962C8B-B14F-4D97-AF65-F5344CB8AC3E}">
+        <p14:creationId xmlns:p14="http://schemas.microsoft.com/office/powerpoint/2010/main" val="2358251488"/>
+      </p:ext>
+    </p:extLst>
+  </p:cSld>
+  <p:clrMapOvr>
+    <a:masterClrMapping/>
+  </p:clrMapOvr>
+</p:sld>
+</file>
+
+<file path=ppt/slides/slide4.xml><?xml version="1.0" encoding="utf-8"?>
 <p:sld xmlns:a="http://schemas.openxmlformats.org/drawingml/2006/main" xmlns:r="http://schemas.openxmlformats.org/officeDocument/2006/relationships" xmlns:p="http://schemas.openxmlformats.org/presentationml/2006/main">
   <p:cSld>
     <p:spTree>
